--- a/Week 4-2018.pptx
+++ b/Week 4-2018.pptx
@@ -136,7 +136,7 @@
   </p:defaultTextStyle>
   <p:extLst>
     <p:ext uri="{EFAFB233-063F-42B5-8137-9DF3F51BA10A}">
-      <p15:sldGuideLst xmlns="" xmlns:p15="http://schemas.microsoft.com/office/powerpoint/2012/main">
+      <p15:sldGuideLst xmlns:p15="http://schemas.microsoft.com/office/powerpoint/2012/main">
         <p15:guide id="1" orient="horz" pos="804" userDrawn="1">
           <p15:clr>
             <a:srgbClr val="A4A3A4"/>
@@ -165,7 +165,7 @@
       </p15:sldGuideLst>
     </p:ext>
     <p:ext uri="{2D200454-40CA-4A62-9FC3-DE9A4176ACB9}">
-      <p15:notesGuideLst xmlns="" xmlns:p15="http://schemas.microsoft.com/office/powerpoint/2012/main">
+      <p15:notesGuideLst xmlns:p15="http://schemas.microsoft.com/office/powerpoint/2012/main">
         <p15:guide id="1" orient="horz" pos="2254" userDrawn="1">
           <p15:clr>
             <a:srgbClr val="A4A3A4"/>
@@ -198,7 +198,7 @@
   <p:cmAuthor id="1" name="Sutton, Brad" initials="SB" lastIdx="2" clrIdx="1">
     <p:extLst>
       <p:ext uri="{19B8F6BF-5375-455C-9EA6-DF929625EA0E}">
-        <p15:presenceInfo xmlns="" xmlns:p15="http://schemas.microsoft.com/office/powerpoint/2012/main" userId="S-1-5-21-111288279-36659543-794563710-12668" providerId="AD"/>
+        <p15:presenceInfo xmlns:p15="http://schemas.microsoft.com/office/powerpoint/2012/main" userId="S-1-5-21-111288279-36659543-794563710-12668" providerId="AD"/>
       </p:ext>
     </p:extLst>
   </p:cmAuthor>
@@ -288,7 +288,7 @@
             <a:fld id="{05E48B40-F575-F045-AF98-7241656AD336}" type="datetimeFigureOut">
               <a:rPr lang="en-US" smtClean="0"/>
               <a:pPr/>
-              <a:t>5/27/2018</a:t>
+              <a:t>10/8/19</a:t>
             </a:fld>
             <a:endParaRPr lang="en-US"/>
           </a:p>
@@ -364,7 +364,7 @@
     </p:spTree>
     <p:extLst>
       <p:ext uri="{BB962C8B-B14F-4D97-AF65-F5344CB8AC3E}">
-        <p14:creationId xmlns="" xmlns:p14="http://schemas.microsoft.com/office/powerpoint/2010/main" val="3592518254"/>
+        <p14:creationId xmlns:p14="http://schemas.microsoft.com/office/powerpoint/2010/main" val="3592518254"/>
       </p:ext>
     </p:extLst>
   </p:cSld>
@@ -455,7 +455,7 @@
             <a:fld id="{5503108B-28A2-4A1F-97E4-23F53BEF9B1F}" type="datetimeFigureOut">
               <a:rPr lang="en-US" smtClean="0"/>
               <a:pPr/>
-              <a:t>5/27/2018</a:t>
+              <a:t>10/8/19</a:t>
             </a:fld>
             <a:endParaRPr lang="en-US"/>
           </a:p>
@@ -519,38 +519,37 @@
           <a:p>
             <a:pPr lvl="0"/>
             <a:r>
-              <a:rPr lang="en-US" smtClean="0"/>
+              <a:rPr lang="en-US"/>
               <a:t>Click to edit Master text styles</a:t>
             </a:r>
           </a:p>
           <a:p>
             <a:pPr lvl="1"/>
             <a:r>
-              <a:rPr lang="en-US" smtClean="0"/>
+              <a:rPr lang="en-US"/>
               <a:t>Second level</a:t>
             </a:r>
           </a:p>
           <a:p>
             <a:pPr lvl="2"/>
             <a:r>
-              <a:rPr lang="en-US" smtClean="0"/>
+              <a:rPr lang="en-US"/>
               <a:t>Third level</a:t>
             </a:r>
           </a:p>
           <a:p>
             <a:pPr lvl="3"/>
             <a:r>
-              <a:rPr lang="en-US" smtClean="0"/>
+              <a:rPr lang="en-US"/>
               <a:t>Fourth level</a:t>
             </a:r>
           </a:p>
           <a:p>
             <a:pPr lvl="4"/>
             <a:r>
-              <a:rPr lang="en-US" smtClean="0"/>
+              <a:rPr lang="en-US"/>
               <a:t>Fifth level</a:t>
             </a:r>
-            <a:endParaRPr lang="en-US"/>
           </a:p>
         </p:txBody>
       </p:sp>
@@ -624,7 +623,7 @@
     </p:spTree>
     <p:extLst>
       <p:ext uri="{BB962C8B-B14F-4D97-AF65-F5344CB8AC3E}">
-        <p14:creationId xmlns="" xmlns:p14="http://schemas.microsoft.com/office/powerpoint/2010/main" val="4041134893"/>
+        <p14:creationId xmlns:p14="http://schemas.microsoft.com/office/powerpoint/2010/main" val="4041134893"/>
       </p:ext>
     </p:extLst>
   </p:cSld>
@@ -724,6 +723,91 @@
 </p:notesMaster>
 </file>
 
+<file path=ppt/notesSlides/notesSlide1.xml><?xml version="1.0" encoding="utf-8"?>
+<p:notes xmlns:a="http://schemas.openxmlformats.org/drawingml/2006/main" xmlns:r="http://schemas.openxmlformats.org/officeDocument/2006/relationships" xmlns:p="http://schemas.openxmlformats.org/presentationml/2006/main">
+  <p:cSld>
+    <p:spTree>
+      <p:nvGrpSpPr>
+        <p:cNvPr id="1" name=""/>
+        <p:cNvGrpSpPr/>
+        <p:nvPr/>
+      </p:nvGrpSpPr>
+      <p:grpSpPr>
+        <a:xfrm>
+          <a:off x="0" y="0"/>
+          <a:ext cx="0" cy="0"/>
+          <a:chOff x="0" y="0"/>
+          <a:chExt cx="0" cy="0"/>
+        </a:xfrm>
+      </p:grpSpPr>
+      <p:sp>
+        <p:nvSpPr>
+          <p:cNvPr id="2" name="Slide Image Placeholder 1"/>
+          <p:cNvSpPr>
+            <a:spLocks noGrp="1" noRot="1" noChangeAspect="1"/>
+          </p:cNvSpPr>
+          <p:nvPr>
+            <p:ph type="sldImg"/>
+          </p:nvPr>
+        </p:nvSpPr>
+        <p:spPr/>
+      </p:sp>
+      <p:sp>
+        <p:nvSpPr>
+          <p:cNvPr id="3" name="Notes Placeholder 2"/>
+          <p:cNvSpPr>
+            <a:spLocks noGrp="1"/>
+          </p:cNvSpPr>
+          <p:nvPr>
+            <p:ph type="body" idx="1"/>
+          </p:nvPr>
+        </p:nvSpPr>
+        <p:spPr/>
+        <p:txBody>
+          <a:bodyPr/>
+          <a:lstStyle/>
+          <a:p>
+            <a:endParaRPr lang="en-US" dirty="0"/>
+          </a:p>
+        </p:txBody>
+      </p:sp>
+      <p:sp>
+        <p:nvSpPr>
+          <p:cNvPr id="4" name="Slide Number Placeholder 3"/>
+          <p:cNvSpPr>
+            <a:spLocks noGrp="1"/>
+          </p:cNvSpPr>
+          <p:nvPr>
+            <p:ph type="sldNum" sz="quarter" idx="5"/>
+          </p:nvPr>
+        </p:nvSpPr>
+        <p:spPr/>
+        <p:txBody>
+          <a:bodyPr/>
+          <a:lstStyle/>
+          <a:p>
+            <a:fld id="{1A47E64D-F0A2-43B3-B0BA-78A854B03B27}" type="slidenum">
+              <a:rPr lang="en-US" smtClean="0"/>
+              <a:pPr/>
+              <a:t>21</a:t>
+            </a:fld>
+            <a:endParaRPr lang="en-US"/>
+          </a:p>
+        </p:txBody>
+      </p:sp>
+    </p:spTree>
+    <p:extLst>
+      <p:ext uri="{BB962C8B-B14F-4D97-AF65-F5344CB8AC3E}">
+        <p14:creationId xmlns:p14="http://schemas.microsoft.com/office/powerpoint/2010/main" val="1891770593"/>
+      </p:ext>
+    </p:extLst>
+  </p:cSld>
+  <p:clrMapOvr>
+    <a:masterClrMapping/>
+  </p:clrMapOvr>
+</p:notes>
+</file>
+
 <file path=ppt/slideLayouts/slideLayout1.xml><?xml version="1.0" encoding="utf-8"?>
 <p:sldLayout xmlns:a="http://schemas.openxmlformats.org/drawingml/2006/main" xmlns:r="http://schemas.openxmlformats.org/officeDocument/2006/relationships" xmlns:p="http://schemas.openxmlformats.org/presentationml/2006/main" showMasterSp="0" preserve="1" userDrawn="1">
   <p:cSld name="4_Title Blue Back">
@@ -753,7 +837,7 @@
           <a:blip r:embed="rId2" cstate="print">
             <a:extLst>
               <a:ext uri="{28A0092B-C50C-407E-A947-70E740481C1C}">
-                <a14:useLocalDpi xmlns="" xmlns:a14="http://schemas.microsoft.com/office/drawing/2010/main"/>
+                <a14:useLocalDpi xmlns:a14="http://schemas.microsoft.com/office/drawing/2010/main"/>
               </a:ext>
             </a:extLst>
           </a:blip>
@@ -940,7 +1024,7 @@
           <a:blip r:embed="rId3" cstate="email">
             <a:extLst>
               <a:ext uri="{28A0092B-C50C-407E-A947-70E740481C1C}">
-                <a14:useLocalDpi xmlns="" xmlns:a14="http://schemas.microsoft.com/office/drawing/2010/main"/>
+                <a14:useLocalDpi xmlns:a14="http://schemas.microsoft.com/office/drawing/2010/main"/>
               </a:ext>
             </a:extLst>
           </a:blip>
@@ -963,14 +1047,14 @@
           </a:ln>
           <a:extLst>
             <a:ext uri="{909E8E84-426E-40DD-AFC4-6F175D3DCCD1}">
-              <a14:hiddenFill xmlns="" xmlns:a14="http://schemas.microsoft.com/office/drawing/2010/main">
+              <a14:hiddenFill xmlns:a14="http://schemas.microsoft.com/office/drawing/2010/main">
                 <a:solidFill>
                   <a:srgbClr val="FFFFFF"/>
                 </a:solidFill>
               </a14:hiddenFill>
             </a:ext>
             <a:ext uri="{91240B29-F687-4F45-9708-019B960494DF}">
-              <a14:hiddenLine xmlns="" xmlns:a14="http://schemas.microsoft.com/office/drawing/2010/main" w="9525">
+              <a14:hiddenLine xmlns:a14="http://schemas.microsoft.com/office/drawing/2010/main" w="9525">
                 <a:solidFill>
                   <a:srgbClr val="000000"/>
                 </a:solidFill>
@@ -994,7 +1078,7 @@
           <a:blip r:embed="rId4" cstate="print">
             <a:extLst>
               <a:ext uri="{28A0092B-C50C-407E-A947-70E740481C1C}">
-                <a14:useLocalDpi xmlns="" xmlns:a14="http://schemas.microsoft.com/office/drawing/2010/main"/>
+                <a14:useLocalDpi xmlns:a14="http://schemas.microsoft.com/office/drawing/2010/main"/>
               </a:ext>
             </a:extLst>
           </a:blip>
@@ -1042,7 +1126,7 @@
           </a:lstStyle>
           <a:p>
             <a:r>
-              <a:rPr lang="en-US" smtClean="0"/>
+              <a:rPr lang="en-US"/>
               <a:t>Click to edit Master title style</a:t>
             </a:r>
             <a:endParaRPr lang="en-US" dirty="0"/>
@@ -1114,7 +1198,7 @@
           </a:lstStyle>
           <a:p>
             <a:r>
-              <a:rPr lang="en-US" smtClean="0"/>
+              <a:rPr lang="en-US"/>
               <a:t>Click to edit Master subtitle style</a:t>
             </a:r>
             <a:endParaRPr lang="en-US" dirty="0"/>
@@ -1171,7 +1255,7 @@
           <a:p>
             <a:pPr lvl="0"/>
             <a:r>
-              <a:rPr lang="en-US" smtClean="0"/>
+              <a:rPr lang="en-US"/>
               <a:t>Click to edit Master text styles</a:t>
             </a:r>
           </a:p>
@@ -1180,7 +1264,7 @@
     </p:spTree>
     <p:extLst>
       <p:ext uri="{BB962C8B-B14F-4D97-AF65-F5344CB8AC3E}">
-        <p14:creationId xmlns="" xmlns:p14="http://schemas.microsoft.com/office/powerpoint/2010/main" val="3467182992"/>
+        <p14:creationId xmlns:p14="http://schemas.microsoft.com/office/powerpoint/2010/main" val="3467182992"/>
       </p:ext>
     </p:extLst>
   </p:cSld>
@@ -1190,13 +1274,6 @@
   <p:transition>
     <p:fade/>
   </p:transition>
-  <p:timing>
-    <p:tnLst>
-      <p:par>
-        <p:cTn id="1" dur="indefinite" restart="never" nodeType="tmRoot"/>
-      </p:par>
-    </p:tnLst>
-  </p:timing>
 </p:sldLayout>
 </file>
 
@@ -1244,7 +1321,7 @@
           </a:lstStyle>
           <a:p>
             <a:r>
-              <a:rPr lang="en-US" smtClean="0"/>
+              <a:rPr lang="en-US"/>
               <a:t>Click to edit Master title style</a:t>
             </a:r>
             <a:endParaRPr lang="en-US" dirty="0"/>
@@ -1364,7 +1441,7 @@
           <a:p>
             <a:pPr lvl="0"/>
             <a:r>
-              <a:rPr lang="en-US" smtClean="0"/>
+              <a:rPr lang="en-US"/>
               <a:t>Click to edit Master text styles</a:t>
             </a:r>
           </a:p>
@@ -1382,7 +1459,7 @@
           <a:blip r:embed="rId2" cstate="print">
             <a:extLst>
               <a:ext uri="{28A0092B-C50C-407E-A947-70E740481C1C}">
-                <a14:useLocalDpi xmlns="" xmlns:a14="http://schemas.microsoft.com/office/drawing/2010/main"/>
+                <a14:useLocalDpi xmlns:a14="http://schemas.microsoft.com/office/drawing/2010/main"/>
               </a:ext>
             </a:extLst>
           </a:blip>
@@ -1402,7 +1479,7 @@
     </p:spTree>
     <p:extLst>
       <p:ext uri="{BB962C8B-B14F-4D97-AF65-F5344CB8AC3E}">
-        <p14:creationId xmlns="" xmlns:p14="http://schemas.microsoft.com/office/powerpoint/2010/main" val="1279471637"/>
+        <p14:creationId xmlns:p14="http://schemas.microsoft.com/office/powerpoint/2010/main" val="1279471637"/>
       </p:ext>
     </p:extLst>
   </p:cSld>
@@ -1414,7 +1491,7 @@
   </p:transition>
   <p:extLst mod="1">
     <p:ext uri="{DCECCB84-F9BA-43D5-87BE-67443E8EF086}">
-      <p15:sldGuideLst xmlns="" xmlns:p15="http://schemas.microsoft.com/office/powerpoint/2012/main">
+      <p15:sldGuideLst xmlns:p15="http://schemas.microsoft.com/office/powerpoint/2012/main">
         <p15:guide id="1" pos="2880">
           <p15:clr>
             <a:srgbClr val="FBAE40"/>
@@ -1465,7 +1542,7 @@
           </a:lstStyle>
           <a:p>
             <a:r>
-              <a:rPr lang="en-US" smtClean="0"/>
+              <a:rPr lang="en-US"/>
               <a:t>Click to edit Master title style</a:t>
             </a:r>
             <a:endParaRPr lang="en-US" dirty="0"/>
@@ -1577,35 +1654,35 @@
           <a:p>
             <a:pPr lvl="0"/>
             <a:r>
-              <a:rPr lang="en-US" smtClean="0"/>
+              <a:rPr lang="en-US"/>
               <a:t>Click to edit Master text styles</a:t>
             </a:r>
           </a:p>
           <a:p>
             <a:pPr lvl="1"/>
             <a:r>
-              <a:rPr lang="en-US" smtClean="0"/>
+              <a:rPr lang="en-US"/>
               <a:t>Second level</a:t>
             </a:r>
           </a:p>
           <a:p>
             <a:pPr lvl="2"/>
             <a:r>
-              <a:rPr lang="en-US" smtClean="0"/>
+              <a:rPr lang="en-US"/>
               <a:t>Third level</a:t>
             </a:r>
           </a:p>
           <a:p>
             <a:pPr lvl="3"/>
             <a:r>
-              <a:rPr lang="en-US" smtClean="0"/>
+              <a:rPr lang="en-US"/>
               <a:t>Fourth level</a:t>
             </a:r>
           </a:p>
           <a:p>
             <a:pPr lvl="4"/>
             <a:r>
-              <a:rPr lang="en-US" smtClean="0"/>
+              <a:rPr lang="en-US"/>
               <a:t>Fifth level</a:t>
             </a:r>
             <a:endParaRPr lang="en-US" dirty="0"/>
@@ -1615,7 +1692,7 @@
     </p:spTree>
     <p:extLst>
       <p:ext uri="{BB962C8B-B14F-4D97-AF65-F5344CB8AC3E}">
-        <p14:creationId xmlns="" xmlns:p14="http://schemas.microsoft.com/office/powerpoint/2010/main" val="3207705237"/>
+        <p14:creationId xmlns:p14="http://schemas.microsoft.com/office/powerpoint/2010/main" val="3207705237"/>
       </p:ext>
     </p:extLst>
   </p:cSld>
@@ -1627,7 +1704,7 @@
   </p:transition>
   <p:extLst>
     <p:ext uri="{DCECCB84-F9BA-43D5-87BE-67443E8EF086}">
-      <p15:sldGuideLst xmlns="" xmlns:p15="http://schemas.microsoft.com/office/powerpoint/2012/main">
+      <p15:sldGuideLst xmlns:p15="http://schemas.microsoft.com/office/powerpoint/2012/main">
         <p15:guide id="2" pos="2880" userDrawn="1">
           <p15:clr>
             <a:srgbClr val="FBAE40"/>
@@ -1672,7 +1749,7 @@
           <a:lstStyle/>
           <a:p>
             <a:r>
-              <a:rPr lang="en-US" smtClean="0"/>
+              <a:rPr lang="en-US"/>
               <a:t>Click to edit Master title style</a:t>
             </a:r>
             <a:endParaRPr lang="en-US" dirty="0"/>
@@ -1752,35 +1829,35 @@
           <a:p>
             <a:pPr lvl="0"/>
             <a:r>
-              <a:rPr lang="en-US" smtClean="0"/>
+              <a:rPr lang="en-US"/>
               <a:t>Click to edit Master text styles</a:t>
             </a:r>
           </a:p>
           <a:p>
             <a:pPr lvl="1"/>
             <a:r>
-              <a:rPr lang="en-US" smtClean="0"/>
+              <a:rPr lang="en-US"/>
               <a:t>Second level</a:t>
             </a:r>
           </a:p>
           <a:p>
             <a:pPr lvl="2"/>
             <a:r>
-              <a:rPr lang="en-US" smtClean="0"/>
+              <a:rPr lang="en-US"/>
               <a:t>Third level</a:t>
             </a:r>
           </a:p>
           <a:p>
             <a:pPr lvl="3"/>
             <a:r>
-              <a:rPr lang="en-US" smtClean="0"/>
+              <a:rPr lang="en-US"/>
               <a:t>Fourth level</a:t>
             </a:r>
           </a:p>
           <a:p>
             <a:pPr lvl="4"/>
             <a:r>
-              <a:rPr lang="en-US" smtClean="0"/>
+              <a:rPr lang="en-US"/>
               <a:t>Fifth level</a:t>
             </a:r>
             <a:endParaRPr lang="en-US" dirty="0"/>
@@ -1860,35 +1937,35 @@
           <a:p>
             <a:pPr lvl="0"/>
             <a:r>
-              <a:rPr lang="en-US" smtClean="0"/>
+              <a:rPr lang="en-US"/>
               <a:t>Click to edit Master text styles</a:t>
             </a:r>
           </a:p>
           <a:p>
             <a:pPr lvl="1"/>
             <a:r>
-              <a:rPr lang="en-US" smtClean="0"/>
+              <a:rPr lang="en-US"/>
               <a:t>Second level</a:t>
             </a:r>
           </a:p>
           <a:p>
             <a:pPr lvl="2"/>
             <a:r>
-              <a:rPr lang="en-US" smtClean="0"/>
+              <a:rPr lang="en-US"/>
               <a:t>Third level</a:t>
             </a:r>
           </a:p>
           <a:p>
             <a:pPr lvl="3"/>
             <a:r>
-              <a:rPr lang="en-US" smtClean="0"/>
+              <a:rPr lang="en-US"/>
               <a:t>Fourth level</a:t>
             </a:r>
           </a:p>
           <a:p>
             <a:pPr lvl="4"/>
             <a:r>
-              <a:rPr lang="en-US" smtClean="0"/>
+              <a:rPr lang="en-US"/>
               <a:t>Fifth level</a:t>
             </a:r>
             <a:endParaRPr lang="en-US" dirty="0"/>
@@ -1898,7 +1975,7 @@
     </p:spTree>
     <p:extLst>
       <p:ext uri="{BB962C8B-B14F-4D97-AF65-F5344CB8AC3E}">
-        <p14:creationId xmlns="" xmlns:p14="http://schemas.microsoft.com/office/powerpoint/2010/main" val="3697880641"/>
+        <p14:creationId xmlns:p14="http://schemas.microsoft.com/office/powerpoint/2010/main" val="3697880641"/>
       </p:ext>
     </p:extLst>
   </p:cSld>
@@ -1989,7 +2066,7 @@
           <a:p>
             <a:pPr lvl="0"/>
             <a:r>
-              <a:rPr lang="en-US" smtClean="0"/>
+              <a:rPr lang="en-US"/>
               <a:t>Click to edit Master text styles</a:t>
             </a:r>
           </a:p>
@@ -2070,35 +2147,35 @@
           <a:p>
             <a:pPr lvl="0"/>
             <a:r>
-              <a:rPr lang="en-US" smtClean="0"/>
+              <a:rPr lang="en-US"/>
               <a:t>Click to edit Master text styles</a:t>
             </a:r>
           </a:p>
           <a:p>
             <a:pPr lvl="1"/>
             <a:r>
-              <a:rPr lang="en-US" smtClean="0"/>
+              <a:rPr lang="en-US"/>
               <a:t>Second level</a:t>
             </a:r>
           </a:p>
           <a:p>
             <a:pPr lvl="2"/>
             <a:r>
-              <a:rPr lang="en-US" smtClean="0"/>
+              <a:rPr lang="en-US"/>
               <a:t>Third level</a:t>
             </a:r>
           </a:p>
           <a:p>
             <a:pPr lvl="3"/>
             <a:r>
-              <a:rPr lang="en-US" smtClean="0"/>
+              <a:rPr lang="en-US"/>
               <a:t>Fourth level</a:t>
             </a:r>
           </a:p>
           <a:p>
             <a:pPr lvl="4"/>
             <a:r>
-              <a:rPr lang="en-US" smtClean="0"/>
+              <a:rPr lang="en-US"/>
               <a:t>Fifth level</a:t>
             </a:r>
             <a:endParaRPr lang="en-US" dirty="0"/>
@@ -2166,7 +2243,7 @@
           <a:p>
             <a:pPr lvl="0"/>
             <a:r>
-              <a:rPr lang="en-US" smtClean="0"/>
+              <a:rPr lang="en-US"/>
               <a:t>Click to edit Master text styles</a:t>
             </a:r>
           </a:p>
@@ -2247,35 +2324,35 @@
           <a:p>
             <a:pPr lvl="0"/>
             <a:r>
-              <a:rPr lang="en-US" smtClean="0"/>
+              <a:rPr lang="en-US"/>
               <a:t>Click to edit Master text styles</a:t>
             </a:r>
           </a:p>
           <a:p>
             <a:pPr lvl="1"/>
             <a:r>
-              <a:rPr lang="en-US" smtClean="0"/>
+              <a:rPr lang="en-US"/>
               <a:t>Second level</a:t>
             </a:r>
           </a:p>
           <a:p>
             <a:pPr lvl="2"/>
             <a:r>
-              <a:rPr lang="en-US" smtClean="0"/>
+              <a:rPr lang="en-US"/>
               <a:t>Third level</a:t>
             </a:r>
           </a:p>
           <a:p>
             <a:pPr lvl="3"/>
             <a:r>
-              <a:rPr lang="en-US" smtClean="0"/>
+              <a:rPr lang="en-US"/>
               <a:t>Fourth level</a:t>
             </a:r>
           </a:p>
           <a:p>
             <a:pPr lvl="4"/>
             <a:r>
-              <a:rPr lang="en-US" smtClean="0"/>
+              <a:rPr lang="en-US"/>
               <a:t>Fifth level</a:t>
             </a:r>
             <a:endParaRPr lang="en-US" dirty="0"/>
@@ -2298,7 +2375,7 @@
           <a:lstStyle/>
           <a:p>
             <a:r>
-              <a:rPr lang="en-US" smtClean="0"/>
+              <a:rPr lang="en-US"/>
               <a:t>Click to edit Master title style</a:t>
             </a:r>
             <a:endParaRPr lang="en-US" dirty="0"/>
@@ -2308,7 +2385,7 @@
     </p:spTree>
     <p:extLst>
       <p:ext uri="{BB962C8B-B14F-4D97-AF65-F5344CB8AC3E}">
-        <p14:creationId xmlns="" xmlns:p14="http://schemas.microsoft.com/office/powerpoint/2010/main" val="4052999731"/>
+        <p14:creationId xmlns:p14="http://schemas.microsoft.com/office/powerpoint/2010/main" val="4052999731"/>
       </p:ext>
     </p:extLst>
   </p:cSld>
@@ -2362,7 +2439,7 @@
           </a:lstStyle>
           <a:p>
             <a:r>
-              <a:rPr lang="en-US" smtClean="0"/>
+              <a:rPr lang="en-US"/>
               <a:t>Click to edit Master title style</a:t>
             </a:r>
             <a:endParaRPr lang="en-US" dirty="0"/>
@@ -2372,7 +2449,7 @@
     </p:spTree>
     <p:extLst>
       <p:ext uri="{BB962C8B-B14F-4D97-AF65-F5344CB8AC3E}">
-        <p14:creationId xmlns="" xmlns:p14="http://schemas.microsoft.com/office/powerpoint/2010/main" val="1020147025"/>
+        <p14:creationId xmlns:p14="http://schemas.microsoft.com/office/powerpoint/2010/main" val="1020147025"/>
       </p:ext>
     </p:extLst>
   </p:cSld>
@@ -2384,7 +2461,7 @@
   </p:transition>
   <p:extLst mod="1">
     <p:ext uri="{DCECCB84-F9BA-43D5-87BE-67443E8EF086}">
-      <p15:sldGuideLst xmlns="" xmlns:p15="http://schemas.microsoft.com/office/powerpoint/2012/main">
+      <p15:sldGuideLst xmlns:p15="http://schemas.microsoft.com/office/powerpoint/2012/main">
         <p15:guide id="1" pos="4512">
           <p15:clr>
             <a:srgbClr val="FBAE40"/>
@@ -2416,7 +2493,7 @@
     </p:spTree>
     <p:extLst>
       <p:ext uri="{BB962C8B-B14F-4D97-AF65-F5344CB8AC3E}">
-        <p14:creationId xmlns="" xmlns:p14="http://schemas.microsoft.com/office/powerpoint/2010/main" val="3118268302"/>
+        <p14:creationId xmlns:p14="http://schemas.microsoft.com/office/powerpoint/2010/main" val="3118268302"/>
       </p:ext>
     </p:extLst>
   </p:cSld>
@@ -2458,7 +2535,7 @@
           <a:blip r:embed="rId2" cstate="print">
             <a:extLst>
               <a:ext uri="{28A0092B-C50C-407E-A947-70E740481C1C}">
-                <a14:useLocalDpi xmlns="" xmlns:a14="http://schemas.microsoft.com/office/drawing/2010/main"/>
+                <a14:useLocalDpi xmlns:a14="http://schemas.microsoft.com/office/drawing/2010/main"/>
               </a:ext>
             </a:extLst>
           </a:blip>
@@ -2479,14 +2556,14 @@
           </a:ln>
           <a:extLst>
             <a:ext uri="{909E8E84-426E-40DD-AFC4-6F175D3DCCD1}">
-              <a14:hiddenFill xmlns="" xmlns:a14="http://schemas.microsoft.com/office/drawing/2010/main">
+              <a14:hiddenFill xmlns:a14="http://schemas.microsoft.com/office/drawing/2010/main">
                 <a:solidFill>
                   <a:srgbClr val="FFFFFF"/>
                 </a:solidFill>
               </a14:hiddenFill>
             </a:ext>
             <a:ext uri="{91240B29-F687-4F45-9708-019B960494DF}">
-              <a14:hiddenLine xmlns="" xmlns:a14="http://schemas.microsoft.com/office/drawing/2010/main" w="9525">
+              <a14:hiddenLine xmlns:a14="http://schemas.microsoft.com/office/drawing/2010/main" w="9525">
                 <a:solidFill>
                   <a:srgbClr val="000000"/>
                 </a:solidFill>
@@ -2651,7 +2728,7 @@
           <a:blip r:embed="rId3" cstate="email">
             <a:extLst>
               <a:ext uri="{28A0092B-C50C-407E-A947-70E740481C1C}">
-                <a14:useLocalDpi xmlns="" xmlns:a14="http://schemas.microsoft.com/office/drawing/2010/main"/>
+                <a14:useLocalDpi xmlns:a14="http://schemas.microsoft.com/office/drawing/2010/main"/>
               </a:ext>
             </a:extLst>
           </a:blip>
@@ -2674,14 +2751,14 @@
           </a:ln>
           <a:extLst>
             <a:ext uri="{909E8E84-426E-40DD-AFC4-6F175D3DCCD1}">
-              <a14:hiddenFill xmlns="" xmlns:a14="http://schemas.microsoft.com/office/drawing/2010/main">
+              <a14:hiddenFill xmlns:a14="http://schemas.microsoft.com/office/drawing/2010/main">
                 <a:solidFill>
                   <a:srgbClr val="FFFFFF"/>
                 </a:solidFill>
               </a14:hiddenFill>
             </a:ext>
             <a:ext uri="{91240B29-F687-4F45-9708-019B960494DF}">
-              <a14:hiddenLine xmlns="" xmlns:a14="http://schemas.microsoft.com/office/drawing/2010/main" w="9525">
+              <a14:hiddenLine xmlns:a14="http://schemas.microsoft.com/office/drawing/2010/main" w="9525">
                 <a:solidFill>
                   <a:srgbClr val="000000"/>
                 </a:solidFill>
@@ -2705,7 +2782,7 @@
           <a:blip r:embed="rId4" cstate="print">
             <a:extLst>
               <a:ext uri="{28A0092B-C50C-407E-A947-70E740481C1C}">
-                <a14:useLocalDpi xmlns="" xmlns:a14="http://schemas.microsoft.com/office/drawing/2010/main"/>
+                <a14:useLocalDpi xmlns:a14="http://schemas.microsoft.com/office/drawing/2010/main"/>
               </a:ext>
             </a:extLst>
           </a:blip>
@@ -2725,7 +2802,7 @@
     </p:spTree>
     <p:extLst>
       <p:ext uri="{BB962C8B-B14F-4D97-AF65-F5344CB8AC3E}">
-        <p14:creationId xmlns="" xmlns:p14="http://schemas.microsoft.com/office/powerpoint/2010/main" val="3190870356"/>
+        <p14:creationId xmlns:p14="http://schemas.microsoft.com/office/powerpoint/2010/main" val="3190870356"/>
       </p:ext>
     </p:extLst>
   </p:cSld>
@@ -2786,7 +2863,7 @@
           <a:blip r:embed="rId2" cstate="print">
             <a:extLst>
               <a:ext uri="{28A0092B-C50C-407E-A947-70E740481C1C}">
-                <a14:useLocalDpi xmlns="" xmlns:a14="http://schemas.microsoft.com/office/drawing/2010/main"/>
+                <a14:useLocalDpi xmlns:a14="http://schemas.microsoft.com/office/drawing/2010/main"/>
               </a:ext>
             </a:extLst>
           </a:blip>
@@ -2807,14 +2884,14 @@
           </a:ln>
           <a:extLst>
             <a:ext uri="{909E8E84-426E-40DD-AFC4-6F175D3DCCD1}">
-              <a14:hiddenFill xmlns="" xmlns:a14="http://schemas.microsoft.com/office/drawing/2010/main">
+              <a14:hiddenFill xmlns:a14="http://schemas.microsoft.com/office/drawing/2010/main">
                 <a:solidFill>
                   <a:srgbClr val="FFFFFF"/>
                 </a:solidFill>
               </a14:hiddenFill>
             </a:ext>
             <a:ext uri="{91240B29-F687-4F45-9708-019B960494DF}">
-              <a14:hiddenLine xmlns="" xmlns:a14="http://schemas.microsoft.com/office/drawing/2010/main" w="9525">
+              <a14:hiddenLine xmlns:a14="http://schemas.microsoft.com/office/drawing/2010/main" w="9525">
                 <a:solidFill>
                   <a:srgbClr val="000000"/>
                 </a:solidFill>
@@ -2976,7 +3053,7 @@
           <a:blip r:embed="rId3" cstate="email">
             <a:extLst>
               <a:ext uri="{28A0092B-C50C-407E-A947-70E740481C1C}">
-                <a14:useLocalDpi xmlns="" xmlns:a14="http://schemas.microsoft.com/office/drawing/2010/main"/>
+                <a14:useLocalDpi xmlns:a14="http://schemas.microsoft.com/office/drawing/2010/main"/>
               </a:ext>
             </a:extLst>
           </a:blip>
@@ -2999,14 +3076,14 @@
           </a:ln>
           <a:extLst>
             <a:ext uri="{909E8E84-426E-40DD-AFC4-6F175D3DCCD1}">
-              <a14:hiddenFill xmlns="" xmlns:a14="http://schemas.microsoft.com/office/drawing/2010/main">
+              <a14:hiddenFill xmlns:a14="http://schemas.microsoft.com/office/drawing/2010/main">
                 <a:solidFill>
                   <a:srgbClr val="FFFFFF"/>
                 </a:solidFill>
               </a14:hiddenFill>
             </a:ext>
             <a:ext uri="{91240B29-F687-4F45-9708-019B960494DF}">
-              <a14:hiddenLine xmlns="" xmlns:a14="http://schemas.microsoft.com/office/drawing/2010/main" w="9525">
+              <a14:hiddenLine xmlns:a14="http://schemas.microsoft.com/office/drawing/2010/main" w="9525">
                 <a:solidFill>
                   <a:srgbClr val="000000"/>
                 </a:solidFill>
@@ -3030,7 +3107,7 @@
           <a:blip r:embed="rId4" cstate="print">
             <a:extLst>
               <a:ext uri="{28A0092B-C50C-407E-A947-70E740481C1C}">
-                <a14:useLocalDpi xmlns="" xmlns:a14="http://schemas.microsoft.com/office/drawing/2010/main"/>
+                <a14:useLocalDpi xmlns:a14="http://schemas.microsoft.com/office/drawing/2010/main"/>
               </a:ext>
             </a:extLst>
           </a:blip>
@@ -3050,7 +3127,7 @@
     </p:spTree>
     <p:extLst>
       <p:ext uri="{BB962C8B-B14F-4D97-AF65-F5344CB8AC3E}">
-        <p14:creationId xmlns="" xmlns:p14="http://schemas.microsoft.com/office/powerpoint/2010/main" val="1360764127"/>
+        <p14:creationId xmlns:p14="http://schemas.microsoft.com/office/powerpoint/2010/main" val="1360764127"/>
       </p:ext>
     </p:extLst>
   </p:cSld>
@@ -3092,7 +3169,7 @@
           <a:blip r:embed="rId2" cstate="print">
             <a:extLst>
               <a:ext uri="{28A0092B-C50C-407E-A947-70E740481C1C}">
-                <a14:useLocalDpi xmlns="" xmlns:a14="http://schemas.microsoft.com/office/drawing/2010/main"/>
+                <a14:useLocalDpi xmlns:a14="http://schemas.microsoft.com/office/drawing/2010/main"/>
               </a:ext>
             </a:extLst>
           </a:blip>
@@ -3115,14 +3192,14 @@
           </a:ln>
           <a:extLst>
             <a:ext uri="{909E8E84-426E-40DD-AFC4-6F175D3DCCD1}">
-              <a14:hiddenFill xmlns="" xmlns:a14="http://schemas.microsoft.com/office/drawing/2010/main">
+              <a14:hiddenFill xmlns:a14="http://schemas.microsoft.com/office/drawing/2010/main">
                 <a:solidFill>
                   <a:srgbClr val="FFFFFF"/>
                 </a:solidFill>
               </a14:hiddenFill>
             </a:ext>
             <a:ext uri="{91240B29-F687-4F45-9708-019B960494DF}">
-              <a14:hiddenLine xmlns="" xmlns:a14="http://schemas.microsoft.com/office/drawing/2010/main" w="9525">
+              <a14:hiddenLine xmlns:a14="http://schemas.microsoft.com/office/drawing/2010/main" w="9525">
                 <a:solidFill>
                   <a:srgbClr val="000000"/>
                 </a:solidFill>
@@ -3150,7 +3227,7 @@
           <a:lstStyle/>
           <a:p>
             <a:r>
-              <a:rPr lang="en-US" smtClean="0"/>
+              <a:rPr lang="en-US"/>
               <a:t>Click to edit Master title style</a:t>
             </a:r>
             <a:endParaRPr lang="en-US" dirty="0"/>
@@ -3260,35 +3337,35 @@
           <a:p>
             <a:pPr lvl="0"/>
             <a:r>
-              <a:rPr lang="en-US" smtClean="0"/>
+              <a:rPr lang="en-US"/>
               <a:t>Click to edit Master text styles</a:t>
             </a:r>
           </a:p>
           <a:p>
             <a:pPr lvl="1"/>
             <a:r>
-              <a:rPr lang="en-US" smtClean="0"/>
+              <a:rPr lang="en-US"/>
               <a:t>Second level</a:t>
             </a:r>
           </a:p>
           <a:p>
             <a:pPr lvl="2"/>
             <a:r>
-              <a:rPr lang="en-US" smtClean="0"/>
+              <a:rPr lang="en-US"/>
               <a:t>Third level</a:t>
             </a:r>
           </a:p>
           <a:p>
             <a:pPr lvl="3"/>
             <a:r>
-              <a:rPr lang="en-US" smtClean="0"/>
+              <a:rPr lang="en-US"/>
               <a:t>Fourth level</a:t>
             </a:r>
           </a:p>
           <a:p>
             <a:pPr lvl="4"/>
             <a:r>
-              <a:rPr lang="en-US" smtClean="0"/>
+              <a:rPr lang="en-US"/>
               <a:t>Fifth level</a:t>
             </a:r>
             <a:endParaRPr lang="en-US" dirty="0"/>
@@ -3298,7 +3375,7 @@
     </p:spTree>
     <p:extLst>
       <p:ext uri="{BB962C8B-B14F-4D97-AF65-F5344CB8AC3E}">
-        <p14:creationId xmlns="" xmlns:p14="http://schemas.microsoft.com/office/powerpoint/2010/main" val="2657891264"/>
+        <p14:creationId xmlns:p14="http://schemas.microsoft.com/office/powerpoint/2010/main" val="2657891264"/>
       </p:ext>
     </p:extLst>
   </p:cSld>
@@ -3340,7 +3417,7 @@
           <a:blip r:embed="rId2" cstate="print">
             <a:extLst>
               <a:ext uri="{28A0092B-C50C-407E-A947-70E740481C1C}">
-                <a14:useLocalDpi xmlns="" xmlns:a14="http://schemas.microsoft.com/office/drawing/2010/main"/>
+                <a14:useLocalDpi xmlns:a14="http://schemas.microsoft.com/office/drawing/2010/main"/>
               </a:ext>
             </a:extLst>
           </a:blip>
@@ -3373,7 +3450,7 @@
           <a:lstStyle/>
           <a:p>
             <a:r>
-              <a:rPr lang="en-US" smtClean="0"/>
+              <a:rPr lang="en-US"/>
               <a:t>Click to edit Master title style</a:t>
             </a:r>
             <a:endParaRPr lang="en-US" dirty="0"/>
@@ -3483,35 +3560,35 @@
           <a:p>
             <a:pPr lvl="0"/>
             <a:r>
-              <a:rPr lang="en-US" smtClean="0"/>
+              <a:rPr lang="en-US"/>
               <a:t>Click to edit Master text styles</a:t>
             </a:r>
           </a:p>
           <a:p>
             <a:pPr lvl="1"/>
             <a:r>
-              <a:rPr lang="en-US" smtClean="0"/>
+              <a:rPr lang="en-US"/>
               <a:t>Second level</a:t>
             </a:r>
           </a:p>
           <a:p>
             <a:pPr lvl="2"/>
             <a:r>
-              <a:rPr lang="en-US" smtClean="0"/>
+              <a:rPr lang="en-US"/>
               <a:t>Third level</a:t>
             </a:r>
           </a:p>
           <a:p>
             <a:pPr lvl="3"/>
             <a:r>
-              <a:rPr lang="en-US" smtClean="0"/>
+              <a:rPr lang="en-US"/>
               <a:t>Fourth level</a:t>
             </a:r>
           </a:p>
           <a:p>
             <a:pPr lvl="4"/>
             <a:r>
-              <a:rPr lang="en-US" smtClean="0"/>
+              <a:rPr lang="en-US"/>
               <a:t>Fifth level</a:t>
             </a:r>
             <a:endParaRPr lang="en-US" dirty="0"/>
@@ -3521,7 +3598,7 @@
     </p:spTree>
     <p:extLst>
       <p:ext uri="{BB962C8B-B14F-4D97-AF65-F5344CB8AC3E}">
-        <p14:creationId xmlns="" xmlns:p14="http://schemas.microsoft.com/office/powerpoint/2010/main" val="4285932641"/>
+        <p14:creationId xmlns:p14="http://schemas.microsoft.com/office/powerpoint/2010/main" val="4285932641"/>
       </p:ext>
     </p:extLst>
   </p:cSld>
@@ -3563,7 +3640,7 @@
           <a:blip r:embed="rId2" cstate="print">
             <a:extLst>
               <a:ext uri="{28A0092B-C50C-407E-A947-70E740481C1C}">
-                <a14:useLocalDpi xmlns="" xmlns:a14="http://schemas.microsoft.com/office/drawing/2010/main"/>
+                <a14:useLocalDpi xmlns:a14="http://schemas.microsoft.com/office/drawing/2010/main"/>
               </a:ext>
             </a:extLst>
           </a:blip>
@@ -3750,7 +3827,7 @@
           <a:blip r:embed="rId3" cstate="email">
             <a:extLst>
               <a:ext uri="{28A0092B-C50C-407E-A947-70E740481C1C}">
-                <a14:useLocalDpi xmlns="" xmlns:a14="http://schemas.microsoft.com/office/drawing/2010/main"/>
+                <a14:useLocalDpi xmlns:a14="http://schemas.microsoft.com/office/drawing/2010/main"/>
               </a:ext>
             </a:extLst>
           </a:blip>
@@ -3773,14 +3850,14 @@
           </a:ln>
           <a:extLst>
             <a:ext uri="{909E8E84-426E-40DD-AFC4-6F175D3DCCD1}">
-              <a14:hiddenFill xmlns="" xmlns:a14="http://schemas.microsoft.com/office/drawing/2010/main">
+              <a14:hiddenFill xmlns:a14="http://schemas.microsoft.com/office/drawing/2010/main">
                 <a:solidFill>
                   <a:srgbClr val="FFFFFF"/>
                 </a:solidFill>
               </a14:hiddenFill>
             </a:ext>
             <a:ext uri="{91240B29-F687-4F45-9708-019B960494DF}">
-              <a14:hiddenLine xmlns="" xmlns:a14="http://schemas.microsoft.com/office/drawing/2010/main" w="9525">
+              <a14:hiddenLine xmlns:a14="http://schemas.microsoft.com/office/drawing/2010/main" w="9525">
                 <a:solidFill>
                   <a:srgbClr val="000000"/>
                 </a:solidFill>
@@ -3804,7 +3881,7 @@
           <a:blip r:embed="rId4" cstate="print">
             <a:extLst>
               <a:ext uri="{28A0092B-C50C-407E-A947-70E740481C1C}">
-                <a14:useLocalDpi xmlns="" xmlns:a14="http://schemas.microsoft.com/office/drawing/2010/main"/>
+                <a14:useLocalDpi xmlns:a14="http://schemas.microsoft.com/office/drawing/2010/main"/>
               </a:ext>
             </a:extLst>
           </a:blip>
@@ -3852,7 +3929,7 @@
           </a:lstStyle>
           <a:p>
             <a:r>
-              <a:rPr lang="en-US" smtClean="0"/>
+              <a:rPr lang="en-US"/>
               <a:t>Click to edit Master title style</a:t>
             </a:r>
             <a:endParaRPr lang="en-US" dirty="0"/>
@@ -3924,7 +4001,7 @@
           </a:lstStyle>
           <a:p>
             <a:r>
-              <a:rPr lang="en-US" smtClean="0"/>
+              <a:rPr lang="en-US"/>
               <a:t>Click to edit Master subtitle style</a:t>
             </a:r>
             <a:endParaRPr lang="en-US" dirty="0"/>
@@ -3981,7 +4058,7 @@
           <a:p>
             <a:pPr lvl="0"/>
             <a:r>
-              <a:rPr lang="en-US" smtClean="0"/>
+              <a:rPr lang="en-US"/>
               <a:t>Click to edit Master text styles</a:t>
             </a:r>
           </a:p>
@@ -3990,7 +4067,7 @@
     </p:spTree>
     <p:extLst>
       <p:ext uri="{BB962C8B-B14F-4D97-AF65-F5344CB8AC3E}">
-        <p14:creationId xmlns="" xmlns:p14="http://schemas.microsoft.com/office/powerpoint/2010/main" val="4131836999"/>
+        <p14:creationId xmlns:p14="http://schemas.microsoft.com/office/powerpoint/2010/main" val="4131836999"/>
       </p:ext>
     </p:extLst>
   </p:cSld>
@@ -4032,7 +4109,7 @@
           <a:blip r:embed="rId2" cstate="print">
             <a:extLst>
               <a:ext uri="{28A0092B-C50C-407E-A947-70E740481C1C}">
-                <a14:useLocalDpi xmlns="" xmlns:a14="http://schemas.microsoft.com/office/drawing/2010/main"/>
+                <a14:useLocalDpi xmlns:a14="http://schemas.microsoft.com/office/drawing/2010/main"/>
               </a:ext>
             </a:extLst>
           </a:blip>
@@ -4052,7 +4129,7 @@
     </p:spTree>
     <p:extLst>
       <p:ext uri="{BB962C8B-B14F-4D97-AF65-F5344CB8AC3E}">
-        <p14:creationId xmlns="" xmlns:p14="http://schemas.microsoft.com/office/powerpoint/2010/main" val="1125800069"/>
+        <p14:creationId xmlns:p14="http://schemas.microsoft.com/office/powerpoint/2010/main" val="1125800069"/>
       </p:ext>
     </p:extLst>
   </p:cSld>
@@ -4094,7 +4171,7 @@
           <a:blip r:embed="rId2" cstate="email">
             <a:extLst>
               <a:ext uri="{28A0092B-C50C-407E-A947-70E740481C1C}">
-                <a14:useLocalDpi xmlns="" xmlns:a14="http://schemas.microsoft.com/office/drawing/2010/main"/>
+                <a14:useLocalDpi xmlns:a14="http://schemas.microsoft.com/office/drawing/2010/main"/>
               </a:ext>
             </a:extLst>
           </a:blip>
@@ -4117,14 +4194,14 @@
           </a:ln>
           <a:extLst>
             <a:ext uri="{909E8E84-426E-40DD-AFC4-6F175D3DCCD1}">
-              <a14:hiddenFill xmlns="" xmlns:a14="http://schemas.microsoft.com/office/drawing/2010/main">
+              <a14:hiddenFill xmlns:a14="http://schemas.microsoft.com/office/drawing/2010/main">
                 <a:solidFill>
                   <a:srgbClr val="FFFFFF"/>
                 </a:solidFill>
               </a14:hiddenFill>
             </a:ext>
             <a:ext uri="{91240B29-F687-4F45-9708-019B960494DF}">
-              <a14:hiddenLine xmlns="" xmlns:a14="http://schemas.microsoft.com/office/drawing/2010/main" w="9525">
+              <a14:hiddenLine xmlns:a14="http://schemas.microsoft.com/office/drawing/2010/main" w="9525">
                 <a:solidFill>
                   <a:srgbClr val="000000"/>
                 </a:solidFill>
@@ -4152,7 +4229,7 @@
           <a:lstStyle/>
           <a:p>
             <a:r>
-              <a:rPr lang="en-US" smtClean="0"/>
+              <a:rPr lang="en-US"/>
               <a:t>Click to edit Master title style</a:t>
             </a:r>
             <a:endParaRPr lang="en-US" dirty="0"/>
@@ -4232,35 +4309,35 @@
           <a:p>
             <a:pPr lvl="0"/>
             <a:r>
-              <a:rPr lang="en-US" smtClean="0"/>
+              <a:rPr lang="en-US"/>
               <a:t>Click to edit Master text styles</a:t>
             </a:r>
           </a:p>
           <a:p>
             <a:pPr lvl="1"/>
             <a:r>
-              <a:rPr lang="en-US" smtClean="0"/>
+              <a:rPr lang="en-US"/>
               <a:t>Second level</a:t>
             </a:r>
           </a:p>
           <a:p>
             <a:pPr lvl="2"/>
             <a:r>
-              <a:rPr lang="en-US" smtClean="0"/>
+              <a:rPr lang="en-US"/>
               <a:t>Third level</a:t>
             </a:r>
           </a:p>
           <a:p>
             <a:pPr lvl="3"/>
             <a:r>
-              <a:rPr lang="en-US" smtClean="0"/>
+              <a:rPr lang="en-US"/>
               <a:t>Fourth level</a:t>
             </a:r>
           </a:p>
           <a:p>
             <a:pPr lvl="4"/>
             <a:r>
-              <a:rPr lang="en-US" smtClean="0"/>
+              <a:rPr lang="en-US"/>
               <a:t>Fifth level</a:t>
             </a:r>
             <a:endParaRPr lang="en-US" dirty="0"/>
@@ -4340,35 +4417,35 @@
           <a:p>
             <a:pPr lvl="0"/>
             <a:r>
-              <a:rPr lang="en-US" smtClean="0"/>
+              <a:rPr lang="en-US"/>
               <a:t>Click to edit Master text styles</a:t>
             </a:r>
           </a:p>
           <a:p>
             <a:pPr lvl="1"/>
             <a:r>
-              <a:rPr lang="en-US" smtClean="0"/>
+              <a:rPr lang="en-US"/>
               <a:t>Second level</a:t>
             </a:r>
           </a:p>
           <a:p>
             <a:pPr lvl="2"/>
             <a:r>
-              <a:rPr lang="en-US" smtClean="0"/>
+              <a:rPr lang="en-US"/>
               <a:t>Third level</a:t>
             </a:r>
           </a:p>
           <a:p>
             <a:pPr lvl="3"/>
             <a:r>
-              <a:rPr lang="en-US" smtClean="0"/>
+              <a:rPr lang="en-US"/>
               <a:t>Fourth level</a:t>
             </a:r>
           </a:p>
           <a:p>
             <a:pPr lvl="4"/>
             <a:r>
-              <a:rPr lang="en-US" smtClean="0"/>
+              <a:rPr lang="en-US"/>
               <a:t>Fifth level</a:t>
             </a:r>
             <a:endParaRPr lang="en-US" dirty="0"/>
@@ -4387,7 +4464,7 @@
           <a:blip r:embed="rId3" cstate="print">
             <a:extLst>
               <a:ext uri="{28A0092B-C50C-407E-A947-70E740481C1C}">
-                <a14:useLocalDpi xmlns="" xmlns:a14="http://schemas.microsoft.com/office/drawing/2010/main"/>
+                <a14:useLocalDpi xmlns:a14="http://schemas.microsoft.com/office/drawing/2010/main"/>
               </a:ext>
             </a:extLst>
           </a:blip>
@@ -4407,7 +4484,7 @@
     </p:spTree>
     <p:extLst>
       <p:ext uri="{BB962C8B-B14F-4D97-AF65-F5344CB8AC3E}">
-        <p14:creationId xmlns="" xmlns:p14="http://schemas.microsoft.com/office/powerpoint/2010/main" val="3400206507"/>
+        <p14:creationId xmlns:p14="http://schemas.microsoft.com/office/powerpoint/2010/main" val="3400206507"/>
       </p:ext>
     </p:extLst>
   </p:cSld>
@@ -4448,20 +4525,20 @@
     </p:spTree>
     <p:extLst>
       <p:ext uri="{BB962C8B-B14F-4D97-AF65-F5344CB8AC3E}">
-        <p14:creationId xmlns="" xmlns:p14="http://schemas.microsoft.com/office/powerpoint/2010/main" val="2475592063"/>
+        <p14:creationId xmlns:p14="http://schemas.microsoft.com/office/powerpoint/2010/main" val="2475592063"/>
       </p:ext>
     </p:extLst>
   </p:cSld>
   <p:clrMapOvr>
     <a:masterClrMapping/>
   </p:clrMapOvr>
-  <mc:AlternateContent xmlns:mc="http://schemas.openxmlformats.org/markup-compatibility/2006">
-    <mc:Choice xmlns="" xmlns:p14="http://schemas.microsoft.com/office/powerpoint/2010/main" Requires="p14">
+  <mc:AlternateContent xmlns:mc="http://schemas.openxmlformats.org/markup-compatibility/2006" xmlns:p14="http://schemas.microsoft.com/office/powerpoint/2010/main">
+    <mc:Choice Requires="p14">
       <p:transition p14:dur="250">
         <p:fade/>
       </p:transition>
     </mc:Choice>
-    <mc:Fallback>
+    <mc:Fallback xmlns="">
       <p:transition>
         <p:fade/>
       </p:transition>
@@ -4499,7 +4576,7 @@
           <a:blip r:embed="rId2" cstate="print">
             <a:extLst>
               <a:ext uri="{28A0092B-C50C-407E-A947-70E740481C1C}">
-                <a14:useLocalDpi xmlns="" xmlns:a14="http://schemas.microsoft.com/office/drawing/2010/main"/>
+                <a14:useLocalDpi xmlns:a14="http://schemas.microsoft.com/office/drawing/2010/main"/>
               </a:ext>
             </a:extLst>
           </a:blip>
@@ -4686,7 +4763,7 @@
           <a:blip r:embed="rId3" cstate="email">
             <a:extLst>
               <a:ext uri="{28A0092B-C50C-407E-A947-70E740481C1C}">
-                <a14:useLocalDpi xmlns="" xmlns:a14="http://schemas.microsoft.com/office/drawing/2010/main"/>
+                <a14:useLocalDpi xmlns:a14="http://schemas.microsoft.com/office/drawing/2010/main"/>
               </a:ext>
             </a:extLst>
           </a:blip>
@@ -4709,14 +4786,14 @@
           </a:ln>
           <a:extLst>
             <a:ext uri="{909E8E84-426E-40DD-AFC4-6F175D3DCCD1}">
-              <a14:hiddenFill xmlns="" xmlns:a14="http://schemas.microsoft.com/office/drawing/2010/main">
+              <a14:hiddenFill xmlns:a14="http://schemas.microsoft.com/office/drawing/2010/main">
                 <a:solidFill>
                   <a:srgbClr val="FFFFFF"/>
                 </a:solidFill>
               </a14:hiddenFill>
             </a:ext>
             <a:ext uri="{91240B29-F687-4F45-9708-019B960494DF}">
-              <a14:hiddenLine xmlns="" xmlns:a14="http://schemas.microsoft.com/office/drawing/2010/main" w="9525">
+              <a14:hiddenLine xmlns:a14="http://schemas.microsoft.com/office/drawing/2010/main" w="9525">
                 <a:solidFill>
                   <a:srgbClr val="000000"/>
                 </a:solidFill>
@@ -4740,7 +4817,7 @@
           <a:blip r:embed="rId4" cstate="print">
             <a:extLst>
               <a:ext uri="{28A0092B-C50C-407E-A947-70E740481C1C}">
-                <a14:useLocalDpi xmlns="" xmlns:a14="http://schemas.microsoft.com/office/drawing/2010/main"/>
+                <a14:useLocalDpi xmlns:a14="http://schemas.microsoft.com/office/drawing/2010/main"/>
               </a:ext>
             </a:extLst>
           </a:blip>
@@ -4788,7 +4865,7 @@
           </a:lstStyle>
           <a:p>
             <a:r>
-              <a:rPr lang="en-US" smtClean="0"/>
+              <a:rPr lang="en-US"/>
               <a:t>Click to edit Master title style</a:t>
             </a:r>
             <a:endParaRPr lang="en-US" dirty="0"/>
@@ -4860,7 +4937,7 @@
           </a:lstStyle>
           <a:p>
             <a:r>
-              <a:rPr lang="en-US" smtClean="0"/>
+              <a:rPr lang="en-US"/>
               <a:t>Click to edit Master subtitle style</a:t>
             </a:r>
             <a:endParaRPr lang="en-US" dirty="0"/>
@@ -4917,7 +4994,7 @@
           <a:p>
             <a:pPr lvl="0"/>
             <a:r>
-              <a:rPr lang="en-US" smtClean="0"/>
+              <a:rPr lang="en-US"/>
               <a:t>Edit Master text styles</a:t>
             </a:r>
           </a:p>
@@ -4935,7 +5012,7 @@
           <a:blip r:embed="rId2" cstate="print">
             <a:extLst>
               <a:ext uri="{28A0092B-C50C-407E-A947-70E740481C1C}">
-                <a14:useLocalDpi xmlns="" xmlns:a14="http://schemas.microsoft.com/office/drawing/2010/main"/>
+                <a14:useLocalDpi xmlns:a14="http://schemas.microsoft.com/office/drawing/2010/main"/>
               </a:ext>
             </a:extLst>
           </a:blip>
@@ -5122,7 +5199,7 @@
           <a:blip r:embed="rId3" cstate="email">
             <a:extLst>
               <a:ext uri="{28A0092B-C50C-407E-A947-70E740481C1C}">
-                <a14:useLocalDpi xmlns="" xmlns:a14="http://schemas.microsoft.com/office/drawing/2010/main"/>
+                <a14:useLocalDpi xmlns:a14="http://schemas.microsoft.com/office/drawing/2010/main"/>
               </a:ext>
             </a:extLst>
           </a:blip>
@@ -5145,14 +5222,14 @@
           </a:ln>
           <a:extLst>
             <a:ext uri="{909E8E84-426E-40DD-AFC4-6F175D3DCCD1}">
-              <a14:hiddenFill xmlns="" xmlns:a14="http://schemas.microsoft.com/office/drawing/2010/main">
+              <a14:hiddenFill xmlns:a14="http://schemas.microsoft.com/office/drawing/2010/main">
                 <a:solidFill>
                   <a:srgbClr val="FFFFFF"/>
                 </a:solidFill>
               </a14:hiddenFill>
             </a:ext>
             <a:ext uri="{91240B29-F687-4F45-9708-019B960494DF}">
-              <a14:hiddenLine xmlns="" xmlns:a14="http://schemas.microsoft.com/office/drawing/2010/main" w="9525">
+              <a14:hiddenLine xmlns:a14="http://schemas.microsoft.com/office/drawing/2010/main" w="9525">
                 <a:solidFill>
                   <a:srgbClr val="000000"/>
                 </a:solidFill>
@@ -5176,7 +5253,7 @@
           <a:blip r:embed="rId4" cstate="print">
             <a:extLst>
               <a:ext uri="{28A0092B-C50C-407E-A947-70E740481C1C}">
-                <a14:useLocalDpi xmlns="" xmlns:a14="http://schemas.microsoft.com/office/drawing/2010/main"/>
+                <a14:useLocalDpi xmlns:a14="http://schemas.microsoft.com/office/drawing/2010/main"/>
               </a:ext>
             </a:extLst>
           </a:blip>
@@ -5196,7 +5273,7 @@
     </p:spTree>
     <p:extLst>
       <p:ext uri="{BB962C8B-B14F-4D97-AF65-F5344CB8AC3E}">
-        <p14:creationId xmlns="" xmlns:p14="http://schemas.microsoft.com/office/powerpoint/2010/main" val="4009134799"/>
+        <p14:creationId xmlns:p14="http://schemas.microsoft.com/office/powerpoint/2010/main" val="4009134799"/>
       </p:ext>
     </p:extLst>
   </p:cSld>
@@ -5206,13 +5283,6 @@
   <p:transition>
     <p:fade/>
   </p:transition>
-  <p:timing>
-    <p:tnLst>
-      <p:par>
-        <p:cTn id="1" dur="indefinite" restart="never" nodeType="tmRoot"/>
-      </p:par>
-    </p:tnLst>
-  </p:timing>
 </p:sldLayout>
 </file>
 
@@ -5245,7 +5315,7 @@
           <a:blip r:embed="rId2" cstate="print">
             <a:extLst>
               <a:ext uri="{28A0092B-C50C-407E-A947-70E740481C1C}">
-                <a14:useLocalDpi xmlns="" xmlns:a14="http://schemas.microsoft.com/office/drawing/2010/main"/>
+                <a14:useLocalDpi xmlns:a14="http://schemas.microsoft.com/office/drawing/2010/main"/>
               </a:ext>
             </a:extLst>
           </a:blip>
@@ -5432,7 +5502,7 @@
           <a:blip r:embed="rId3" cstate="email">
             <a:extLst>
               <a:ext uri="{28A0092B-C50C-407E-A947-70E740481C1C}">
-                <a14:useLocalDpi xmlns="" xmlns:a14="http://schemas.microsoft.com/office/drawing/2010/main"/>
+                <a14:useLocalDpi xmlns:a14="http://schemas.microsoft.com/office/drawing/2010/main"/>
               </a:ext>
             </a:extLst>
           </a:blip>
@@ -5455,14 +5525,14 @@
           </a:ln>
           <a:extLst>
             <a:ext uri="{909E8E84-426E-40DD-AFC4-6F175D3DCCD1}">
-              <a14:hiddenFill xmlns="" xmlns:a14="http://schemas.microsoft.com/office/drawing/2010/main">
+              <a14:hiddenFill xmlns:a14="http://schemas.microsoft.com/office/drawing/2010/main">
                 <a:solidFill>
                   <a:srgbClr val="FFFFFF"/>
                 </a:solidFill>
               </a14:hiddenFill>
             </a:ext>
             <a:ext uri="{91240B29-F687-4F45-9708-019B960494DF}">
-              <a14:hiddenLine xmlns="" xmlns:a14="http://schemas.microsoft.com/office/drawing/2010/main" w="9525">
+              <a14:hiddenLine xmlns:a14="http://schemas.microsoft.com/office/drawing/2010/main" w="9525">
                 <a:solidFill>
                   <a:srgbClr val="000000"/>
                 </a:solidFill>
@@ -5486,7 +5556,7 @@
           <a:blip r:embed="rId4" cstate="print">
             <a:extLst>
               <a:ext uri="{28A0092B-C50C-407E-A947-70E740481C1C}">
-                <a14:useLocalDpi xmlns="" xmlns:a14="http://schemas.microsoft.com/office/drawing/2010/main"/>
+                <a14:useLocalDpi xmlns:a14="http://schemas.microsoft.com/office/drawing/2010/main"/>
               </a:ext>
             </a:extLst>
           </a:blip>
@@ -5534,7 +5604,7 @@
           </a:lstStyle>
           <a:p>
             <a:r>
-              <a:rPr lang="en-US" smtClean="0"/>
+              <a:rPr lang="en-US"/>
               <a:t>Click to edit Master title style</a:t>
             </a:r>
             <a:endParaRPr lang="en-US" dirty="0"/>
@@ -5606,7 +5676,7 @@
           </a:lstStyle>
           <a:p>
             <a:r>
-              <a:rPr lang="en-US" smtClean="0"/>
+              <a:rPr lang="en-US"/>
               <a:t>Click to edit Master subtitle style</a:t>
             </a:r>
             <a:endParaRPr lang="en-US" dirty="0"/>
@@ -5663,7 +5733,7 @@
           <a:p>
             <a:pPr lvl="0"/>
             <a:r>
-              <a:rPr lang="en-US" smtClean="0"/>
+              <a:rPr lang="en-US"/>
               <a:t>Edit Master text styles</a:t>
             </a:r>
           </a:p>
@@ -5681,7 +5751,7 @@
           <a:blip r:embed="rId2" cstate="print">
             <a:extLst>
               <a:ext uri="{28A0092B-C50C-407E-A947-70E740481C1C}">
-                <a14:useLocalDpi xmlns="" xmlns:a14="http://schemas.microsoft.com/office/drawing/2010/main"/>
+                <a14:useLocalDpi xmlns:a14="http://schemas.microsoft.com/office/drawing/2010/main"/>
               </a:ext>
             </a:extLst>
           </a:blip>
@@ -5868,7 +5938,7 @@
           <a:blip r:embed="rId3" cstate="email">
             <a:extLst>
               <a:ext uri="{28A0092B-C50C-407E-A947-70E740481C1C}">
-                <a14:useLocalDpi xmlns="" xmlns:a14="http://schemas.microsoft.com/office/drawing/2010/main"/>
+                <a14:useLocalDpi xmlns:a14="http://schemas.microsoft.com/office/drawing/2010/main"/>
               </a:ext>
             </a:extLst>
           </a:blip>
@@ -5891,14 +5961,14 @@
           </a:ln>
           <a:extLst>
             <a:ext uri="{909E8E84-426E-40DD-AFC4-6F175D3DCCD1}">
-              <a14:hiddenFill xmlns="" xmlns:a14="http://schemas.microsoft.com/office/drawing/2010/main">
+              <a14:hiddenFill xmlns:a14="http://schemas.microsoft.com/office/drawing/2010/main">
                 <a:solidFill>
                   <a:srgbClr val="FFFFFF"/>
                 </a:solidFill>
               </a14:hiddenFill>
             </a:ext>
             <a:ext uri="{91240B29-F687-4F45-9708-019B960494DF}">
-              <a14:hiddenLine xmlns="" xmlns:a14="http://schemas.microsoft.com/office/drawing/2010/main" w="9525">
+              <a14:hiddenLine xmlns:a14="http://schemas.microsoft.com/office/drawing/2010/main" w="9525">
                 <a:solidFill>
                   <a:srgbClr val="000000"/>
                 </a:solidFill>
@@ -5922,7 +5992,7 @@
           <a:blip r:embed="rId4" cstate="print">
             <a:extLst>
               <a:ext uri="{28A0092B-C50C-407E-A947-70E740481C1C}">
-                <a14:useLocalDpi xmlns="" xmlns:a14="http://schemas.microsoft.com/office/drawing/2010/main"/>
+                <a14:useLocalDpi xmlns:a14="http://schemas.microsoft.com/office/drawing/2010/main"/>
               </a:ext>
             </a:extLst>
           </a:blip>
@@ -5942,7 +6012,7 @@
     </p:spTree>
     <p:extLst>
       <p:ext uri="{BB962C8B-B14F-4D97-AF65-F5344CB8AC3E}">
-        <p14:creationId xmlns="" xmlns:p14="http://schemas.microsoft.com/office/powerpoint/2010/main" val="1208597596"/>
+        <p14:creationId xmlns:p14="http://schemas.microsoft.com/office/powerpoint/2010/main" val="1208597596"/>
       </p:ext>
     </p:extLst>
   </p:cSld>
@@ -5984,7 +6054,7 @@
           <a:blip r:embed="rId2" cstate="print">
             <a:extLst>
               <a:ext uri="{28A0092B-C50C-407E-A947-70E740481C1C}">
-                <a14:useLocalDpi xmlns="" xmlns:a14="http://schemas.microsoft.com/office/drawing/2010/main"/>
+                <a14:useLocalDpi xmlns:a14="http://schemas.microsoft.com/office/drawing/2010/main"/>
               </a:ext>
             </a:extLst>
           </a:blip>
@@ -6171,7 +6241,7 @@
           <a:blip r:embed="rId3" cstate="email">
             <a:extLst>
               <a:ext uri="{28A0092B-C50C-407E-A947-70E740481C1C}">
-                <a14:useLocalDpi xmlns="" xmlns:a14="http://schemas.microsoft.com/office/drawing/2010/main"/>
+                <a14:useLocalDpi xmlns:a14="http://schemas.microsoft.com/office/drawing/2010/main"/>
               </a:ext>
             </a:extLst>
           </a:blip>
@@ -6194,14 +6264,14 @@
           </a:ln>
           <a:extLst>
             <a:ext uri="{909E8E84-426E-40DD-AFC4-6F175D3DCCD1}">
-              <a14:hiddenFill xmlns="" xmlns:a14="http://schemas.microsoft.com/office/drawing/2010/main">
+              <a14:hiddenFill xmlns:a14="http://schemas.microsoft.com/office/drawing/2010/main">
                 <a:solidFill>
                   <a:srgbClr val="FFFFFF"/>
                 </a:solidFill>
               </a14:hiddenFill>
             </a:ext>
             <a:ext uri="{91240B29-F687-4F45-9708-019B960494DF}">
-              <a14:hiddenLine xmlns="" xmlns:a14="http://schemas.microsoft.com/office/drawing/2010/main" w="9525">
+              <a14:hiddenLine xmlns:a14="http://schemas.microsoft.com/office/drawing/2010/main" w="9525">
                 <a:solidFill>
                   <a:srgbClr val="000000"/>
                 </a:solidFill>
@@ -6225,7 +6295,7 @@
           <a:blip r:embed="rId4" cstate="print">
             <a:extLst>
               <a:ext uri="{28A0092B-C50C-407E-A947-70E740481C1C}">
-                <a14:useLocalDpi xmlns="" xmlns:a14="http://schemas.microsoft.com/office/drawing/2010/main"/>
+                <a14:useLocalDpi xmlns:a14="http://schemas.microsoft.com/office/drawing/2010/main"/>
               </a:ext>
             </a:extLst>
           </a:blip>
@@ -6273,7 +6343,7 @@
           </a:lstStyle>
           <a:p>
             <a:r>
-              <a:rPr lang="en-US" smtClean="0"/>
+              <a:rPr lang="en-US"/>
               <a:t>Click to edit Master title style</a:t>
             </a:r>
             <a:endParaRPr lang="en-US" dirty="0"/>
@@ -6345,7 +6415,7 @@
           </a:lstStyle>
           <a:p>
             <a:r>
-              <a:rPr lang="en-US" smtClean="0"/>
+              <a:rPr lang="en-US"/>
               <a:t>Click to edit Master subtitle style</a:t>
             </a:r>
             <a:endParaRPr lang="en-US" dirty="0"/>
@@ -6402,7 +6472,7 @@
           <a:p>
             <a:pPr lvl="0"/>
             <a:r>
-              <a:rPr lang="en-US" smtClean="0"/>
+              <a:rPr lang="en-US"/>
               <a:t>Edit Master text styles</a:t>
             </a:r>
           </a:p>
@@ -6420,7 +6490,7 @@
           <a:blip r:embed="rId2" cstate="print">
             <a:extLst>
               <a:ext uri="{28A0092B-C50C-407E-A947-70E740481C1C}">
-                <a14:useLocalDpi xmlns="" xmlns:a14="http://schemas.microsoft.com/office/drawing/2010/main"/>
+                <a14:useLocalDpi xmlns:a14="http://schemas.microsoft.com/office/drawing/2010/main"/>
               </a:ext>
             </a:extLst>
           </a:blip>
@@ -6607,7 +6677,7 @@
           <a:blip r:embed="rId3" cstate="email">
             <a:extLst>
               <a:ext uri="{28A0092B-C50C-407E-A947-70E740481C1C}">
-                <a14:useLocalDpi xmlns="" xmlns:a14="http://schemas.microsoft.com/office/drawing/2010/main"/>
+                <a14:useLocalDpi xmlns:a14="http://schemas.microsoft.com/office/drawing/2010/main"/>
               </a:ext>
             </a:extLst>
           </a:blip>
@@ -6630,14 +6700,14 @@
           </a:ln>
           <a:extLst>
             <a:ext uri="{909E8E84-426E-40DD-AFC4-6F175D3DCCD1}">
-              <a14:hiddenFill xmlns="" xmlns:a14="http://schemas.microsoft.com/office/drawing/2010/main">
+              <a14:hiddenFill xmlns:a14="http://schemas.microsoft.com/office/drawing/2010/main">
                 <a:solidFill>
                   <a:srgbClr val="FFFFFF"/>
                 </a:solidFill>
               </a14:hiddenFill>
             </a:ext>
             <a:ext uri="{91240B29-F687-4F45-9708-019B960494DF}">
-              <a14:hiddenLine xmlns="" xmlns:a14="http://schemas.microsoft.com/office/drawing/2010/main" w="9525">
+              <a14:hiddenLine xmlns:a14="http://schemas.microsoft.com/office/drawing/2010/main" w="9525">
                 <a:solidFill>
                   <a:srgbClr val="000000"/>
                 </a:solidFill>
@@ -6661,7 +6731,7 @@
           <a:blip r:embed="rId4" cstate="print">
             <a:extLst>
               <a:ext uri="{28A0092B-C50C-407E-A947-70E740481C1C}">
-                <a14:useLocalDpi xmlns="" xmlns:a14="http://schemas.microsoft.com/office/drawing/2010/main"/>
+                <a14:useLocalDpi xmlns:a14="http://schemas.microsoft.com/office/drawing/2010/main"/>
               </a:ext>
             </a:extLst>
           </a:blip>
@@ -6681,7 +6751,7 @@
     </p:spTree>
     <p:extLst>
       <p:ext uri="{BB962C8B-B14F-4D97-AF65-F5344CB8AC3E}">
-        <p14:creationId xmlns="" xmlns:p14="http://schemas.microsoft.com/office/powerpoint/2010/main" val="1720056972"/>
+        <p14:creationId xmlns:p14="http://schemas.microsoft.com/office/powerpoint/2010/main" val="1720056972"/>
       </p:ext>
     </p:extLst>
   </p:cSld>
@@ -6723,7 +6793,7 @@
           <a:blip r:embed="rId2" cstate="email">
             <a:extLst>
               <a:ext uri="{28A0092B-C50C-407E-A947-70E740481C1C}">
-                <a14:useLocalDpi xmlns="" xmlns:a14="http://schemas.microsoft.com/office/drawing/2010/main"/>
+                <a14:useLocalDpi xmlns:a14="http://schemas.microsoft.com/office/drawing/2010/main"/>
               </a:ext>
             </a:extLst>
           </a:blip>
@@ -6911,7 +6981,7 @@
           <a:blip r:embed="rId3" cstate="email">
             <a:extLst>
               <a:ext uri="{28A0092B-C50C-407E-A947-70E740481C1C}">
-                <a14:useLocalDpi xmlns="" xmlns:a14="http://schemas.microsoft.com/office/drawing/2010/main"/>
+                <a14:useLocalDpi xmlns:a14="http://schemas.microsoft.com/office/drawing/2010/main"/>
               </a:ext>
             </a:extLst>
           </a:blip>
@@ -6934,14 +7004,14 @@
           </a:ln>
           <a:extLst>
             <a:ext uri="{909E8E84-426E-40DD-AFC4-6F175D3DCCD1}">
-              <a14:hiddenFill xmlns="" xmlns:a14="http://schemas.microsoft.com/office/drawing/2010/main">
+              <a14:hiddenFill xmlns:a14="http://schemas.microsoft.com/office/drawing/2010/main">
                 <a:solidFill>
                   <a:srgbClr val="FFFFFF"/>
                 </a:solidFill>
               </a14:hiddenFill>
             </a:ext>
             <a:ext uri="{91240B29-F687-4F45-9708-019B960494DF}">
-              <a14:hiddenLine xmlns="" xmlns:a14="http://schemas.microsoft.com/office/drawing/2010/main" w="9525">
+              <a14:hiddenLine xmlns:a14="http://schemas.microsoft.com/office/drawing/2010/main" w="9525">
                 <a:solidFill>
                   <a:srgbClr val="000000"/>
                 </a:solidFill>
@@ -6965,7 +7035,7 @@
           <a:blip r:embed="rId4" cstate="print">
             <a:extLst>
               <a:ext uri="{28A0092B-C50C-407E-A947-70E740481C1C}">
-                <a14:useLocalDpi xmlns="" xmlns:a14="http://schemas.microsoft.com/office/drawing/2010/main"/>
+                <a14:useLocalDpi xmlns:a14="http://schemas.microsoft.com/office/drawing/2010/main"/>
               </a:ext>
             </a:extLst>
           </a:blip>
@@ -7013,7 +7083,7 @@
           </a:lstStyle>
           <a:p>
             <a:r>
-              <a:rPr lang="en-US" smtClean="0"/>
+              <a:rPr lang="en-US"/>
               <a:t>Click to edit Master title style</a:t>
             </a:r>
             <a:endParaRPr lang="en-US" dirty="0"/>
@@ -7085,7 +7155,7 @@
           </a:lstStyle>
           <a:p>
             <a:r>
-              <a:rPr lang="en-US" smtClean="0"/>
+              <a:rPr lang="en-US"/>
               <a:t>Click to edit Master subtitle style</a:t>
             </a:r>
             <a:endParaRPr lang="en-US" dirty="0"/>
@@ -7142,7 +7212,7 @@
           <a:p>
             <a:pPr lvl="0"/>
             <a:r>
-              <a:rPr lang="en-US" smtClean="0"/>
+              <a:rPr lang="en-US"/>
               <a:t>Edit Master text styles</a:t>
             </a:r>
           </a:p>
@@ -7160,7 +7230,7 @@
           <a:blip r:embed="rId2" cstate="email">
             <a:extLst>
               <a:ext uri="{28A0092B-C50C-407E-A947-70E740481C1C}">
-                <a14:useLocalDpi xmlns="" xmlns:a14="http://schemas.microsoft.com/office/drawing/2010/main"/>
+                <a14:useLocalDpi xmlns:a14="http://schemas.microsoft.com/office/drawing/2010/main"/>
               </a:ext>
             </a:extLst>
           </a:blip>
@@ -7348,7 +7418,7 @@
           <a:blip r:embed="rId3" cstate="email">
             <a:extLst>
               <a:ext uri="{28A0092B-C50C-407E-A947-70E740481C1C}">
-                <a14:useLocalDpi xmlns="" xmlns:a14="http://schemas.microsoft.com/office/drawing/2010/main"/>
+                <a14:useLocalDpi xmlns:a14="http://schemas.microsoft.com/office/drawing/2010/main"/>
               </a:ext>
             </a:extLst>
           </a:blip>
@@ -7371,14 +7441,14 @@
           </a:ln>
           <a:extLst>
             <a:ext uri="{909E8E84-426E-40DD-AFC4-6F175D3DCCD1}">
-              <a14:hiddenFill xmlns="" xmlns:a14="http://schemas.microsoft.com/office/drawing/2010/main">
+              <a14:hiddenFill xmlns:a14="http://schemas.microsoft.com/office/drawing/2010/main">
                 <a:solidFill>
                   <a:srgbClr val="FFFFFF"/>
                 </a:solidFill>
               </a14:hiddenFill>
             </a:ext>
             <a:ext uri="{91240B29-F687-4F45-9708-019B960494DF}">
-              <a14:hiddenLine xmlns="" xmlns:a14="http://schemas.microsoft.com/office/drawing/2010/main" w="9525">
+              <a14:hiddenLine xmlns:a14="http://schemas.microsoft.com/office/drawing/2010/main" w="9525">
                 <a:solidFill>
                   <a:srgbClr val="000000"/>
                 </a:solidFill>
@@ -7402,7 +7472,7 @@
           <a:blip r:embed="rId4" cstate="print">
             <a:extLst>
               <a:ext uri="{28A0092B-C50C-407E-A947-70E740481C1C}">
-                <a14:useLocalDpi xmlns="" xmlns:a14="http://schemas.microsoft.com/office/drawing/2010/main"/>
+                <a14:useLocalDpi xmlns:a14="http://schemas.microsoft.com/office/drawing/2010/main"/>
               </a:ext>
             </a:extLst>
           </a:blip>
@@ -7422,7 +7492,7 @@
     </p:spTree>
     <p:extLst>
       <p:ext uri="{BB962C8B-B14F-4D97-AF65-F5344CB8AC3E}">
-        <p14:creationId xmlns="" xmlns:p14="http://schemas.microsoft.com/office/powerpoint/2010/main" val="4290741279"/>
+        <p14:creationId xmlns:p14="http://schemas.microsoft.com/office/powerpoint/2010/main" val="4290741279"/>
       </p:ext>
     </p:extLst>
   </p:cSld>
@@ -7432,13 +7502,6 @@
   <p:transition>
     <p:fade/>
   </p:transition>
-  <p:timing>
-    <p:tnLst>
-      <p:par>
-        <p:cTn id="1" dur="indefinite" restart="never" nodeType="tmRoot"/>
-      </p:par>
-    </p:tnLst>
-  </p:timing>
 </p:sldLayout>
 </file>
 
@@ -7471,7 +7534,7 @@
           <a:blip r:embed="rId2" cstate="email">
             <a:extLst>
               <a:ext uri="{28A0092B-C50C-407E-A947-70E740481C1C}">
-                <a14:useLocalDpi xmlns="" xmlns:a14="http://schemas.microsoft.com/office/drawing/2010/main"/>
+                <a14:useLocalDpi xmlns:a14="http://schemas.microsoft.com/office/drawing/2010/main"/>
               </a:ext>
             </a:extLst>
           </a:blip>
@@ -7659,7 +7722,7 @@
           <a:blip r:embed="rId3" cstate="email">
             <a:extLst>
               <a:ext uri="{28A0092B-C50C-407E-A947-70E740481C1C}">
-                <a14:useLocalDpi xmlns="" xmlns:a14="http://schemas.microsoft.com/office/drawing/2010/main"/>
+                <a14:useLocalDpi xmlns:a14="http://schemas.microsoft.com/office/drawing/2010/main"/>
               </a:ext>
             </a:extLst>
           </a:blip>
@@ -7682,14 +7745,14 @@
           </a:ln>
           <a:extLst>
             <a:ext uri="{909E8E84-426E-40DD-AFC4-6F175D3DCCD1}">
-              <a14:hiddenFill xmlns="" xmlns:a14="http://schemas.microsoft.com/office/drawing/2010/main">
+              <a14:hiddenFill xmlns:a14="http://schemas.microsoft.com/office/drawing/2010/main">
                 <a:solidFill>
                   <a:srgbClr val="FFFFFF"/>
                 </a:solidFill>
               </a14:hiddenFill>
             </a:ext>
             <a:ext uri="{91240B29-F687-4F45-9708-019B960494DF}">
-              <a14:hiddenLine xmlns="" xmlns:a14="http://schemas.microsoft.com/office/drawing/2010/main" w="9525">
+              <a14:hiddenLine xmlns:a14="http://schemas.microsoft.com/office/drawing/2010/main" w="9525">
                 <a:solidFill>
                   <a:srgbClr val="000000"/>
                 </a:solidFill>
@@ -7713,7 +7776,7 @@
           <a:blip r:embed="rId4" cstate="print">
             <a:extLst>
               <a:ext uri="{28A0092B-C50C-407E-A947-70E740481C1C}">
-                <a14:useLocalDpi xmlns="" xmlns:a14="http://schemas.microsoft.com/office/drawing/2010/main"/>
+                <a14:useLocalDpi xmlns:a14="http://schemas.microsoft.com/office/drawing/2010/main"/>
               </a:ext>
             </a:extLst>
           </a:blip>
@@ -7761,7 +7824,7 @@
           </a:lstStyle>
           <a:p>
             <a:r>
-              <a:rPr lang="en-US" smtClean="0"/>
+              <a:rPr lang="en-US"/>
               <a:t>Click to edit Master title style</a:t>
             </a:r>
             <a:endParaRPr lang="en-US" dirty="0"/>
@@ -7833,7 +7896,7 @@
           </a:lstStyle>
           <a:p>
             <a:r>
-              <a:rPr lang="en-US" smtClean="0"/>
+              <a:rPr lang="en-US"/>
               <a:t>Click to edit Master subtitle style</a:t>
             </a:r>
             <a:endParaRPr lang="en-US" dirty="0"/>
@@ -7890,7 +7953,7 @@
           <a:p>
             <a:pPr lvl="0"/>
             <a:r>
-              <a:rPr lang="en-US" smtClean="0"/>
+              <a:rPr lang="en-US"/>
               <a:t>Edit Master text styles</a:t>
             </a:r>
           </a:p>
@@ -7908,7 +7971,7 @@
           <a:blip r:embed="rId2" cstate="email">
             <a:extLst>
               <a:ext uri="{28A0092B-C50C-407E-A947-70E740481C1C}">
-                <a14:useLocalDpi xmlns="" xmlns:a14="http://schemas.microsoft.com/office/drawing/2010/main"/>
+                <a14:useLocalDpi xmlns:a14="http://schemas.microsoft.com/office/drawing/2010/main"/>
               </a:ext>
             </a:extLst>
           </a:blip>
@@ -8096,7 +8159,7 @@
           <a:blip r:embed="rId3" cstate="email">
             <a:extLst>
               <a:ext uri="{28A0092B-C50C-407E-A947-70E740481C1C}">
-                <a14:useLocalDpi xmlns="" xmlns:a14="http://schemas.microsoft.com/office/drawing/2010/main"/>
+                <a14:useLocalDpi xmlns:a14="http://schemas.microsoft.com/office/drawing/2010/main"/>
               </a:ext>
             </a:extLst>
           </a:blip>
@@ -8119,14 +8182,14 @@
           </a:ln>
           <a:extLst>
             <a:ext uri="{909E8E84-426E-40DD-AFC4-6F175D3DCCD1}">
-              <a14:hiddenFill xmlns="" xmlns:a14="http://schemas.microsoft.com/office/drawing/2010/main">
+              <a14:hiddenFill xmlns:a14="http://schemas.microsoft.com/office/drawing/2010/main">
                 <a:solidFill>
                   <a:srgbClr val="FFFFFF"/>
                 </a:solidFill>
               </a14:hiddenFill>
             </a:ext>
             <a:ext uri="{91240B29-F687-4F45-9708-019B960494DF}">
-              <a14:hiddenLine xmlns="" xmlns:a14="http://schemas.microsoft.com/office/drawing/2010/main" w="9525">
+              <a14:hiddenLine xmlns:a14="http://schemas.microsoft.com/office/drawing/2010/main" w="9525">
                 <a:solidFill>
                   <a:srgbClr val="000000"/>
                 </a:solidFill>
@@ -8150,7 +8213,7 @@
           <a:blip r:embed="rId4" cstate="print">
             <a:extLst>
               <a:ext uri="{28A0092B-C50C-407E-A947-70E740481C1C}">
-                <a14:useLocalDpi xmlns="" xmlns:a14="http://schemas.microsoft.com/office/drawing/2010/main"/>
+                <a14:useLocalDpi xmlns:a14="http://schemas.microsoft.com/office/drawing/2010/main"/>
               </a:ext>
             </a:extLst>
           </a:blip>
@@ -8170,7 +8233,7 @@
     </p:spTree>
     <p:extLst>
       <p:ext uri="{BB962C8B-B14F-4D97-AF65-F5344CB8AC3E}">
-        <p14:creationId xmlns="" xmlns:p14="http://schemas.microsoft.com/office/powerpoint/2010/main" val="74755479"/>
+        <p14:creationId xmlns:p14="http://schemas.microsoft.com/office/powerpoint/2010/main" val="74755479"/>
       </p:ext>
     </p:extLst>
   </p:cSld>
@@ -8212,7 +8275,7 @@
           <a:blip r:embed="rId2" cstate="print">
             <a:extLst>
               <a:ext uri="{28A0092B-C50C-407E-A947-70E740481C1C}">
-                <a14:useLocalDpi xmlns="" xmlns:a14="http://schemas.microsoft.com/office/drawing/2010/main"/>
+                <a14:useLocalDpi xmlns:a14="http://schemas.microsoft.com/office/drawing/2010/main"/>
               </a:ext>
             </a:extLst>
           </a:blip>
@@ -8399,7 +8462,7 @@
           <a:blip r:embed="rId3" cstate="email">
             <a:extLst>
               <a:ext uri="{28A0092B-C50C-407E-A947-70E740481C1C}">
-                <a14:useLocalDpi xmlns="" xmlns:a14="http://schemas.microsoft.com/office/drawing/2010/main"/>
+                <a14:useLocalDpi xmlns:a14="http://schemas.microsoft.com/office/drawing/2010/main"/>
               </a:ext>
             </a:extLst>
           </a:blip>
@@ -8422,14 +8485,14 @@
           </a:ln>
           <a:extLst>
             <a:ext uri="{909E8E84-426E-40DD-AFC4-6F175D3DCCD1}">
-              <a14:hiddenFill xmlns="" xmlns:a14="http://schemas.microsoft.com/office/drawing/2010/main">
+              <a14:hiddenFill xmlns:a14="http://schemas.microsoft.com/office/drawing/2010/main">
                 <a:solidFill>
                   <a:srgbClr val="FFFFFF"/>
                 </a:solidFill>
               </a14:hiddenFill>
             </a:ext>
             <a:ext uri="{91240B29-F687-4F45-9708-019B960494DF}">
-              <a14:hiddenLine xmlns="" xmlns:a14="http://schemas.microsoft.com/office/drawing/2010/main" w="9525">
+              <a14:hiddenLine xmlns:a14="http://schemas.microsoft.com/office/drawing/2010/main" w="9525">
                 <a:solidFill>
                   <a:srgbClr val="000000"/>
                 </a:solidFill>
@@ -8453,7 +8516,7 @@
           <a:blip r:embed="rId4" cstate="print">
             <a:extLst>
               <a:ext uri="{28A0092B-C50C-407E-A947-70E740481C1C}">
-                <a14:useLocalDpi xmlns="" xmlns:a14="http://schemas.microsoft.com/office/drawing/2010/main"/>
+                <a14:useLocalDpi xmlns:a14="http://schemas.microsoft.com/office/drawing/2010/main"/>
               </a:ext>
             </a:extLst>
           </a:blip>
@@ -8501,7 +8564,7 @@
           </a:lstStyle>
           <a:p>
             <a:r>
-              <a:rPr lang="en-US" smtClean="0"/>
+              <a:rPr lang="en-US"/>
               <a:t>Click to edit Master title style</a:t>
             </a:r>
             <a:endParaRPr lang="en-US" dirty="0"/>
@@ -8573,7 +8636,7 @@
           </a:lstStyle>
           <a:p>
             <a:r>
-              <a:rPr lang="en-US" smtClean="0"/>
+              <a:rPr lang="en-US"/>
               <a:t>Click to edit Master subtitle style</a:t>
             </a:r>
             <a:endParaRPr lang="en-US" dirty="0"/>
@@ -8630,7 +8693,7 @@
           <a:p>
             <a:pPr lvl="0"/>
             <a:r>
-              <a:rPr lang="en-US" smtClean="0"/>
+              <a:rPr lang="en-US"/>
               <a:t>Edit Master text styles</a:t>
             </a:r>
           </a:p>
@@ -8648,7 +8711,7 @@
           <a:blip r:embed="rId2" cstate="print">
             <a:extLst>
               <a:ext uri="{28A0092B-C50C-407E-A947-70E740481C1C}">
-                <a14:useLocalDpi xmlns="" xmlns:a14="http://schemas.microsoft.com/office/drawing/2010/main"/>
+                <a14:useLocalDpi xmlns:a14="http://schemas.microsoft.com/office/drawing/2010/main"/>
               </a:ext>
             </a:extLst>
           </a:blip>
@@ -8835,7 +8898,7 @@
           <a:blip r:embed="rId3" cstate="email">
             <a:extLst>
               <a:ext uri="{28A0092B-C50C-407E-A947-70E740481C1C}">
-                <a14:useLocalDpi xmlns="" xmlns:a14="http://schemas.microsoft.com/office/drawing/2010/main"/>
+                <a14:useLocalDpi xmlns:a14="http://schemas.microsoft.com/office/drawing/2010/main"/>
               </a:ext>
             </a:extLst>
           </a:blip>
@@ -8858,14 +8921,14 @@
           </a:ln>
           <a:extLst>
             <a:ext uri="{909E8E84-426E-40DD-AFC4-6F175D3DCCD1}">
-              <a14:hiddenFill xmlns="" xmlns:a14="http://schemas.microsoft.com/office/drawing/2010/main">
+              <a14:hiddenFill xmlns:a14="http://schemas.microsoft.com/office/drawing/2010/main">
                 <a:solidFill>
                   <a:srgbClr val="FFFFFF"/>
                 </a:solidFill>
               </a14:hiddenFill>
             </a:ext>
             <a:ext uri="{91240B29-F687-4F45-9708-019B960494DF}">
-              <a14:hiddenLine xmlns="" xmlns:a14="http://schemas.microsoft.com/office/drawing/2010/main" w="9525">
+              <a14:hiddenLine xmlns:a14="http://schemas.microsoft.com/office/drawing/2010/main" w="9525">
                 <a:solidFill>
                   <a:srgbClr val="000000"/>
                 </a:solidFill>
@@ -8889,7 +8952,7 @@
           <a:blip r:embed="rId4" cstate="print">
             <a:extLst>
               <a:ext uri="{28A0092B-C50C-407E-A947-70E740481C1C}">
-                <a14:useLocalDpi xmlns="" xmlns:a14="http://schemas.microsoft.com/office/drawing/2010/main"/>
+                <a14:useLocalDpi xmlns:a14="http://schemas.microsoft.com/office/drawing/2010/main"/>
               </a:ext>
             </a:extLst>
           </a:blip>
@@ -8909,7 +8972,7 @@
     </p:spTree>
     <p:extLst>
       <p:ext uri="{BB962C8B-B14F-4D97-AF65-F5344CB8AC3E}">
-        <p14:creationId xmlns="" xmlns:p14="http://schemas.microsoft.com/office/powerpoint/2010/main" val="2257668915"/>
+        <p14:creationId xmlns:p14="http://schemas.microsoft.com/office/powerpoint/2010/main" val="2257668915"/>
       </p:ext>
     </p:extLst>
   </p:cSld>
@@ -8919,13 +8982,6 @@
   <p:transition>
     <p:fade/>
   </p:transition>
-  <p:timing>
-    <p:tnLst>
-      <p:par>
-        <p:cTn id="1" dur="indefinite" restart="never" nodeType="tmRoot"/>
-      </p:par>
-    </p:tnLst>
-  </p:timing>
 </p:sldLayout>
 </file>
 
@@ -8958,7 +9014,7 @@
           <a:blip r:embed="rId2" cstate="print">
             <a:extLst>
               <a:ext uri="{28A0092B-C50C-407E-A947-70E740481C1C}">
-                <a14:useLocalDpi xmlns="" xmlns:a14="http://schemas.microsoft.com/office/drawing/2010/main" val="0"/>
+                <a14:useLocalDpi xmlns:a14="http://schemas.microsoft.com/office/drawing/2010/main" val="0"/>
               </a:ext>
             </a:extLst>
           </a:blip>
@@ -9148,7 +9204,7 @@
           <a:blip r:embed="rId3" cstate="email">
             <a:extLst>
               <a:ext uri="{28A0092B-C50C-407E-A947-70E740481C1C}">
-                <a14:useLocalDpi xmlns="" xmlns:a14="http://schemas.microsoft.com/office/drawing/2010/main"/>
+                <a14:useLocalDpi xmlns:a14="http://schemas.microsoft.com/office/drawing/2010/main"/>
               </a:ext>
             </a:extLst>
           </a:blip>
@@ -9171,14 +9227,14 @@
           </a:ln>
           <a:extLst>
             <a:ext uri="{909E8E84-426E-40DD-AFC4-6F175D3DCCD1}">
-              <a14:hiddenFill xmlns="" xmlns:a14="http://schemas.microsoft.com/office/drawing/2010/main">
+              <a14:hiddenFill xmlns:a14="http://schemas.microsoft.com/office/drawing/2010/main">
                 <a:solidFill>
                   <a:srgbClr val="FFFFFF"/>
                 </a:solidFill>
               </a14:hiddenFill>
             </a:ext>
             <a:ext uri="{91240B29-F687-4F45-9708-019B960494DF}">
-              <a14:hiddenLine xmlns="" xmlns:a14="http://schemas.microsoft.com/office/drawing/2010/main" w="9525">
+              <a14:hiddenLine xmlns:a14="http://schemas.microsoft.com/office/drawing/2010/main" w="9525">
                 <a:solidFill>
                   <a:srgbClr val="000000"/>
                 </a:solidFill>
@@ -9202,7 +9258,7 @@
           <a:blip r:embed="rId4" cstate="print">
             <a:extLst>
               <a:ext uri="{28A0092B-C50C-407E-A947-70E740481C1C}">
-                <a14:useLocalDpi xmlns="" xmlns:a14="http://schemas.microsoft.com/office/drawing/2010/main"/>
+                <a14:useLocalDpi xmlns:a14="http://schemas.microsoft.com/office/drawing/2010/main"/>
               </a:ext>
             </a:extLst>
           </a:blip>
@@ -9250,7 +9306,7 @@
           </a:lstStyle>
           <a:p>
             <a:r>
-              <a:rPr lang="en-US" smtClean="0"/>
+              <a:rPr lang="en-US"/>
               <a:t>Click to edit Master title style</a:t>
             </a:r>
             <a:endParaRPr lang="en-US" dirty="0"/>
@@ -9322,7 +9378,7 @@
           </a:lstStyle>
           <a:p>
             <a:r>
-              <a:rPr lang="en-US" smtClean="0"/>
+              <a:rPr lang="en-US"/>
               <a:t>Click to edit Master subtitle style</a:t>
             </a:r>
             <a:endParaRPr lang="en-US" dirty="0"/>
@@ -9379,7 +9435,7 @@
           <a:p>
             <a:pPr lvl="0"/>
             <a:r>
-              <a:rPr lang="en-US" smtClean="0"/>
+              <a:rPr lang="en-US"/>
               <a:t>Edit Master text styles</a:t>
             </a:r>
           </a:p>
@@ -9388,7 +9444,7 @@
     </p:spTree>
     <p:extLst>
       <p:ext uri="{BB962C8B-B14F-4D97-AF65-F5344CB8AC3E}">
-        <p14:creationId xmlns="" xmlns:p14="http://schemas.microsoft.com/office/powerpoint/2010/main" val="364258662"/>
+        <p14:creationId xmlns:p14="http://schemas.microsoft.com/office/powerpoint/2010/main" val="364258662"/>
       </p:ext>
     </p:extLst>
   </p:cSld>
@@ -9398,13 +9454,6 @@
   <p:transition>
     <p:fade/>
   </p:transition>
-  <p:timing>
-    <p:tnLst>
-      <p:par>
-        <p:cTn id="1" dur="indefinite" restart="never" nodeType="tmRoot"/>
-      </p:par>
-    </p:tnLst>
-  </p:timing>
 </p:sldLayout>
 </file>
 
@@ -9437,7 +9486,7 @@
           <a:blip r:embed="rId2" cstate="print">
             <a:extLst>
               <a:ext uri="{28A0092B-C50C-407E-A947-70E740481C1C}">
-                <a14:useLocalDpi xmlns="" xmlns:a14="http://schemas.microsoft.com/office/drawing/2010/main"/>
+                <a14:useLocalDpi xmlns:a14="http://schemas.microsoft.com/office/drawing/2010/main"/>
               </a:ext>
             </a:extLst>
           </a:blip>
@@ -9624,7 +9673,7 @@
           <a:blip r:embed="rId3" cstate="email">
             <a:extLst>
               <a:ext uri="{28A0092B-C50C-407E-A947-70E740481C1C}">
-                <a14:useLocalDpi xmlns="" xmlns:a14="http://schemas.microsoft.com/office/drawing/2010/main"/>
+                <a14:useLocalDpi xmlns:a14="http://schemas.microsoft.com/office/drawing/2010/main"/>
               </a:ext>
             </a:extLst>
           </a:blip>
@@ -9647,14 +9696,14 @@
           </a:ln>
           <a:extLst>
             <a:ext uri="{909E8E84-426E-40DD-AFC4-6F175D3DCCD1}">
-              <a14:hiddenFill xmlns="" xmlns:a14="http://schemas.microsoft.com/office/drawing/2010/main">
+              <a14:hiddenFill xmlns:a14="http://schemas.microsoft.com/office/drawing/2010/main">
                 <a:solidFill>
                   <a:srgbClr val="FFFFFF"/>
                 </a:solidFill>
               </a14:hiddenFill>
             </a:ext>
             <a:ext uri="{91240B29-F687-4F45-9708-019B960494DF}">
-              <a14:hiddenLine xmlns="" xmlns:a14="http://schemas.microsoft.com/office/drawing/2010/main" w="9525">
+              <a14:hiddenLine xmlns:a14="http://schemas.microsoft.com/office/drawing/2010/main" w="9525">
                 <a:solidFill>
                   <a:srgbClr val="000000"/>
                 </a:solidFill>
@@ -9678,7 +9727,7 @@
           <a:blip r:embed="rId4" cstate="print">
             <a:extLst>
               <a:ext uri="{28A0092B-C50C-407E-A947-70E740481C1C}">
-                <a14:useLocalDpi xmlns="" xmlns:a14="http://schemas.microsoft.com/office/drawing/2010/main"/>
+                <a14:useLocalDpi xmlns:a14="http://schemas.microsoft.com/office/drawing/2010/main"/>
               </a:ext>
             </a:extLst>
           </a:blip>
@@ -9726,7 +9775,7 @@
           </a:lstStyle>
           <a:p>
             <a:r>
-              <a:rPr lang="en-US" smtClean="0"/>
+              <a:rPr lang="en-US"/>
               <a:t>Click to edit Master title style</a:t>
             </a:r>
             <a:endParaRPr lang="en-US" dirty="0"/>
@@ -9798,7 +9847,7 @@
           </a:lstStyle>
           <a:p>
             <a:r>
-              <a:rPr lang="en-US" smtClean="0"/>
+              <a:rPr lang="en-US"/>
               <a:t>Click to edit Master subtitle style</a:t>
             </a:r>
             <a:endParaRPr lang="en-US" dirty="0"/>
@@ -9855,7 +9904,7 @@
           <a:p>
             <a:pPr lvl="0"/>
             <a:r>
-              <a:rPr lang="en-US" smtClean="0"/>
+              <a:rPr lang="en-US"/>
               <a:t>Click to edit Master text styles</a:t>
             </a:r>
           </a:p>
@@ -9864,7 +9913,7 @@
     </p:spTree>
     <p:extLst>
       <p:ext uri="{BB962C8B-B14F-4D97-AF65-F5344CB8AC3E}">
-        <p14:creationId xmlns="" xmlns:p14="http://schemas.microsoft.com/office/powerpoint/2010/main" val="3821346652"/>
+        <p14:creationId xmlns:p14="http://schemas.microsoft.com/office/powerpoint/2010/main" val="3821346652"/>
       </p:ext>
     </p:extLst>
   </p:cSld>
@@ -9906,7 +9955,7 @@
           <a:blip r:embed="rId2" cstate="email">
             <a:extLst>
               <a:ext uri="{28A0092B-C50C-407E-A947-70E740481C1C}">
-                <a14:useLocalDpi xmlns="" xmlns:a14="http://schemas.microsoft.com/office/drawing/2010/main"/>
+                <a14:useLocalDpi xmlns:a14="http://schemas.microsoft.com/office/drawing/2010/main"/>
               </a:ext>
             </a:extLst>
           </a:blip>
@@ -9927,14 +9976,14 @@
           </a:ln>
           <a:extLst>
             <a:ext uri="{909E8E84-426E-40DD-AFC4-6F175D3DCCD1}">
-              <a14:hiddenFill xmlns="" xmlns:a14="http://schemas.microsoft.com/office/drawing/2010/main">
+              <a14:hiddenFill xmlns:a14="http://schemas.microsoft.com/office/drawing/2010/main">
                 <a:solidFill>
                   <a:srgbClr val="FFFFFF"/>
                 </a:solidFill>
               </a14:hiddenFill>
             </a:ext>
             <a:ext uri="{91240B29-F687-4F45-9708-019B960494DF}">
-              <a14:hiddenLine xmlns="" xmlns:a14="http://schemas.microsoft.com/office/drawing/2010/main" w="9525">
+              <a14:hiddenLine xmlns:a14="http://schemas.microsoft.com/office/drawing/2010/main" w="9525">
                 <a:solidFill>
                   <a:srgbClr val="000000"/>
                 </a:solidFill>
@@ -9973,7 +10022,7 @@
           </a:lstStyle>
           <a:p>
             <a:r>
-              <a:rPr lang="en-US" smtClean="0"/>
+              <a:rPr lang="en-US"/>
               <a:t>Click to edit Master title style</a:t>
             </a:r>
             <a:endParaRPr lang="en-US" dirty="0"/>
@@ -10093,7 +10142,7 @@
           <a:p>
             <a:pPr lvl="0"/>
             <a:r>
-              <a:rPr lang="en-US" smtClean="0"/>
+              <a:rPr lang="en-US"/>
               <a:t>Edit Master text styles</a:t>
             </a:r>
           </a:p>
@@ -10111,7 +10160,7 @@
           <a:blip r:embed="rId3" cstate="print">
             <a:extLst>
               <a:ext uri="{28A0092B-C50C-407E-A947-70E740481C1C}">
-                <a14:useLocalDpi xmlns="" xmlns:a14="http://schemas.microsoft.com/office/drawing/2010/main"/>
+                <a14:useLocalDpi xmlns:a14="http://schemas.microsoft.com/office/drawing/2010/main"/>
               </a:ext>
             </a:extLst>
           </a:blip>
@@ -10140,7 +10189,7 @@
           <a:blip r:embed="rId3" cstate="print">
             <a:extLst>
               <a:ext uri="{28A0092B-C50C-407E-A947-70E740481C1C}">
-                <a14:useLocalDpi xmlns="" xmlns:a14="http://schemas.microsoft.com/office/drawing/2010/main"/>
+                <a14:useLocalDpi xmlns:a14="http://schemas.microsoft.com/office/drawing/2010/main"/>
               </a:ext>
             </a:extLst>
           </a:blip>
@@ -10160,7 +10209,7 @@
     </p:spTree>
     <p:extLst>
       <p:ext uri="{BB962C8B-B14F-4D97-AF65-F5344CB8AC3E}">
-        <p14:creationId xmlns="" xmlns:p14="http://schemas.microsoft.com/office/powerpoint/2010/main" val="1057558188"/>
+        <p14:creationId xmlns:p14="http://schemas.microsoft.com/office/powerpoint/2010/main" val="1057558188"/>
       </p:ext>
     </p:extLst>
   </p:cSld>
@@ -10217,7 +10266,7 @@
           </a:lstStyle>
           <a:p>
             <a:r>
-              <a:rPr lang="en-US" smtClean="0"/>
+              <a:rPr lang="en-US"/>
               <a:t>Click to edit Master title style</a:t>
             </a:r>
             <a:endParaRPr lang="en-US" dirty="0"/>
@@ -10337,7 +10386,7 @@
           <a:p>
             <a:pPr lvl="0"/>
             <a:r>
-              <a:rPr lang="en-US" smtClean="0"/>
+              <a:rPr lang="en-US"/>
               <a:t>Edit Master text styles</a:t>
             </a:r>
           </a:p>
@@ -10355,7 +10404,7 @@
           <a:blip r:embed="rId2" cstate="print">
             <a:extLst>
               <a:ext uri="{28A0092B-C50C-407E-A947-70E740481C1C}">
-                <a14:useLocalDpi xmlns="" xmlns:a14="http://schemas.microsoft.com/office/drawing/2010/main"/>
+                <a14:useLocalDpi xmlns:a14="http://schemas.microsoft.com/office/drawing/2010/main"/>
               </a:ext>
             </a:extLst>
           </a:blip>
@@ -10384,7 +10433,7 @@
           <a:blip r:embed="rId2" cstate="print">
             <a:extLst>
               <a:ext uri="{28A0092B-C50C-407E-A947-70E740481C1C}">
-                <a14:useLocalDpi xmlns="" xmlns:a14="http://schemas.microsoft.com/office/drawing/2010/main"/>
+                <a14:useLocalDpi xmlns:a14="http://schemas.microsoft.com/office/drawing/2010/main"/>
               </a:ext>
             </a:extLst>
           </a:blip>
@@ -10404,7 +10453,7 @@
     </p:spTree>
     <p:extLst>
       <p:ext uri="{BB962C8B-B14F-4D97-AF65-F5344CB8AC3E}">
-        <p14:creationId xmlns="" xmlns:p14="http://schemas.microsoft.com/office/powerpoint/2010/main" val="1449442222"/>
+        <p14:creationId xmlns:p14="http://schemas.microsoft.com/office/powerpoint/2010/main" val="1449442222"/>
       </p:ext>
     </p:extLst>
   </p:cSld>
@@ -10416,7 +10465,7 @@
   </p:transition>
   <p:extLst mod="1">
     <p:ext uri="{DCECCB84-F9BA-43D5-87BE-67443E8EF086}">
-      <p15:sldGuideLst xmlns="" xmlns:p15="http://schemas.microsoft.com/office/powerpoint/2012/main">
+      <p15:sldGuideLst xmlns:p15="http://schemas.microsoft.com/office/powerpoint/2012/main">
         <p15:guide id="1" pos="2880">
           <p15:clr>
             <a:srgbClr val="FBAE40"/>
@@ -10467,7 +10516,7 @@
           </a:lstStyle>
           <a:p>
             <a:r>
-              <a:rPr lang="en-US" smtClean="0"/>
+              <a:rPr lang="en-US"/>
               <a:t>Click to edit Master title style</a:t>
             </a:r>
             <a:endParaRPr lang="en-US" dirty="0"/>
@@ -10579,35 +10628,35 @@
           <a:p>
             <a:pPr lvl="0"/>
             <a:r>
-              <a:rPr lang="en-US" smtClean="0"/>
+              <a:rPr lang="en-US"/>
               <a:t>Edit Master text styles</a:t>
             </a:r>
           </a:p>
           <a:p>
             <a:pPr lvl="1"/>
             <a:r>
-              <a:rPr lang="en-US" smtClean="0"/>
+              <a:rPr lang="en-US"/>
               <a:t>Second level</a:t>
             </a:r>
           </a:p>
           <a:p>
             <a:pPr lvl="2"/>
             <a:r>
-              <a:rPr lang="en-US" smtClean="0"/>
+              <a:rPr lang="en-US"/>
               <a:t>Third level</a:t>
             </a:r>
           </a:p>
           <a:p>
             <a:pPr lvl="3"/>
             <a:r>
-              <a:rPr lang="en-US" smtClean="0"/>
+              <a:rPr lang="en-US"/>
               <a:t>Fourth level</a:t>
             </a:r>
           </a:p>
           <a:p>
             <a:pPr lvl="4"/>
             <a:r>
-              <a:rPr lang="en-US" smtClean="0"/>
+              <a:rPr lang="en-US"/>
               <a:t>Fifth level</a:t>
             </a:r>
             <a:endParaRPr lang="en-US" dirty="0"/>
@@ -10617,7 +10666,7 @@
     </p:spTree>
     <p:extLst>
       <p:ext uri="{BB962C8B-B14F-4D97-AF65-F5344CB8AC3E}">
-        <p14:creationId xmlns="" xmlns:p14="http://schemas.microsoft.com/office/powerpoint/2010/main" val="3425409173"/>
+        <p14:creationId xmlns:p14="http://schemas.microsoft.com/office/powerpoint/2010/main" val="3425409173"/>
       </p:ext>
     </p:extLst>
   </p:cSld>
@@ -10629,7 +10678,7 @@
   </p:transition>
   <p:extLst>
     <p:ext uri="{DCECCB84-F9BA-43D5-87BE-67443E8EF086}">
-      <p15:sldGuideLst xmlns="" xmlns:p15="http://schemas.microsoft.com/office/powerpoint/2012/main">
+      <p15:sldGuideLst xmlns:p15="http://schemas.microsoft.com/office/powerpoint/2012/main">
         <p15:guide id="1" pos="2880" userDrawn="1">
           <p15:clr>
             <a:srgbClr val="FBAE40"/>
@@ -10674,7 +10723,7 @@
           <a:lstStyle/>
           <a:p>
             <a:r>
-              <a:rPr lang="en-US" smtClean="0"/>
+              <a:rPr lang="en-US"/>
               <a:t>Click to edit Master title style</a:t>
             </a:r>
             <a:endParaRPr lang="en-US" dirty="0"/>
@@ -10754,35 +10803,35 @@
           <a:p>
             <a:pPr lvl="0"/>
             <a:r>
-              <a:rPr lang="en-US" smtClean="0"/>
+              <a:rPr lang="en-US"/>
               <a:t>Edit Master text styles</a:t>
             </a:r>
           </a:p>
           <a:p>
             <a:pPr lvl="1"/>
             <a:r>
-              <a:rPr lang="en-US" smtClean="0"/>
+              <a:rPr lang="en-US"/>
               <a:t>Second level</a:t>
             </a:r>
           </a:p>
           <a:p>
             <a:pPr lvl="2"/>
             <a:r>
-              <a:rPr lang="en-US" smtClean="0"/>
+              <a:rPr lang="en-US"/>
               <a:t>Third level</a:t>
             </a:r>
           </a:p>
           <a:p>
             <a:pPr lvl="3"/>
             <a:r>
-              <a:rPr lang="en-US" smtClean="0"/>
+              <a:rPr lang="en-US"/>
               <a:t>Fourth level</a:t>
             </a:r>
           </a:p>
           <a:p>
             <a:pPr lvl="4"/>
             <a:r>
-              <a:rPr lang="en-US" smtClean="0"/>
+              <a:rPr lang="en-US"/>
               <a:t>Fifth level</a:t>
             </a:r>
             <a:endParaRPr lang="en-US" dirty="0"/>
@@ -10862,35 +10911,35 @@
           <a:p>
             <a:pPr lvl="0"/>
             <a:r>
-              <a:rPr lang="en-US" smtClean="0"/>
+              <a:rPr lang="en-US"/>
               <a:t>Edit Master text styles</a:t>
             </a:r>
           </a:p>
           <a:p>
             <a:pPr lvl="1"/>
             <a:r>
-              <a:rPr lang="en-US" smtClean="0"/>
+              <a:rPr lang="en-US"/>
               <a:t>Second level</a:t>
             </a:r>
           </a:p>
           <a:p>
             <a:pPr lvl="2"/>
             <a:r>
-              <a:rPr lang="en-US" smtClean="0"/>
+              <a:rPr lang="en-US"/>
               <a:t>Third level</a:t>
             </a:r>
           </a:p>
           <a:p>
             <a:pPr lvl="3"/>
             <a:r>
-              <a:rPr lang="en-US" smtClean="0"/>
+              <a:rPr lang="en-US"/>
               <a:t>Fourth level</a:t>
             </a:r>
           </a:p>
           <a:p>
             <a:pPr lvl="4"/>
             <a:r>
-              <a:rPr lang="en-US" smtClean="0"/>
+              <a:rPr lang="en-US"/>
               <a:t>Fifth level</a:t>
             </a:r>
             <a:endParaRPr lang="en-US" dirty="0"/>
@@ -10900,7 +10949,7 @@
     </p:spTree>
     <p:extLst>
       <p:ext uri="{BB962C8B-B14F-4D97-AF65-F5344CB8AC3E}">
-        <p14:creationId xmlns="" xmlns:p14="http://schemas.microsoft.com/office/powerpoint/2010/main" val="3874614199"/>
+        <p14:creationId xmlns:p14="http://schemas.microsoft.com/office/powerpoint/2010/main" val="3874614199"/>
       </p:ext>
     </p:extLst>
   </p:cSld>
@@ -10991,7 +11040,7 @@
           <a:p>
             <a:pPr lvl="0"/>
             <a:r>
-              <a:rPr lang="en-US" smtClean="0"/>
+              <a:rPr lang="en-US"/>
               <a:t>Edit Master text styles</a:t>
             </a:r>
           </a:p>
@@ -11072,35 +11121,35 @@
           <a:p>
             <a:pPr lvl="0"/>
             <a:r>
-              <a:rPr lang="en-US" smtClean="0"/>
+              <a:rPr lang="en-US"/>
               <a:t>Edit Master text styles</a:t>
             </a:r>
           </a:p>
           <a:p>
             <a:pPr lvl="1"/>
             <a:r>
-              <a:rPr lang="en-US" smtClean="0"/>
+              <a:rPr lang="en-US"/>
               <a:t>Second level</a:t>
             </a:r>
           </a:p>
           <a:p>
             <a:pPr lvl="2"/>
             <a:r>
-              <a:rPr lang="en-US" smtClean="0"/>
+              <a:rPr lang="en-US"/>
               <a:t>Third level</a:t>
             </a:r>
           </a:p>
           <a:p>
             <a:pPr lvl="3"/>
             <a:r>
-              <a:rPr lang="en-US" smtClean="0"/>
+              <a:rPr lang="en-US"/>
               <a:t>Fourth level</a:t>
             </a:r>
           </a:p>
           <a:p>
             <a:pPr lvl="4"/>
             <a:r>
-              <a:rPr lang="en-US" smtClean="0"/>
+              <a:rPr lang="en-US"/>
               <a:t>Fifth level</a:t>
             </a:r>
             <a:endParaRPr lang="en-US" dirty="0"/>
@@ -11168,7 +11217,7 @@
           <a:p>
             <a:pPr lvl="0"/>
             <a:r>
-              <a:rPr lang="en-US" smtClean="0"/>
+              <a:rPr lang="en-US"/>
               <a:t>Edit Master text styles</a:t>
             </a:r>
           </a:p>
@@ -11249,35 +11298,35 @@
           <a:p>
             <a:pPr lvl="0"/>
             <a:r>
-              <a:rPr lang="en-US" smtClean="0"/>
+              <a:rPr lang="en-US"/>
               <a:t>Edit Master text styles</a:t>
             </a:r>
           </a:p>
           <a:p>
             <a:pPr lvl="1"/>
             <a:r>
-              <a:rPr lang="en-US" smtClean="0"/>
+              <a:rPr lang="en-US"/>
               <a:t>Second level</a:t>
             </a:r>
           </a:p>
           <a:p>
             <a:pPr lvl="2"/>
             <a:r>
-              <a:rPr lang="en-US" smtClean="0"/>
+              <a:rPr lang="en-US"/>
               <a:t>Third level</a:t>
             </a:r>
           </a:p>
           <a:p>
             <a:pPr lvl="3"/>
             <a:r>
-              <a:rPr lang="en-US" smtClean="0"/>
+              <a:rPr lang="en-US"/>
               <a:t>Fourth level</a:t>
             </a:r>
           </a:p>
           <a:p>
             <a:pPr lvl="4"/>
             <a:r>
-              <a:rPr lang="en-US" smtClean="0"/>
+              <a:rPr lang="en-US"/>
               <a:t>Fifth level</a:t>
             </a:r>
             <a:endParaRPr lang="en-US" dirty="0"/>
@@ -11300,7 +11349,7 @@
           <a:lstStyle/>
           <a:p>
             <a:r>
-              <a:rPr lang="en-US" smtClean="0"/>
+              <a:rPr lang="en-US"/>
               <a:t>Click to edit Master title style</a:t>
             </a:r>
             <a:endParaRPr lang="en-US" dirty="0"/>
@@ -11310,7 +11359,7 @@
     </p:spTree>
     <p:extLst>
       <p:ext uri="{BB962C8B-B14F-4D97-AF65-F5344CB8AC3E}">
-        <p14:creationId xmlns="" xmlns:p14="http://schemas.microsoft.com/office/powerpoint/2010/main" val="264050381"/>
+        <p14:creationId xmlns:p14="http://schemas.microsoft.com/office/powerpoint/2010/main" val="264050381"/>
       </p:ext>
     </p:extLst>
   </p:cSld>
@@ -11364,7 +11413,7 @@
           </a:lstStyle>
           <a:p>
             <a:r>
-              <a:rPr lang="en-US" smtClean="0"/>
+              <a:rPr lang="en-US"/>
               <a:t>Click to edit Master title style</a:t>
             </a:r>
             <a:endParaRPr lang="en-US" dirty="0"/>
@@ -11374,7 +11423,7 @@
     </p:spTree>
     <p:extLst>
       <p:ext uri="{BB962C8B-B14F-4D97-AF65-F5344CB8AC3E}">
-        <p14:creationId xmlns="" xmlns:p14="http://schemas.microsoft.com/office/powerpoint/2010/main" val="3231914892"/>
+        <p14:creationId xmlns:p14="http://schemas.microsoft.com/office/powerpoint/2010/main" val="3231914892"/>
       </p:ext>
     </p:extLst>
   </p:cSld>
@@ -11386,7 +11435,7 @@
   </p:transition>
   <p:extLst mod="1">
     <p:ext uri="{DCECCB84-F9BA-43D5-87BE-67443E8EF086}">
-      <p15:sldGuideLst xmlns="" xmlns:p15="http://schemas.microsoft.com/office/powerpoint/2012/main">
+      <p15:sldGuideLst xmlns:p15="http://schemas.microsoft.com/office/powerpoint/2012/main">
         <p15:guide id="1" pos="4512">
           <p15:clr>
             <a:srgbClr val="FBAE40"/>
@@ -11418,7 +11467,7 @@
     </p:spTree>
     <p:extLst>
       <p:ext uri="{BB962C8B-B14F-4D97-AF65-F5344CB8AC3E}">
-        <p14:creationId xmlns="" xmlns:p14="http://schemas.microsoft.com/office/powerpoint/2010/main" val="3377116146"/>
+        <p14:creationId xmlns:p14="http://schemas.microsoft.com/office/powerpoint/2010/main" val="3377116146"/>
       </p:ext>
     </p:extLst>
   </p:cSld>
@@ -11460,7 +11509,7 @@
           <a:blip r:embed="rId2" cstate="print">
             <a:extLst>
               <a:ext uri="{28A0092B-C50C-407E-A947-70E740481C1C}">
-                <a14:useLocalDpi xmlns="" xmlns:a14="http://schemas.microsoft.com/office/drawing/2010/main"/>
+                <a14:useLocalDpi xmlns:a14="http://schemas.microsoft.com/office/drawing/2010/main"/>
               </a:ext>
             </a:extLst>
           </a:blip>
@@ -11481,14 +11530,14 @@
           </a:ln>
           <a:extLst>
             <a:ext uri="{909E8E84-426E-40DD-AFC4-6F175D3DCCD1}">
-              <a14:hiddenFill xmlns="" xmlns:a14="http://schemas.microsoft.com/office/drawing/2010/main">
+              <a14:hiddenFill xmlns:a14="http://schemas.microsoft.com/office/drawing/2010/main">
                 <a:solidFill>
                   <a:srgbClr val="FFFFFF"/>
                 </a:solidFill>
               </a14:hiddenFill>
             </a:ext>
             <a:ext uri="{91240B29-F687-4F45-9708-019B960494DF}">
-              <a14:hiddenLine xmlns="" xmlns:a14="http://schemas.microsoft.com/office/drawing/2010/main" w="9525">
+              <a14:hiddenLine xmlns:a14="http://schemas.microsoft.com/office/drawing/2010/main" w="9525">
                 <a:solidFill>
                   <a:srgbClr val="000000"/>
                 </a:solidFill>
@@ -11653,7 +11702,7 @@
           <a:blip r:embed="rId3" cstate="email">
             <a:extLst>
               <a:ext uri="{28A0092B-C50C-407E-A947-70E740481C1C}">
-                <a14:useLocalDpi xmlns="" xmlns:a14="http://schemas.microsoft.com/office/drawing/2010/main"/>
+                <a14:useLocalDpi xmlns:a14="http://schemas.microsoft.com/office/drawing/2010/main"/>
               </a:ext>
             </a:extLst>
           </a:blip>
@@ -11676,14 +11725,14 @@
           </a:ln>
           <a:extLst>
             <a:ext uri="{909E8E84-426E-40DD-AFC4-6F175D3DCCD1}">
-              <a14:hiddenFill xmlns="" xmlns:a14="http://schemas.microsoft.com/office/drawing/2010/main">
+              <a14:hiddenFill xmlns:a14="http://schemas.microsoft.com/office/drawing/2010/main">
                 <a:solidFill>
                   <a:srgbClr val="FFFFFF"/>
                 </a:solidFill>
               </a14:hiddenFill>
             </a:ext>
             <a:ext uri="{91240B29-F687-4F45-9708-019B960494DF}">
-              <a14:hiddenLine xmlns="" xmlns:a14="http://schemas.microsoft.com/office/drawing/2010/main" w="9525">
+              <a14:hiddenLine xmlns:a14="http://schemas.microsoft.com/office/drawing/2010/main" w="9525">
                 <a:solidFill>
                   <a:srgbClr val="000000"/>
                 </a:solidFill>
@@ -11707,7 +11756,7 @@
           <a:blip r:embed="rId4" cstate="print">
             <a:extLst>
               <a:ext uri="{28A0092B-C50C-407E-A947-70E740481C1C}">
-                <a14:useLocalDpi xmlns="" xmlns:a14="http://schemas.microsoft.com/office/drawing/2010/main"/>
+                <a14:useLocalDpi xmlns:a14="http://schemas.microsoft.com/office/drawing/2010/main"/>
               </a:ext>
             </a:extLst>
           </a:blip>
@@ -11736,7 +11785,7 @@
           <a:blip r:embed="rId2" cstate="print">
             <a:extLst>
               <a:ext uri="{28A0092B-C50C-407E-A947-70E740481C1C}">
-                <a14:useLocalDpi xmlns="" xmlns:a14="http://schemas.microsoft.com/office/drawing/2010/main"/>
+                <a14:useLocalDpi xmlns:a14="http://schemas.microsoft.com/office/drawing/2010/main"/>
               </a:ext>
             </a:extLst>
           </a:blip>
@@ -11757,14 +11806,14 @@
           </a:ln>
           <a:extLst>
             <a:ext uri="{909E8E84-426E-40DD-AFC4-6F175D3DCCD1}">
-              <a14:hiddenFill xmlns="" xmlns:a14="http://schemas.microsoft.com/office/drawing/2010/main">
+              <a14:hiddenFill xmlns:a14="http://schemas.microsoft.com/office/drawing/2010/main">
                 <a:solidFill>
                   <a:srgbClr val="FFFFFF"/>
                 </a:solidFill>
               </a14:hiddenFill>
             </a:ext>
             <a:ext uri="{91240B29-F687-4F45-9708-019B960494DF}">
-              <a14:hiddenLine xmlns="" xmlns:a14="http://schemas.microsoft.com/office/drawing/2010/main" w="9525">
+              <a14:hiddenLine xmlns:a14="http://schemas.microsoft.com/office/drawing/2010/main" w="9525">
                 <a:solidFill>
                   <a:srgbClr val="000000"/>
                 </a:solidFill>
@@ -11788,7 +11837,7 @@
           <a:blip r:embed="rId4" cstate="print">
             <a:extLst>
               <a:ext uri="{28A0092B-C50C-407E-A947-70E740481C1C}">
-                <a14:useLocalDpi xmlns="" xmlns:a14="http://schemas.microsoft.com/office/drawing/2010/main"/>
+                <a14:useLocalDpi xmlns:a14="http://schemas.microsoft.com/office/drawing/2010/main"/>
               </a:ext>
             </a:extLst>
           </a:blip>
@@ -11808,7 +11857,7 @@
     </p:spTree>
     <p:extLst>
       <p:ext uri="{BB962C8B-B14F-4D97-AF65-F5344CB8AC3E}">
-        <p14:creationId xmlns="" xmlns:p14="http://schemas.microsoft.com/office/powerpoint/2010/main" val="2892385792"/>
+        <p14:creationId xmlns:p14="http://schemas.microsoft.com/office/powerpoint/2010/main" val="2892385792"/>
       </p:ext>
     </p:extLst>
   </p:cSld>
@@ -11869,7 +11918,7 @@
           <a:blip r:embed="rId2" cstate="print">
             <a:extLst>
               <a:ext uri="{28A0092B-C50C-407E-A947-70E740481C1C}">
-                <a14:useLocalDpi xmlns="" xmlns:a14="http://schemas.microsoft.com/office/drawing/2010/main"/>
+                <a14:useLocalDpi xmlns:a14="http://schemas.microsoft.com/office/drawing/2010/main"/>
               </a:ext>
             </a:extLst>
           </a:blip>
@@ -11890,14 +11939,14 @@
           </a:ln>
           <a:extLst>
             <a:ext uri="{909E8E84-426E-40DD-AFC4-6F175D3DCCD1}">
-              <a14:hiddenFill xmlns="" xmlns:a14="http://schemas.microsoft.com/office/drawing/2010/main">
+              <a14:hiddenFill xmlns:a14="http://schemas.microsoft.com/office/drawing/2010/main">
                 <a:solidFill>
                   <a:srgbClr val="FFFFFF"/>
                 </a:solidFill>
               </a14:hiddenFill>
             </a:ext>
             <a:ext uri="{91240B29-F687-4F45-9708-019B960494DF}">
-              <a14:hiddenLine xmlns="" xmlns:a14="http://schemas.microsoft.com/office/drawing/2010/main" w="9525">
+              <a14:hiddenLine xmlns:a14="http://schemas.microsoft.com/office/drawing/2010/main" w="9525">
                 <a:solidFill>
                   <a:srgbClr val="000000"/>
                 </a:solidFill>
@@ -12059,7 +12108,7 @@
           <a:blip r:embed="rId3" cstate="email">
             <a:extLst>
               <a:ext uri="{28A0092B-C50C-407E-A947-70E740481C1C}">
-                <a14:useLocalDpi xmlns="" xmlns:a14="http://schemas.microsoft.com/office/drawing/2010/main"/>
+                <a14:useLocalDpi xmlns:a14="http://schemas.microsoft.com/office/drawing/2010/main"/>
               </a:ext>
             </a:extLst>
           </a:blip>
@@ -12082,14 +12131,14 @@
           </a:ln>
           <a:extLst>
             <a:ext uri="{909E8E84-426E-40DD-AFC4-6F175D3DCCD1}">
-              <a14:hiddenFill xmlns="" xmlns:a14="http://schemas.microsoft.com/office/drawing/2010/main">
+              <a14:hiddenFill xmlns:a14="http://schemas.microsoft.com/office/drawing/2010/main">
                 <a:solidFill>
                   <a:srgbClr val="FFFFFF"/>
                 </a:solidFill>
               </a14:hiddenFill>
             </a:ext>
             <a:ext uri="{91240B29-F687-4F45-9708-019B960494DF}">
-              <a14:hiddenLine xmlns="" xmlns:a14="http://schemas.microsoft.com/office/drawing/2010/main" w="9525">
+              <a14:hiddenLine xmlns:a14="http://schemas.microsoft.com/office/drawing/2010/main" w="9525">
                 <a:solidFill>
                   <a:srgbClr val="000000"/>
                 </a:solidFill>
@@ -12113,7 +12162,7 @@
           <a:blip r:embed="rId4" cstate="print">
             <a:extLst>
               <a:ext uri="{28A0092B-C50C-407E-A947-70E740481C1C}">
-                <a14:useLocalDpi xmlns="" xmlns:a14="http://schemas.microsoft.com/office/drawing/2010/main"/>
+                <a14:useLocalDpi xmlns:a14="http://schemas.microsoft.com/office/drawing/2010/main"/>
               </a:ext>
             </a:extLst>
           </a:blip>
@@ -12142,7 +12191,7 @@
           <a:blip r:embed="rId4" cstate="print">
             <a:extLst>
               <a:ext uri="{28A0092B-C50C-407E-A947-70E740481C1C}">
-                <a14:useLocalDpi xmlns="" xmlns:a14="http://schemas.microsoft.com/office/drawing/2010/main"/>
+                <a14:useLocalDpi xmlns:a14="http://schemas.microsoft.com/office/drawing/2010/main"/>
               </a:ext>
             </a:extLst>
           </a:blip>
@@ -12162,7 +12211,7 @@
     </p:spTree>
     <p:extLst>
       <p:ext uri="{BB962C8B-B14F-4D97-AF65-F5344CB8AC3E}">
-        <p14:creationId xmlns="" xmlns:p14="http://schemas.microsoft.com/office/powerpoint/2010/main" val="2816053036"/>
+        <p14:creationId xmlns:p14="http://schemas.microsoft.com/office/powerpoint/2010/main" val="2816053036"/>
       </p:ext>
     </p:extLst>
   </p:cSld>
@@ -12204,7 +12253,7 @@
           <a:blip r:embed="rId2" cstate="print">
             <a:extLst>
               <a:ext uri="{28A0092B-C50C-407E-A947-70E740481C1C}">
-                <a14:useLocalDpi xmlns="" xmlns:a14="http://schemas.microsoft.com/office/drawing/2010/main"/>
+                <a14:useLocalDpi xmlns:a14="http://schemas.microsoft.com/office/drawing/2010/main"/>
               </a:ext>
             </a:extLst>
           </a:blip>
@@ -12227,14 +12276,14 @@
           </a:ln>
           <a:extLst>
             <a:ext uri="{909E8E84-426E-40DD-AFC4-6F175D3DCCD1}">
-              <a14:hiddenFill xmlns="" xmlns:a14="http://schemas.microsoft.com/office/drawing/2010/main">
+              <a14:hiddenFill xmlns:a14="http://schemas.microsoft.com/office/drawing/2010/main">
                 <a:solidFill>
                   <a:srgbClr val="FFFFFF"/>
                 </a:solidFill>
               </a14:hiddenFill>
             </a:ext>
             <a:ext uri="{91240B29-F687-4F45-9708-019B960494DF}">
-              <a14:hiddenLine xmlns="" xmlns:a14="http://schemas.microsoft.com/office/drawing/2010/main" w="9525">
+              <a14:hiddenLine xmlns:a14="http://schemas.microsoft.com/office/drawing/2010/main" w="9525">
                 <a:solidFill>
                   <a:srgbClr val="000000"/>
                 </a:solidFill>
@@ -12262,7 +12311,7 @@
           <a:lstStyle/>
           <a:p>
             <a:r>
-              <a:rPr lang="en-US" smtClean="0"/>
+              <a:rPr lang="en-US"/>
               <a:t>Click to edit Master title style</a:t>
             </a:r>
             <a:endParaRPr lang="en-US" dirty="0"/>
@@ -12372,35 +12421,35 @@
           <a:p>
             <a:pPr lvl="0"/>
             <a:r>
-              <a:rPr lang="en-US" smtClean="0"/>
+              <a:rPr lang="en-US"/>
               <a:t>Edit Master text styles</a:t>
             </a:r>
           </a:p>
           <a:p>
             <a:pPr lvl="1"/>
             <a:r>
-              <a:rPr lang="en-US" smtClean="0"/>
+              <a:rPr lang="en-US"/>
               <a:t>Second level</a:t>
             </a:r>
           </a:p>
           <a:p>
             <a:pPr lvl="2"/>
             <a:r>
-              <a:rPr lang="en-US" smtClean="0"/>
+              <a:rPr lang="en-US"/>
               <a:t>Third level</a:t>
             </a:r>
           </a:p>
           <a:p>
             <a:pPr lvl="3"/>
             <a:r>
-              <a:rPr lang="en-US" smtClean="0"/>
+              <a:rPr lang="en-US"/>
               <a:t>Fourth level</a:t>
             </a:r>
           </a:p>
           <a:p>
             <a:pPr lvl="4"/>
             <a:r>
-              <a:rPr lang="en-US" smtClean="0"/>
+              <a:rPr lang="en-US"/>
               <a:t>Fifth level</a:t>
             </a:r>
             <a:endParaRPr lang="en-US" dirty="0"/>
@@ -12410,7 +12459,7 @@
     </p:spTree>
     <p:extLst>
       <p:ext uri="{BB962C8B-B14F-4D97-AF65-F5344CB8AC3E}">
-        <p14:creationId xmlns="" xmlns:p14="http://schemas.microsoft.com/office/powerpoint/2010/main" val="3816901762"/>
+        <p14:creationId xmlns:p14="http://schemas.microsoft.com/office/powerpoint/2010/main" val="3816901762"/>
       </p:ext>
     </p:extLst>
   </p:cSld>
@@ -12452,7 +12501,7 @@
           <a:blip r:embed="rId2" cstate="print">
             <a:extLst>
               <a:ext uri="{28A0092B-C50C-407E-A947-70E740481C1C}">
-                <a14:useLocalDpi xmlns="" xmlns:a14="http://schemas.microsoft.com/office/drawing/2010/main" val="0"/>
+                <a14:useLocalDpi xmlns:a14="http://schemas.microsoft.com/office/drawing/2010/main" val="0"/>
               </a:ext>
             </a:extLst>
           </a:blip>
@@ -12639,7 +12688,7 @@
           <a:blip r:embed="rId3" cstate="email">
             <a:extLst>
               <a:ext uri="{28A0092B-C50C-407E-A947-70E740481C1C}">
-                <a14:useLocalDpi xmlns="" xmlns:a14="http://schemas.microsoft.com/office/drawing/2010/main"/>
+                <a14:useLocalDpi xmlns:a14="http://schemas.microsoft.com/office/drawing/2010/main"/>
               </a:ext>
             </a:extLst>
           </a:blip>
@@ -12662,14 +12711,14 @@
           </a:ln>
           <a:extLst>
             <a:ext uri="{909E8E84-426E-40DD-AFC4-6F175D3DCCD1}">
-              <a14:hiddenFill xmlns="" xmlns:a14="http://schemas.microsoft.com/office/drawing/2010/main">
+              <a14:hiddenFill xmlns:a14="http://schemas.microsoft.com/office/drawing/2010/main">
                 <a:solidFill>
                   <a:srgbClr val="FFFFFF"/>
                 </a:solidFill>
               </a14:hiddenFill>
             </a:ext>
             <a:ext uri="{91240B29-F687-4F45-9708-019B960494DF}">
-              <a14:hiddenLine xmlns="" xmlns:a14="http://schemas.microsoft.com/office/drawing/2010/main" w="9525">
+              <a14:hiddenLine xmlns:a14="http://schemas.microsoft.com/office/drawing/2010/main" w="9525">
                 <a:solidFill>
                   <a:srgbClr val="000000"/>
                 </a:solidFill>
@@ -12693,7 +12742,7 @@
           <a:blip r:embed="rId4" cstate="print">
             <a:extLst>
               <a:ext uri="{28A0092B-C50C-407E-A947-70E740481C1C}">
-                <a14:useLocalDpi xmlns="" xmlns:a14="http://schemas.microsoft.com/office/drawing/2010/main"/>
+                <a14:useLocalDpi xmlns:a14="http://schemas.microsoft.com/office/drawing/2010/main"/>
               </a:ext>
             </a:extLst>
           </a:blip>
@@ -12741,7 +12790,7 @@
           </a:lstStyle>
           <a:p>
             <a:r>
-              <a:rPr lang="en-US" smtClean="0"/>
+              <a:rPr lang="en-US"/>
               <a:t>Click to edit Master title style</a:t>
             </a:r>
             <a:endParaRPr lang="en-US" dirty="0"/>
@@ -12813,7 +12862,7 @@
           </a:lstStyle>
           <a:p>
             <a:r>
-              <a:rPr lang="en-US" smtClean="0"/>
+              <a:rPr lang="en-US"/>
               <a:t>Click to edit Master subtitle style</a:t>
             </a:r>
             <a:endParaRPr lang="en-US" dirty="0"/>
@@ -12870,7 +12919,7 @@
           <a:p>
             <a:pPr lvl="0"/>
             <a:r>
-              <a:rPr lang="en-US" smtClean="0"/>
+              <a:rPr lang="en-US"/>
               <a:t>Click to edit Master text styles</a:t>
             </a:r>
           </a:p>
@@ -12879,7 +12928,7 @@
     </p:spTree>
     <p:extLst>
       <p:ext uri="{BB962C8B-B14F-4D97-AF65-F5344CB8AC3E}">
-        <p14:creationId xmlns="" xmlns:p14="http://schemas.microsoft.com/office/powerpoint/2010/main" val="4246848152"/>
+        <p14:creationId xmlns:p14="http://schemas.microsoft.com/office/powerpoint/2010/main" val="4246848152"/>
       </p:ext>
     </p:extLst>
   </p:cSld>
@@ -12921,7 +12970,7 @@
           <a:blip r:embed="rId2" cstate="print">
             <a:extLst>
               <a:ext uri="{28A0092B-C50C-407E-A947-70E740481C1C}">
-                <a14:useLocalDpi xmlns="" xmlns:a14="http://schemas.microsoft.com/office/drawing/2010/main"/>
+                <a14:useLocalDpi xmlns:a14="http://schemas.microsoft.com/office/drawing/2010/main"/>
               </a:ext>
             </a:extLst>
           </a:blip>
@@ -12954,7 +13003,7 @@
           <a:lstStyle/>
           <a:p>
             <a:r>
-              <a:rPr lang="en-US" smtClean="0"/>
+              <a:rPr lang="en-US"/>
               <a:t>Click to edit Master title style</a:t>
             </a:r>
             <a:endParaRPr lang="en-US" dirty="0"/>
@@ -13064,35 +13113,35 @@
           <a:p>
             <a:pPr lvl="0"/>
             <a:r>
-              <a:rPr lang="en-US" smtClean="0"/>
+              <a:rPr lang="en-US"/>
               <a:t>Edit Master text styles</a:t>
             </a:r>
           </a:p>
           <a:p>
             <a:pPr lvl="1"/>
             <a:r>
-              <a:rPr lang="en-US" smtClean="0"/>
+              <a:rPr lang="en-US"/>
               <a:t>Second level</a:t>
             </a:r>
           </a:p>
           <a:p>
             <a:pPr lvl="2"/>
             <a:r>
-              <a:rPr lang="en-US" smtClean="0"/>
+              <a:rPr lang="en-US"/>
               <a:t>Third level</a:t>
             </a:r>
           </a:p>
           <a:p>
             <a:pPr lvl="3"/>
             <a:r>
-              <a:rPr lang="en-US" smtClean="0"/>
+              <a:rPr lang="en-US"/>
               <a:t>Fourth level</a:t>
             </a:r>
           </a:p>
           <a:p>
             <a:pPr lvl="4"/>
             <a:r>
-              <a:rPr lang="en-US" smtClean="0"/>
+              <a:rPr lang="en-US"/>
               <a:t>Fifth level</a:t>
             </a:r>
             <a:endParaRPr lang="en-US" dirty="0"/>
@@ -13111,7 +13160,7 @@
           <a:blip r:embed="rId2" cstate="print">
             <a:extLst>
               <a:ext uri="{28A0092B-C50C-407E-A947-70E740481C1C}">
-                <a14:useLocalDpi xmlns="" xmlns:a14="http://schemas.microsoft.com/office/drawing/2010/main"/>
+                <a14:useLocalDpi xmlns:a14="http://schemas.microsoft.com/office/drawing/2010/main"/>
               </a:ext>
             </a:extLst>
           </a:blip>
@@ -13131,7 +13180,7 @@
     </p:spTree>
     <p:extLst>
       <p:ext uri="{BB962C8B-B14F-4D97-AF65-F5344CB8AC3E}">
-        <p14:creationId xmlns="" xmlns:p14="http://schemas.microsoft.com/office/powerpoint/2010/main" val="4273931923"/>
+        <p14:creationId xmlns:p14="http://schemas.microsoft.com/office/powerpoint/2010/main" val="4273931923"/>
       </p:ext>
     </p:extLst>
   </p:cSld>
@@ -13173,7 +13222,7 @@
           <a:blip r:embed="rId2" cstate="print">
             <a:extLst>
               <a:ext uri="{28A0092B-C50C-407E-A947-70E740481C1C}">
-                <a14:useLocalDpi xmlns="" xmlns:a14="http://schemas.microsoft.com/office/drawing/2010/main"/>
+                <a14:useLocalDpi xmlns:a14="http://schemas.microsoft.com/office/drawing/2010/main"/>
               </a:ext>
             </a:extLst>
           </a:blip>
@@ -13202,7 +13251,7 @@
           <a:blip r:embed="rId2" cstate="print">
             <a:extLst>
               <a:ext uri="{28A0092B-C50C-407E-A947-70E740481C1C}">
-                <a14:useLocalDpi xmlns="" xmlns:a14="http://schemas.microsoft.com/office/drawing/2010/main"/>
+                <a14:useLocalDpi xmlns:a14="http://schemas.microsoft.com/office/drawing/2010/main"/>
               </a:ext>
             </a:extLst>
           </a:blip>
@@ -13222,7 +13271,7 @@
     </p:spTree>
     <p:extLst>
       <p:ext uri="{BB962C8B-B14F-4D97-AF65-F5344CB8AC3E}">
-        <p14:creationId xmlns="" xmlns:p14="http://schemas.microsoft.com/office/powerpoint/2010/main" val="2783362529"/>
+        <p14:creationId xmlns:p14="http://schemas.microsoft.com/office/powerpoint/2010/main" val="2783362529"/>
       </p:ext>
     </p:extLst>
   </p:cSld>
@@ -13264,7 +13313,7 @@
           <a:blip r:embed="rId2" cstate="email">
             <a:extLst>
               <a:ext uri="{28A0092B-C50C-407E-A947-70E740481C1C}">
-                <a14:useLocalDpi xmlns="" xmlns:a14="http://schemas.microsoft.com/office/drawing/2010/main"/>
+                <a14:useLocalDpi xmlns:a14="http://schemas.microsoft.com/office/drawing/2010/main"/>
               </a:ext>
             </a:extLst>
           </a:blip>
@@ -13287,14 +13336,14 @@
           </a:ln>
           <a:extLst>
             <a:ext uri="{909E8E84-426E-40DD-AFC4-6F175D3DCCD1}">
-              <a14:hiddenFill xmlns="" xmlns:a14="http://schemas.microsoft.com/office/drawing/2010/main">
+              <a14:hiddenFill xmlns:a14="http://schemas.microsoft.com/office/drawing/2010/main">
                 <a:solidFill>
                   <a:srgbClr val="FFFFFF"/>
                 </a:solidFill>
               </a14:hiddenFill>
             </a:ext>
             <a:ext uri="{91240B29-F687-4F45-9708-019B960494DF}">
-              <a14:hiddenLine xmlns="" xmlns:a14="http://schemas.microsoft.com/office/drawing/2010/main" w="9525">
+              <a14:hiddenLine xmlns:a14="http://schemas.microsoft.com/office/drawing/2010/main" w="9525">
                 <a:solidFill>
                   <a:srgbClr val="000000"/>
                 </a:solidFill>
@@ -13322,7 +13371,7 @@
           <a:lstStyle/>
           <a:p>
             <a:r>
-              <a:rPr lang="en-US" smtClean="0"/>
+              <a:rPr lang="en-US"/>
               <a:t>Click to edit Master title style</a:t>
             </a:r>
             <a:endParaRPr lang="en-US" dirty="0"/>
@@ -13402,35 +13451,35 @@
           <a:p>
             <a:pPr lvl="0"/>
             <a:r>
-              <a:rPr lang="en-US" smtClean="0"/>
+              <a:rPr lang="en-US"/>
               <a:t>Edit Master text styles</a:t>
             </a:r>
           </a:p>
           <a:p>
             <a:pPr lvl="1"/>
             <a:r>
-              <a:rPr lang="en-US" smtClean="0"/>
+              <a:rPr lang="en-US"/>
               <a:t>Second level</a:t>
             </a:r>
           </a:p>
           <a:p>
             <a:pPr lvl="2"/>
             <a:r>
-              <a:rPr lang="en-US" smtClean="0"/>
+              <a:rPr lang="en-US"/>
               <a:t>Third level</a:t>
             </a:r>
           </a:p>
           <a:p>
             <a:pPr lvl="3"/>
             <a:r>
-              <a:rPr lang="en-US" smtClean="0"/>
+              <a:rPr lang="en-US"/>
               <a:t>Fourth level</a:t>
             </a:r>
           </a:p>
           <a:p>
             <a:pPr lvl="4"/>
             <a:r>
-              <a:rPr lang="en-US" smtClean="0"/>
+              <a:rPr lang="en-US"/>
               <a:t>Fifth level</a:t>
             </a:r>
             <a:endParaRPr lang="en-US" dirty="0"/>
@@ -13510,35 +13559,35 @@
           <a:p>
             <a:pPr lvl="0"/>
             <a:r>
-              <a:rPr lang="en-US" smtClean="0"/>
+              <a:rPr lang="en-US"/>
               <a:t>Edit Master text styles</a:t>
             </a:r>
           </a:p>
           <a:p>
             <a:pPr lvl="1"/>
             <a:r>
-              <a:rPr lang="en-US" smtClean="0"/>
+              <a:rPr lang="en-US"/>
               <a:t>Second level</a:t>
             </a:r>
           </a:p>
           <a:p>
             <a:pPr lvl="2"/>
             <a:r>
-              <a:rPr lang="en-US" smtClean="0"/>
+              <a:rPr lang="en-US"/>
               <a:t>Third level</a:t>
             </a:r>
           </a:p>
           <a:p>
             <a:pPr lvl="3"/>
             <a:r>
-              <a:rPr lang="en-US" smtClean="0"/>
+              <a:rPr lang="en-US"/>
               <a:t>Fourth level</a:t>
             </a:r>
           </a:p>
           <a:p>
             <a:pPr lvl="4"/>
             <a:r>
-              <a:rPr lang="en-US" smtClean="0"/>
+              <a:rPr lang="en-US"/>
               <a:t>Fifth level</a:t>
             </a:r>
             <a:endParaRPr lang="en-US" dirty="0"/>
@@ -13557,7 +13606,7 @@
           <a:blip r:embed="rId3" cstate="print">
             <a:extLst>
               <a:ext uri="{28A0092B-C50C-407E-A947-70E740481C1C}">
-                <a14:useLocalDpi xmlns="" xmlns:a14="http://schemas.microsoft.com/office/drawing/2010/main"/>
+                <a14:useLocalDpi xmlns:a14="http://schemas.microsoft.com/office/drawing/2010/main"/>
               </a:ext>
             </a:extLst>
           </a:blip>
@@ -13586,7 +13635,7 @@
           <a:blip r:embed="rId3" cstate="print">
             <a:extLst>
               <a:ext uri="{28A0092B-C50C-407E-A947-70E740481C1C}">
-                <a14:useLocalDpi xmlns="" xmlns:a14="http://schemas.microsoft.com/office/drawing/2010/main"/>
+                <a14:useLocalDpi xmlns:a14="http://schemas.microsoft.com/office/drawing/2010/main"/>
               </a:ext>
             </a:extLst>
           </a:blip>
@@ -13606,7 +13655,7 @@
     </p:spTree>
     <p:extLst>
       <p:ext uri="{BB962C8B-B14F-4D97-AF65-F5344CB8AC3E}">
-        <p14:creationId xmlns="" xmlns:p14="http://schemas.microsoft.com/office/powerpoint/2010/main" val="1100579177"/>
+        <p14:creationId xmlns:p14="http://schemas.microsoft.com/office/powerpoint/2010/main" val="1100579177"/>
       </p:ext>
     </p:extLst>
   </p:cSld>
@@ -13647,20 +13696,20 @@
     </p:spTree>
     <p:extLst>
       <p:ext uri="{BB962C8B-B14F-4D97-AF65-F5344CB8AC3E}">
-        <p14:creationId xmlns="" xmlns:p14="http://schemas.microsoft.com/office/powerpoint/2010/main" val="178115974"/>
+        <p14:creationId xmlns:p14="http://schemas.microsoft.com/office/powerpoint/2010/main" val="178115974"/>
       </p:ext>
     </p:extLst>
   </p:cSld>
   <p:clrMapOvr>
     <a:masterClrMapping/>
   </p:clrMapOvr>
-  <mc:AlternateContent xmlns:mc="http://schemas.openxmlformats.org/markup-compatibility/2006">
-    <mc:Choice xmlns="" xmlns:p14="http://schemas.microsoft.com/office/powerpoint/2010/main" Requires="p14">
+  <mc:AlternateContent xmlns:mc="http://schemas.openxmlformats.org/markup-compatibility/2006" xmlns:p14="http://schemas.microsoft.com/office/powerpoint/2010/main">
+    <mc:Choice Requires="p14">
       <p:transition p14:dur="250">
         <p:fade/>
       </p:transition>
     </mc:Choice>
-    <mc:Fallback>
+    <mc:Fallback xmlns="">
       <p:transition>
         <p:fade/>
       </p:transition>
@@ -13698,7 +13747,7 @@
           <a:blip r:embed="rId2" cstate="print">
             <a:extLst>
               <a:ext uri="{28A0092B-C50C-407E-A947-70E740481C1C}">
-                <a14:useLocalDpi xmlns="" xmlns:a14="http://schemas.microsoft.com/office/drawing/2010/main"/>
+                <a14:useLocalDpi xmlns:a14="http://schemas.microsoft.com/office/drawing/2010/main"/>
               </a:ext>
             </a:extLst>
           </a:blip>
@@ -13885,7 +13934,7 @@
           <a:blip r:embed="rId3" cstate="email">
             <a:extLst>
               <a:ext uri="{28A0092B-C50C-407E-A947-70E740481C1C}">
-                <a14:useLocalDpi xmlns="" xmlns:a14="http://schemas.microsoft.com/office/drawing/2010/main"/>
+                <a14:useLocalDpi xmlns:a14="http://schemas.microsoft.com/office/drawing/2010/main"/>
               </a:ext>
             </a:extLst>
           </a:blip>
@@ -13908,14 +13957,14 @@
           </a:ln>
           <a:extLst>
             <a:ext uri="{909E8E84-426E-40DD-AFC4-6F175D3DCCD1}">
-              <a14:hiddenFill xmlns="" xmlns:a14="http://schemas.microsoft.com/office/drawing/2010/main">
+              <a14:hiddenFill xmlns:a14="http://schemas.microsoft.com/office/drawing/2010/main">
                 <a:solidFill>
                   <a:srgbClr val="FFFFFF"/>
                 </a:solidFill>
               </a14:hiddenFill>
             </a:ext>
             <a:ext uri="{91240B29-F687-4F45-9708-019B960494DF}">
-              <a14:hiddenLine xmlns="" xmlns:a14="http://schemas.microsoft.com/office/drawing/2010/main" w="9525">
+              <a14:hiddenLine xmlns:a14="http://schemas.microsoft.com/office/drawing/2010/main" w="9525">
                 <a:solidFill>
                   <a:srgbClr val="000000"/>
                 </a:solidFill>
@@ -13939,7 +13988,7 @@
           <a:blip r:embed="rId4" cstate="print">
             <a:extLst>
               <a:ext uri="{28A0092B-C50C-407E-A947-70E740481C1C}">
-                <a14:useLocalDpi xmlns="" xmlns:a14="http://schemas.microsoft.com/office/drawing/2010/main"/>
+                <a14:useLocalDpi xmlns:a14="http://schemas.microsoft.com/office/drawing/2010/main"/>
               </a:ext>
             </a:extLst>
           </a:blip>
@@ -13987,7 +14036,7 @@
           </a:lstStyle>
           <a:p>
             <a:r>
-              <a:rPr lang="en-US" smtClean="0"/>
+              <a:rPr lang="en-US"/>
               <a:t>Click to edit Master title style</a:t>
             </a:r>
             <a:endParaRPr lang="en-US" dirty="0"/>
@@ -14059,7 +14108,7 @@
           </a:lstStyle>
           <a:p>
             <a:r>
-              <a:rPr lang="en-US" smtClean="0"/>
+              <a:rPr lang="en-US"/>
               <a:t>Click to edit Master subtitle style</a:t>
             </a:r>
             <a:endParaRPr lang="en-US" dirty="0"/>
@@ -14116,7 +14165,7 @@
           <a:p>
             <a:pPr lvl="0"/>
             <a:r>
-              <a:rPr lang="en-US" smtClean="0"/>
+              <a:rPr lang="en-US"/>
               <a:t>Click to edit Master text styles</a:t>
             </a:r>
           </a:p>
@@ -14125,7 +14174,7 @@
     </p:spTree>
     <p:extLst>
       <p:ext uri="{BB962C8B-B14F-4D97-AF65-F5344CB8AC3E}">
-        <p14:creationId xmlns="" xmlns:p14="http://schemas.microsoft.com/office/powerpoint/2010/main" val="2150961694"/>
+        <p14:creationId xmlns:p14="http://schemas.microsoft.com/office/powerpoint/2010/main" val="2150961694"/>
       </p:ext>
     </p:extLst>
   </p:cSld>
@@ -14167,7 +14216,7 @@
           <a:blip r:embed="rId2" cstate="email">
             <a:extLst>
               <a:ext uri="{28A0092B-C50C-407E-A947-70E740481C1C}">
-                <a14:useLocalDpi xmlns="" xmlns:a14="http://schemas.microsoft.com/office/drawing/2010/main"/>
+                <a14:useLocalDpi xmlns:a14="http://schemas.microsoft.com/office/drawing/2010/main"/>
               </a:ext>
             </a:extLst>
           </a:blip>
@@ -14355,7 +14404,7 @@
           <a:blip r:embed="rId3" cstate="email">
             <a:extLst>
               <a:ext uri="{28A0092B-C50C-407E-A947-70E740481C1C}">
-                <a14:useLocalDpi xmlns="" xmlns:a14="http://schemas.microsoft.com/office/drawing/2010/main"/>
+                <a14:useLocalDpi xmlns:a14="http://schemas.microsoft.com/office/drawing/2010/main"/>
               </a:ext>
             </a:extLst>
           </a:blip>
@@ -14378,14 +14427,14 @@
           </a:ln>
           <a:extLst>
             <a:ext uri="{909E8E84-426E-40DD-AFC4-6F175D3DCCD1}">
-              <a14:hiddenFill xmlns="" xmlns:a14="http://schemas.microsoft.com/office/drawing/2010/main">
+              <a14:hiddenFill xmlns:a14="http://schemas.microsoft.com/office/drawing/2010/main">
                 <a:solidFill>
                   <a:srgbClr val="FFFFFF"/>
                 </a:solidFill>
               </a14:hiddenFill>
             </a:ext>
             <a:ext uri="{91240B29-F687-4F45-9708-019B960494DF}">
-              <a14:hiddenLine xmlns="" xmlns:a14="http://schemas.microsoft.com/office/drawing/2010/main" w="9525">
+              <a14:hiddenLine xmlns:a14="http://schemas.microsoft.com/office/drawing/2010/main" w="9525">
                 <a:solidFill>
                   <a:srgbClr val="000000"/>
                 </a:solidFill>
@@ -14409,7 +14458,7 @@
           <a:blip r:embed="rId4" cstate="print">
             <a:extLst>
               <a:ext uri="{28A0092B-C50C-407E-A947-70E740481C1C}">
-                <a14:useLocalDpi xmlns="" xmlns:a14="http://schemas.microsoft.com/office/drawing/2010/main"/>
+                <a14:useLocalDpi xmlns:a14="http://schemas.microsoft.com/office/drawing/2010/main"/>
               </a:ext>
             </a:extLst>
           </a:blip>
@@ -14457,7 +14506,7 @@
           </a:lstStyle>
           <a:p>
             <a:r>
-              <a:rPr lang="en-US" smtClean="0"/>
+              <a:rPr lang="en-US"/>
               <a:t>Click to edit Master title style</a:t>
             </a:r>
             <a:endParaRPr lang="en-US" dirty="0"/>
@@ -14529,7 +14578,7 @@
           </a:lstStyle>
           <a:p>
             <a:r>
-              <a:rPr lang="en-US" smtClean="0"/>
+              <a:rPr lang="en-US"/>
               <a:t>Click to edit Master subtitle style</a:t>
             </a:r>
             <a:endParaRPr lang="en-US" dirty="0"/>
@@ -14586,7 +14635,7 @@
           <a:p>
             <a:pPr lvl="0"/>
             <a:r>
-              <a:rPr lang="en-US" smtClean="0"/>
+              <a:rPr lang="en-US"/>
               <a:t>Click to edit Master text styles</a:t>
             </a:r>
           </a:p>
@@ -14595,7 +14644,7 @@
     </p:spTree>
     <p:extLst>
       <p:ext uri="{BB962C8B-B14F-4D97-AF65-F5344CB8AC3E}">
-        <p14:creationId xmlns="" xmlns:p14="http://schemas.microsoft.com/office/powerpoint/2010/main" val="3798886418"/>
+        <p14:creationId xmlns:p14="http://schemas.microsoft.com/office/powerpoint/2010/main" val="3798886418"/>
       </p:ext>
     </p:extLst>
   </p:cSld>
@@ -14605,13 +14654,6 @@
   <p:transition>
     <p:fade/>
   </p:transition>
-  <p:timing>
-    <p:tnLst>
-      <p:par>
-        <p:cTn id="1" dur="indefinite" restart="never" nodeType="tmRoot"/>
-      </p:par>
-    </p:tnLst>
-  </p:timing>
 </p:sldLayout>
 </file>
 
@@ -14644,7 +14686,7 @@
           <a:blip r:embed="rId2" cstate="email">
             <a:extLst>
               <a:ext uri="{28A0092B-C50C-407E-A947-70E740481C1C}">
-                <a14:useLocalDpi xmlns="" xmlns:a14="http://schemas.microsoft.com/office/drawing/2010/main"/>
+                <a14:useLocalDpi xmlns:a14="http://schemas.microsoft.com/office/drawing/2010/main"/>
               </a:ext>
             </a:extLst>
           </a:blip>
@@ -14832,7 +14874,7 @@
           <a:blip r:embed="rId3" cstate="email">
             <a:extLst>
               <a:ext uri="{28A0092B-C50C-407E-A947-70E740481C1C}">
-                <a14:useLocalDpi xmlns="" xmlns:a14="http://schemas.microsoft.com/office/drawing/2010/main"/>
+                <a14:useLocalDpi xmlns:a14="http://schemas.microsoft.com/office/drawing/2010/main"/>
               </a:ext>
             </a:extLst>
           </a:blip>
@@ -14855,14 +14897,14 @@
           </a:ln>
           <a:extLst>
             <a:ext uri="{909E8E84-426E-40DD-AFC4-6F175D3DCCD1}">
-              <a14:hiddenFill xmlns="" xmlns:a14="http://schemas.microsoft.com/office/drawing/2010/main">
+              <a14:hiddenFill xmlns:a14="http://schemas.microsoft.com/office/drawing/2010/main">
                 <a:solidFill>
                   <a:srgbClr val="FFFFFF"/>
                 </a:solidFill>
               </a14:hiddenFill>
             </a:ext>
             <a:ext uri="{91240B29-F687-4F45-9708-019B960494DF}">
-              <a14:hiddenLine xmlns="" xmlns:a14="http://schemas.microsoft.com/office/drawing/2010/main" w="9525">
+              <a14:hiddenLine xmlns:a14="http://schemas.microsoft.com/office/drawing/2010/main" w="9525">
                 <a:solidFill>
                   <a:srgbClr val="000000"/>
                 </a:solidFill>
@@ -14886,7 +14928,7 @@
           <a:blip r:embed="rId4" cstate="print">
             <a:extLst>
               <a:ext uri="{28A0092B-C50C-407E-A947-70E740481C1C}">
-                <a14:useLocalDpi xmlns="" xmlns:a14="http://schemas.microsoft.com/office/drawing/2010/main"/>
+                <a14:useLocalDpi xmlns:a14="http://schemas.microsoft.com/office/drawing/2010/main"/>
               </a:ext>
             </a:extLst>
           </a:blip>
@@ -14934,7 +14976,7 @@
           </a:lstStyle>
           <a:p>
             <a:r>
-              <a:rPr lang="en-US" smtClean="0"/>
+              <a:rPr lang="en-US"/>
               <a:t>Click to edit Master title style</a:t>
             </a:r>
             <a:endParaRPr lang="en-US" dirty="0"/>
@@ -15006,7 +15048,7 @@
           </a:lstStyle>
           <a:p>
             <a:r>
-              <a:rPr lang="en-US" smtClean="0"/>
+              <a:rPr lang="en-US"/>
               <a:t>Click to edit Master subtitle style</a:t>
             </a:r>
             <a:endParaRPr lang="en-US" dirty="0"/>
@@ -15063,7 +15105,7 @@
           <a:p>
             <a:pPr lvl="0"/>
             <a:r>
-              <a:rPr lang="en-US" smtClean="0"/>
+              <a:rPr lang="en-US"/>
               <a:t>Click to edit Master text styles</a:t>
             </a:r>
           </a:p>
@@ -15072,7 +15114,7 @@
     </p:spTree>
     <p:extLst>
       <p:ext uri="{BB962C8B-B14F-4D97-AF65-F5344CB8AC3E}">
-        <p14:creationId xmlns="" xmlns:p14="http://schemas.microsoft.com/office/powerpoint/2010/main" val="4083730464"/>
+        <p14:creationId xmlns:p14="http://schemas.microsoft.com/office/powerpoint/2010/main" val="4083730464"/>
       </p:ext>
     </p:extLst>
   </p:cSld>
@@ -15114,7 +15156,7 @@
           <a:blip r:embed="rId2" cstate="print">
             <a:extLst>
               <a:ext uri="{28A0092B-C50C-407E-A947-70E740481C1C}">
-                <a14:useLocalDpi xmlns="" xmlns:a14="http://schemas.microsoft.com/office/drawing/2010/main"/>
+                <a14:useLocalDpi xmlns:a14="http://schemas.microsoft.com/office/drawing/2010/main"/>
               </a:ext>
             </a:extLst>
           </a:blip>
@@ -15301,7 +15343,7 @@
           <a:blip r:embed="rId3" cstate="email">
             <a:extLst>
               <a:ext uri="{28A0092B-C50C-407E-A947-70E740481C1C}">
-                <a14:useLocalDpi xmlns="" xmlns:a14="http://schemas.microsoft.com/office/drawing/2010/main"/>
+                <a14:useLocalDpi xmlns:a14="http://schemas.microsoft.com/office/drawing/2010/main"/>
               </a:ext>
             </a:extLst>
           </a:blip>
@@ -15324,14 +15366,14 @@
           </a:ln>
           <a:extLst>
             <a:ext uri="{909E8E84-426E-40DD-AFC4-6F175D3DCCD1}">
-              <a14:hiddenFill xmlns="" xmlns:a14="http://schemas.microsoft.com/office/drawing/2010/main">
+              <a14:hiddenFill xmlns:a14="http://schemas.microsoft.com/office/drawing/2010/main">
                 <a:solidFill>
                   <a:srgbClr val="FFFFFF"/>
                 </a:solidFill>
               </a14:hiddenFill>
             </a:ext>
             <a:ext uri="{91240B29-F687-4F45-9708-019B960494DF}">
-              <a14:hiddenLine xmlns="" xmlns:a14="http://schemas.microsoft.com/office/drawing/2010/main" w="9525">
+              <a14:hiddenLine xmlns:a14="http://schemas.microsoft.com/office/drawing/2010/main" w="9525">
                 <a:solidFill>
                   <a:srgbClr val="000000"/>
                 </a:solidFill>
@@ -15355,7 +15397,7 @@
           <a:blip r:embed="rId4" cstate="print">
             <a:extLst>
               <a:ext uri="{28A0092B-C50C-407E-A947-70E740481C1C}">
-                <a14:useLocalDpi xmlns="" xmlns:a14="http://schemas.microsoft.com/office/drawing/2010/main"/>
+                <a14:useLocalDpi xmlns:a14="http://schemas.microsoft.com/office/drawing/2010/main"/>
               </a:ext>
             </a:extLst>
           </a:blip>
@@ -15403,7 +15445,7 @@
           </a:lstStyle>
           <a:p>
             <a:r>
-              <a:rPr lang="en-US" smtClean="0"/>
+              <a:rPr lang="en-US"/>
               <a:t>Click to edit Master title style</a:t>
             </a:r>
             <a:endParaRPr lang="en-US" dirty="0"/>
@@ -15475,7 +15517,7 @@
           </a:lstStyle>
           <a:p>
             <a:r>
-              <a:rPr lang="en-US" smtClean="0"/>
+              <a:rPr lang="en-US"/>
               <a:t>Click to edit Master subtitle style</a:t>
             </a:r>
             <a:endParaRPr lang="en-US" dirty="0"/>
@@ -15532,7 +15574,7 @@
           <a:p>
             <a:pPr lvl="0"/>
             <a:r>
-              <a:rPr lang="en-US" smtClean="0"/>
+              <a:rPr lang="en-US"/>
               <a:t>Click to edit Master text styles</a:t>
             </a:r>
           </a:p>
@@ -15541,7 +15583,7 @@
     </p:spTree>
     <p:extLst>
       <p:ext uri="{BB962C8B-B14F-4D97-AF65-F5344CB8AC3E}">
-        <p14:creationId xmlns="" xmlns:p14="http://schemas.microsoft.com/office/powerpoint/2010/main" val="1338203852"/>
+        <p14:creationId xmlns:p14="http://schemas.microsoft.com/office/powerpoint/2010/main" val="1338203852"/>
       </p:ext>
     </p:extLst>
   </p:cSld>
@@ -15551,13 +15593,6 @@
   <p:transition>
     <p:fade/>
   </p:transition>
-  <p:timing>
-    <p:tnLst>
-      <p:par>
-        <p:cTn id="1" dur="indefinite" restart="never" nodeType="tmRoot"/>
-      </p:par>
-    </p:tnLst>
-  </p:timing>
 </p:sldLayout>
 </file>
 
@@ -15590,7 +15625,7 @@
           <a:blip r:embed="rId2" cstate="email">
             <a:extLst>
               <a:ext uri="{28A0092B-C50C-407E-A947-70E740481C1C}">
-                <a14:useLocalDpi xmlns="" xmlns:a14="http://schemas.microsoft.com/office/drawing/2010/main"/>
+                <a14:useLocalDpi xmlns:a14="http://schemas.microsoft.com/office/drawing/2010/main"/>
               </a:ext>
             </a:extLst>
           </a:blip>
@@ -15613,14 +15648,14 @@
           </a:ln>
           <a:extLst>
             <a:ext uri="{909E8E84-426E-40DD-AFC4-6F175D3DCCD1}">
-              <a14:hiddenFill xmlns="" xmlns:a14="http://schemas.microsoft.com/office/drawing/2010/main">
+              <a14:hiddenFill xmlns:a14="http://schemas.microsoft.com/office/drawing/2010/main">
                 <a:solidFill>
                   <a:srgbClr val="FFFFFF"/>
                 </a:solidFill>
               </a14:hiddenFill>
             </a:ext>
             <a:ext uri="{91240B29-F687-4F45-9708-019B960494DF}">
-              <a14:hiddenLine xmlns="" xmlns:a14="http://schemas.microsoft.com/office/drawing/2010/main" w="9525">
+              <a14:hiddenLine xmlns:a14="http://schemas.microsoft.com/office/drawing/2010/main" w="9525">
                 <a:solidFill>
                   <a:srgbClr val="000000"/>
                 </a:solidFill>
@@ -15659,7 +15694,7 @@
           </a:lstStyle>
           <a:p>
             <a:r>
-              <a:rPr lang="en-US" smtClean="0"/>
+              <a:rPr lang="en-US"/>
               <a:t>Click to edit Master title style</a:t>
             </a:r>
             <a:endParaRPr lang="en-US" dirty="0"/>
@@ -15779,7 +15814,7 @@
           <a:p>
             <a:pPr lvl="0"/>
             <a:r>
-              <a:rPr lang="en-US" smtClean="0"/>
+              <a:rPr lang="en-US"/>
               <a:t>Click to edit Master text styles</a:t>
             </a:r>
           </a:p>
@@ -15797,7 +15832,7 @@
           <a:blip r:embed="rId3" cstate="print">
             <a:extLst>
               <a:ext uri="{28A0092B-C50C-407E-A947-70E740481C1C}">
-                <a14:useLocalDpi xmlns="" xmlns:a14="http://schemas.microsoft.com/office/drawing/2010/main"/>
+                <a14:useLocalDpi xmlns:a14="http://schemas.microsoft.com/office/drawing/2010/main"/>
               </a:ext>
             </a:extLst>
           </a:blip>
@@ -15817,7 +15852,7 @@
     </p:spTree>
     <p:extLst>
       <p:ext uri="{BB962C8B-B14F-4D97-AF65-F5344CB8AC3E}">
-        <p14:creationId xmlns="" xmlns:p14="http://schemas.microsoft.com/office/powerpoint/2010/main" val="3628354815"/>
+        <p14:creationId xmlns:p14="http://schemas.microsoft.com/office/powerpoint/2010/main" val="3628354815"/>
       </p:ext>
     </p:extLst>
   </p:cSld>
@@ -15889,14 +15924,14 @@
           </a:ln>
           <a:extLst>
             <a:ext uri="{909E8E84-426E-40DD-AFC4-6F175D3DCCD1}">
-              <a14:hiddenFill xmlns="" xmlns:a14="http://schemas.microsoft.com/office/drawing/2010/main">
+              <a14:hiddenFill xmlns:a14="http://schemas.microsoft.com/office/drawing/2010/main">
                 <a:solidFill>
                   <a:srgbClr val="FFFFFF"/>
                 </a:solidFill>
               </a14:hiddenFill>
             </a:ext>
             <a:ext uri="{91240B29-F687-4F45-9708-019B960494DF}">
-              <a14:hiddenLine xmlns="" xmlns:a14="http://schemas.microsoft.com/office/drawing/2010/main" w="9525">
+              <a14:hiddenLine xmlns:a14="http://schemas.microsoft.com/office/drawing/2010/main" w="9525">
                 <a:solidFill>
                   <a:srgbClr val="000000"/>
                 </a:solidFill>
@@ -15917,10 +15952,10 @@
           <a:p>
             <a:pPr lvl="0"/>
             <a:r>
-              <a:rPr lang="en-US" altLang="en-US" smtClean="0"/>
+              <a:rPr lang="en-US" altLang="en-US"/>
               <a:t>Click to edit Master title style</a:t>
             </a:r>
-            <a:endParaRPr lang="en-US" altLang="en-US" dirty="0" smtClean="0"/>
+            <a:endParaRPr lang="en-US" altLang="en-US" dirty="0"/>
           </a:p>
         </p:txBody>
       </p:sp>
@@ -15948,14 +15983,14 @@
           </a:ln>
           <a:extLst>
             <a:ext uri="{909E8E84-426E-40DD-AFC4-6F175D3DCCD1}">
-              <a14:hiddenFill xmlns="" xmlns:a14="http://schemas.microsoft.com/office/drawing/2010/main">
+              <a14:hiddenFill xmlns:a14="http://schemas.microsoft.com/office/drawing/2010/main">
                 <a:solidFill>
                   <a:srgbClr val="FFFFFF"/>
                 </a:solidFill>
               </a14:hiddenFill>
             </a:ext>
             <a:ext uri="{91240B29-F687-4F45-9708-019B960494DF}">
-              <a14:hiddenLine xmlns="" xmlns:a14="http://schemas.microsoft.com/office/drawing/2010/main" w="9525">
+              <a14:hiddenLine xmlns:a14="http://schemas.microsoft.com/office/drawing/2010/main" w="9525">
                 <a:solidFill>
                   <a:srgbClr val="000000"/>
                 </a:solidFill>
@@ -15976,38 +16011,38 @@
           <a:p>
             <a:pPr lvl="0"/>
             <a:r>
-              <a:rPr lang="en-US" altLang="en-US" smtClean="0"/>
+              <a:rPr lang="en-US" altLang="en-US"/>
               <a:t>Click to edit Master text styles</a:t>
             </a:r>
           </a:p>
           <a:p>
             <a:pPr lvl="1"/>
             <a:r>
-              <a:rPr lang="en-US" altLang="en-US" smtClean="0"/>
+              <a:rPr lang="en-US" altLang="en-US"/>
               <a:t>Second level</a:t>
             </a:r>
           </a:p>
           <a:p>
             <a:pPr lvl="2"/>
             <a:r>
-              <a:rPr lang="en-US" altLang="en-US" smtClean="0"/>
+              <a:rPr lang="en-US" altLang="en-US"/>
               <a:t>Third level</a:t>
             </a:r>
           </a:p>
           <a:p>
             <a:pPr lvl="3"/>
             <a:r>
-              <a:rPr lang="en-US" altLang="en-US" smtClean="0"/>
+              <a:rPr lang="en-US" altLang="en-US"/>
               <a:t>Fourth level</a:t>
             </a:r>
           </a:p>
           <a:p>
             <a:pPr lvl="4"/>
             <a:r>
-              <a:rPr lang="en-US" altLang="en-US" smtClean="0"/>
+              <a:rPr lang="en-US" altLang="en-US"/>
               <a:t>Fifth level</a:t>
             </a:r>
-            <a:endParaRPr lang="en-US" altLang="en-US" dirty="0" smtClean="0"/>
+            <a:endParaRPr lang="en-US" altLang="en-US" dirty="0"/>
           </a:p>
         </p:txBody>
       </p:sp>
@@ -16033,14 +16068,14 @@
           </a:ln>
           <a:extLst>
             <a:ext uri="{909E8E84-426E-40DD-AFC4-6F175D3DCCD1}">
-              <a14:hiddenFill xmlns="" xmlns:a14="http://schemas.microsoft.com/office/drawing/2010/main">
+              <a14:hiddenFill xmlns:a14="http://schemas.microsoft.com/office/drawing/2010/main">
                 <a:solidFill>
                   <a:srgbClr val="FFFFFF"/>
                 </a:solidFill>
               </a14:hiddenFill>
             </a:ext>
             <a:ext uri="{91240B29-F687-4F45-9708-019B960494DF}">
-              <a14:hiddenLine xmlns="" xmlns:a14="http://schemas.microsoft.com/office/drawing/2010/main" w="9525">
+              <a14:hiddenLine xmlns:a14="http://schemas.microsoft.com/office/drawing/2010/main" w="9525">
                 <a:solidFill>
                   <a:srgbClr val="000000"/>
                 </a:solidFill>
@@ -16084,7 +16119,7 @@
           <a:blip r:embed="rId24" cstate="print">
             <a:extLst>
               <a:ext uri="{28A0092B-C50C-407E-A947-70E740481C1C}">
-                <a14:useLocalDpi xmlns="" xmlns:a14="http://schemas.microsoft.com/office/drawing/2010/main"/>
+                <a14:useLocalDpi xmlns:a14="http://schemas.microsoft.com/office/drawing/2010/main"/>
               </a:ext>
             </a:extLst>
           </a:blip>
@@ -16104,7 +16139,7 @@
     </p:spTree>
     <p:extLst>
       <p:ext uri="{BB962C8B-B14F-4D97-AF65-F5344CB8AC3E}">
-        <p14:creationId xmlns="" xmlns:p14="http://schemas.microsoft.com/office/powerpoint/2010/main" val="1349225188"/>
+        <p14:creationId xmlns:p14="http://schemas.microsoft.com/office/powerpoint/2010/main" val="1349225188"/>
       </p:ext>
     </p:extLst>
   </p:cSld>
@@ -16133,25 +16168,18 @@
     <p:sldLayoutId id="2147483866" r:id="rId21"/>
     <p:sldLayoutId id="2147483890" r:id="rId22"/>
   </p:sldLayoutIdLst>
-  <mc:AlternateContent xmlns:mc="http://schemas.openxmlformats.org/markup-compatibility/2006">
-    <mc:Choice xmlns="" xmlns:p14="http://schemas.microsoft.com/office/powerpoint/2010/main" Requires="p14">
+  <mc:AlternateContent xmlns:mc="http://schemas.openxmlformats.org/markup-compatibility/2006" xmlns:p14="http://schemas.microsoft.com/office/powerpoint/2010/main">
+    <mc:Choice Requires="p14">
       <p:transition p14:dur="250">
         <p:fade/>
       </p:transition>
     </mc:Choice>
-    <mc:Fallback>
+    <mc:Fallback xmlns="">
       <p:transition>
         <p:fade/>
       </p:transition>
     </mc:Fallback>
   </mc:AlternateContent>
-  <p:timing>
-    <p:tnLst>
-      <p:par>
-        <p:cTn id="1" dur="indefinite" restart="never" nodeType="tmRoot"/>
-      </p:par>
-    </p:tnLst>
-  </p:timing>
   <p:txStyles>
     <p:titleStyle>
       <a:lvl1pPr algn="l" defTabSz="514337" rtl="0" eaLnBrk="1" fontAlgn="base" hangingPunct="1">
@@ -16662,14 +16690,14 @@
           </a:ln>
           <a:extLst>
             <a:ext uri="{909E8E84-426E-40DD-AFC4-6F175D3DCCD1}">
-              <a14:hiddenFill xmlns="" xmlns:a14="http://schemas.microsoft.com/office/drawing/2010/main">
+              <a14:hiddenFill xmlns:a14="http://schemas.microsoft.com/office/drawing/2010/main">
                 <a:solidFill>
                   <a:srgbClr val="FFFFFF"/>
                 </a:solidFill>
               </a14:hiddenFill>
             </a:ext>
             <a:ext uri="{91240B29-F687-4F45-9708-019B960494DF}">
-              <a14:hiddenLine xmlns="" xmlns:a14="http://schemas.microsoft.com/office/drawing/2010/main" w="9525">
+              <a14:hiddenLine xmlns:a14="http://schemas.microsoft.com/office/drawing/2010/main" w="9525">
                 <a:solidFill>
                   <a:srgbClr val="000000"/>
                 </a:solidFill>
@@ -16690,10 +16718,10 @@
           <a:p>
             <a:pPr lvl="0"/>
             <a:r>
-              <a:rPr lang="en-US" altLang="en-US" smtClean="0"/>
+              <a:rPr lang="en-US" altLang="en-US"/>
               <a:t>Click to edit Master title style</a:t>
             </a:r>
-            <a:endParaRPr lang="en-US" altLang="en-US" dirty="0" smtClean="0"/>
+            <a:endParaRPr lang="en-US" altLang="en-US" dirty="0"/>
           </a:p>
         </p:txBody>
       </p:sp>
@@ -16721,14 +16749,14 @@
           </a:ln>
           <a:extLst>
             <a:ext uri="{909E8E84-426E-40DD-AFC4-6F175D3DCCD1}">
-              <a14:hiddenFill xmlns="" xmlns:a14="http://schemas.microsoft.com/office/drawing/2010/main">
+              <a14:hiddenFill xmlns:a14="http://schemas.microsoft.com/office/drawing/2010/main">
                 <a:solidFill>
                   <a:srgbClr val="FFFFFF"/>
                 </a:solidFill>
               </a14:hiddenFill>
             </a:ext>
             <a:ext uri="{91240B29-F687-4F45-9708-019B960494DF}">
-              <a14:hiddenLine xmlns="" xmlns:a14="http://schemas.microsoft.com/office/drawing/2010/main" w="9525">
+              <a14:hiddenLine xmlns:a14="http://schemas.microsoft.com/office/drawing/2010/main" w="9525">
                 <a:solidFill>
                   <a:srgbClr val="000000"/>
                 </a:solidFill>
@@ -16749,38 +16777,38 @@
           <a:p>
             <a:pPr lvl="0"/>
             <a:r>
-              <a:rPr lang="en-US" altLang="en-US" smtClean="0"/>
+              <a:rPr lang="en-US" altLang="en-US"/>
               <a:t>Edit Master text styles</a:t>
             </a:r>
           </a:p>
           <a:p>
             <a:pPr lvl="1"/>
             <a:r>
-              <a:rPr lang="en-US" altLang="en-US" smtClean="0"/>
+              <a:rPr lang="en-US" altLang="en-US"/>
               <a:t>Second level</a:t>
             </a:r>
           </a:p>
           <a:p>
             <a:pPr lvl="2"/>
             <a:r>
-              <a:rPr lang="en-US" altLang="en-US" smtClean="0"/>
+              <a:rPr lang="en-US" altLang="en-US"/>
               <a:t>Third level</a:t>
             </a:r>
           </a:p>
           <a:p>
             <a:pPr lvl="3"/>
             <a:r>
-              <a:rPr lang="en-US" altLang="en-US" smtClean="0"/>
+              <a:rPr lang="en-US" altLang="en-US"/>
               <a:t>Fourth level</a:t>
             </a:r>
           </a:p>
           <a:p>
             <a:pPr lvl="4"/>
             <a:r>
-              <a:rPr lang="en-US" altLang="en-US" smtClean="0"/>
+              <a:rPr lang="en-US" altLang="en-US"/>
               <a:t>Fifth level</a:t>
             </a:r>
-            <a:endParaRPr lang="en-US" altLang="en-US" dirty="0" smtClean="0"/>
+            <a:endParaRPr lang="en-US" altLang="en-US" dirty="0"/>
           </a:p>
         </p:txBody>
       </p:sp>
@@ -16806,14 +16834,14 @@
           </a:ln>
           <a:extLst>
             <a:ext uri="{909E8E84-426E-40DD-AFC4-6F175D3DCCD1}">
-              <a14:hiddenFill xmlns="" xmlns:a14="http://schemas.microsoft.com/office/drawing/2010/main">
+              <a14:hiddenFill xmlns:a14="http://schemas.microsoft.com/office/drawing/2010/main">
                 <a:solidFill>
                   <a:srgbClr val="FFFFFF"/>
                 </a:solidFill>
               </a14:hiddenFill>
             </a:ext>
             <a:ext uri="{91240B29-F687-4F45-9708-019B960494DF}">
-              <a14:hiddenLine xmlns="" xmlns:a14="http://schemas.microsoft.com/office/drawing/2010/main" w="9525">
+              <a14:hiddenLine xmlns:a14="http://schemas.microsoft.com/office/drawing/2010/main" w="9525">
                 <a:solidFill>
                   <a:srgbClr val="000000"/>
                 </a:solidFill>
@@ -16857,7 +16885,7 @@
           <a:blip r:embed="rId23" cstate="print">
             <a:extLst>
               <a:ext uri="{28A0092B-C50C-407E-A947-70E740481C1C}">
-                <a14:useLocalDpi xmlns="" xmlns:a14="http://schemas.microsoft.com/office/drawing/2010/main"/>
+                <a14:useLocalDpi xmlns:a14="http://schemas.microsoft.com/office/drawing/2010/main"/>
               </a:ext>
             </a:extLst>
           </a:blip>
@@ -16896,14 +16924,14 @@
           </a:ln>
           <a:extLst>
             <a:ext uri="{909E8E84-426E-40DD-AFC4-6F175D3DCCD1}">
-              <a14:hiddenFill xmlns="" xmlns:a14="http://schemas.microsoft.com/office/drawing/2010/main">
+              <a14:hiddenFill xmlns:a14="http://schemas.microsoft.com/office/drawing/2010/main">
                 <a:solidFill>
                   <a:srgbClr val="FFFFFF"/>
                 </a:solidFill>
               </a14:hiddenFill>
             </a:ext>
             <a:ext uri="{91240B29-F687-4F45-9708-019B960494DF}">
-              <a14:hiddenLine xmlns="" xmlns:a14="http://schemas.microsoft.com/office/drawing/2010/main" w="9525">
+              <a14:hiddenLine xmlns:a14="http://schemas.microsoft.com/office/drawing/2010/main" w="9525">
                 <a:solidFill>
                   <a:srgbClr val="000000"/>
                 </a:solidFill>
@@ -16947,7 +16975,7 @@
           <a:blip r:embed="rId23" cstate="print">
             <a:extLst>
               <a:ext uri="{28A0092B-C50C-407E-A947-70E740481C1C}">
-                <a14:useLocalDpi xmlns="" xmlns:a14="http://schemas.microsoft.com/office/drawing/2010/main"/>
+                <a14:useLocalDpi xmlns:a14="http://schemas.microsoft.com/office/drawing/2010/main"/>
               </a:ext>
             </a:extLst>
           </a:blip>
@@ -16967,7 +16995,7 @@
     </p:spTree>
     <p:extLst>
       <p:ext uri="{BB962C8B-B14F-4D97-AF65-F5344CB8AC3E}">
-        <p14:creationId xmlns="" xmlns:p14="http://schemas.microsoft.com/office/powerpoint/2010/main" val="3144878555"/>
+        <p14:creationId xmlns:p14="http://schemas.microsoft.com/office/powerpoint/2010/main" val="3144878555"/>
       </p:ext>
     </p:extLst>
   </p:cSld>
@@ -16995,25 +17023,18 @@
     <p:sldLayoutId id="2147483911" r:id="rId20"/>
     <p:sldLayoutId id="2147483912" r:id="rId21"/>
   </p:sldLayoutIdLst>
-  <mc:AlternateContent xmlns:mc="http://schemas.openxmlformats.org/markup-compatibility/2006">
-    <mc:Choice xmlns="" xmlns:p14="http://schemas.microsoft.com/office/powerpoint/2010/main" Requires="p14">
+  <mc:AlternateContent xmlns:mc="http://schemas.openxmlformats.org/markup-compatibility/2006" xmlns:p14="http://schemas.microsoft.com/office/powerpoint/2010/main">
+    <mc:Choice Requires="p14">
       <p:transition p14:dur="250">
         <p:fade/>
       </p:transition>
     </mc:Choice>
-    <mc:Fallback>
+    <mc:Fallback xmlns="">
       <p:transition>
         <p:fade/>
       </p:transition>
     </mc:Fallback>
   </mc:AlternateContent>
-  <p:timing>
-    <p:tnLst>
-      <p:par>
-        <p:cTn id="1" dur="indefinite" restart="never" nodeType="tmRoot"/>
-      </p:par>
-    </p:tnLst>
-  </p:timing>
   <p:txStyles>
     <p:titleStyle>
       <a:lvl1pPr algn="l" defTabSz="514337" rtl="0" eaLnBrk="1" fontAlgn="base" hangingPunct="1">
@@ -17498,10 +17519,9 @@
           <a:lstStyle/>
           <a:p>
             <a:r>
-              <a:rPr lang="en-US" dirty="0" smtClean="0"/>
+              <a:rPr lang="en-US" dirty="0"/>
               <a:t>Time Series with ARIMAS</a:t>
             </a:r>
-            <a:endParaRPr lang="en-US" dirty="0"/>
           </a:p>
         </p:txBody>
       </p:sp>
@@ -17521,10 +17541,9 @@
           <a:lstStyle/>
           <a:p>
             <a:r>
-              <a:rPr lang="en-US" dirty="0" smtClean="0"/>
+              <a:rPr lang="en-US" dirty="0"/>
               <a:t>MSDS 7333</a:t>
             </a:r>
-            <a:endParaRPr lang="en-US" dirty="0"/>
           </a:p>
         </p:txBody>
       </p:sp>
@@ -17544,14 +17563,14 @@
           <a:lstStyle/>
           <a:p>
             <a:r>
-              <a:rPr lang="en-US" dirty="0" smtClean="0"/>
-              <a:t>Dr. Robert Slater </a:t>
-            </a:r>
-          </a:p>
-          <a:p>
-            <a:r>
-              <a:rPr lang="en-US" dirty="0" smtClean="0"/>
-              <a:t>rslater@smu.edu</a:t>
+              <a:rPr lang="en-US" dirty="0"/>
+              <a:t>Brad Blanchard</a:t>
+            </a:r>
+          </a:p>
+          <a:p>
+            <a:r>
+              <a:rPr lang="en-US" dirty="0" err="1"/>
+              <a:t>bblanchard@smu.edu</a:t>
             </a:r>
             <a:endParaRPr lang="en-US" dirty="0"/>
           </a:p>
@@ -17565,13 +17584,6 @@
   <p:transition>
     <p:fade/>
   </p:transition>
-  <p:timing>
-    <p:tnLst>
-      <p:par>
-        <p:cTn id="1" dur="indefinite" restart="never" nodeType="tmRoot"/>
-      </p:par>
-    </p:tnLst>
-  </p:timing>
 </p:sld>
 </file>
 
@@ -17608,10 +17620,9 @@
           <a:lstStyle/>
           <a:p>
             <a:r>
-              <a:rPr lang="en-US" dirty="0" smtClean="0"/>
+              <a:rPr lang="en-US" dirty="0"/>
               <a:t>Much better after log transform</a:t>
             </a:r>
-            <a:endParaRPr lang="en-US" dirty="0"/>
           </a:p>
         </p:txBody>
       </p:sp>
@@ -17670,7 +17681,7 @@
           <a:lstStyle/>
           <a:p>
             <a:r>
-              <a:rPr lang="en-US" dirty="0" smtClean="0">
+              <a:rPr lang="en-US" dirty="0">
                 <a:solidFill>
                   <a:schemeClr val="bg1"/>
                 </a:solidFill>
@@ -17679,7 +17690,7 @@
             </a:r>
           </a:p>
           <a:p>
-            <a:endParaRPr lang="en-US" dirty="0" smtClean="0">
+            <a:endParaRPr lang="en-US" dirty="0">
               <a:solidFill>
                 <a:schemeClr val="bg1"/>
               </a:solidFill>
@@ -17687,18 +17698,13 @@
           </a:p>
           <a:p>
             <a:r>
-              <a:rPr lang="en-US" dirty="0" smtClean="0">
+              <a:rPr lang="en-US" dirty="0">
                 <a:solidFill>
                   <a:schemeClr val="bg1"/>
                 </a:solidFill>
               </a:rPr>
               <a:t>Notice the stats didn’t actually change!</a:t>
             </a:r>
-            <a:endParaRPr lang="en-US" dirty="0">
-              <a:solidFill>
-                <a:schemeClr val="bg1"/>
-              </a:solidFill>
-            </a:endParaRPr>
           </a:p>
         </p:txBody>
       </p:sp>
@@ -17746,10 +17752,9 @@
           <a:lstStyle/>
           <a:p>
             <a:r>
-              <a:rPr lang="en-US" dirty="0" smtClean="0"/>
+              <a:rPr lang="en-US" dirty="0"/>
               <a:t>But why 12 for moving average?</a:t>
             </a:r>
-            <a:endParaRPr lang="en-US" dirty="0"/>
           </a:p>
         </p:txBody>
       </p:sp>
@@ -17769,22 +17774,21 @@
           <a:lstStyle/>
           <a:p>
             <a:r>
-              <a:rPr lang="en-US" dirty="0" smtClean="0"/>
+              <a:rPr lang="en-US" dirty="0"/>
               <a:t>Seasonality to Data</a:t>
             </a:r>
           </a:p>
           <a:p>
             <a:r>
-              <a:rPr lang="en-US" dirty="0" smtClean="0"/>
+              <a:rPr lang="en-US" dirty="0"/>
               <a:t>Using 5 doesn’t work as well…</a:t>
             </a:r>
           </a:p>
           <a:p>
             <a:r>
-              <a:rPr lang="en-US" dirty="0" smtClean="0"/>
+              <a:rPr lang="en-US" dirty="0"/>
               <a:t>Using the rolling average is important</a:t>
             </a:r>
-            <a:endParaRPr lang="en-US" dirty="0"/>
           </a:p>
         </p:txBody>
       </p:sp>
@@ -17832,10 +17836,9 @@
           <a:lstStyle/>
           <a:p>
             <a:r>
-              <a:rPr lang="en-US" dirty="0" smtClean="0"/>
+              <a:rPr lang="en-US" dirty="0"/>
               <a:t>So we got the series stationary now what!</a:t>
             </a:r>
-            <a:endParaRPr lang="en-US" dirty="0"/>
           </a:p>
         </p:txBody>
       </p:sp>
@@ -17855,37 +17858,31 @@
           <a:lstStyle/>
           <a:p>
             <a:r>
-              <a:rPr lang="en-US" dirty="0" smtClean="0"/>
+              <a:rPr lang="en-US" dirty="0"/>
               <a:t>Time to find p, d, q</a:t>
             </a:r>
           </a:p>
           <a:p>
             <a:pPr lvl="1"/>
             <a:r>
-              <a:rPr lang="en-US" dirty="0" smtClean="0"/>
+              <a:rPr lang="en-US" dirty="0"/>
+              <a:t>Use intuition</a:t>
+            </a:r>
+          </a:p>
+          <a:p>
+            <a:pPr lvl="1"/>
+            <a:r>
+              <a:rPr lang="en-US" dirty="0"/>
               <a:t>Use </a:t>
             </a:r>
             <a:r>
-              <a:rPr lang="en-US" dirty="0" err="1" smtClean="0"/>
-              <a:t>intution</a:t>
-            </a:r>
-            <a:endParaRPr lang="en-US" dirty="0" smtClean="0"/>
-          </a:p>
-          <a:p>
-            <a:pPr lvl="1"/>
-            <a:r>
-              <a:rPr lang="en-US" dirty="0" smtClean="0"/>
-              <a:t>Use </a:t>
-            </a:r>
-            <a:r>
-              <a:rPr lang="en-US" strike="sngStrike" dirty="0" smtClean="0"/>
+              <a:rPr lang="en-US" strike="sngStrike" dirty="0"/>
               <a:t>high explosive</a:t>
             </a:r>
             <a:r>
-              <a:rPr lang="en-US" dirty="0" smtClean="0"/>
+              <a:rPr lang="en-US" dirty="0"/>
               <a:t> brute force</a:t>
             </a:r>
-            <a:endParaRPr lang="en-US" dirty="0"/>
           </a:p>
         </p:txBody>
       </p:sp>
@@ -17933,10 +17930,9 @@
           <a:lstStyle/>
           <a:p>
             <a:r>
-              <a:rPr lang="en-US" dirty="0" smtClean="0"/>
+              <a:rPr lang="en-US" dirty="0"/>
               <a:t>Intuition Method</a:t>
             </a:r>
-            <a:endParaRPr lang="en-US" dirty="0"/>
           </a:p>
         </p:txBody>
       </p:sp>
@@ -17956,10 +17952,9 @@
           <a:lstStyle/>
           <a:p>
             <a:r>
-              <a:rPr lang="en-US" dirty="0" smtClean="0"/>
+              <a:rPr lang="en-US" dirty="0"/>
               <a:t>Use Autocorrelation, Partial Autocorrelation</a:t>
             </a:r>
-            <a:endParaRPr lang="en-US" dirty="0"/>
           </a:p>
         </p:txBody>
       </p:sp>
@@ -18007,10 +18002,9 @@
           <a:lstStyle/>
           <a:p>
             <a:r>
-              <a:rPr lang="en-US" dirty="0" smtClean="0"/>
+              <a:rPr lang="en-US" dirty="0"/>
               <a:t>Rules for ‘d’</a:t>
             </a:r>
-            <a:endParaRPr lang="en-US" dirty="0"/>
           </a:p>
         </p:txBody>
       </p:sp>
@@ -18035,123 +18029,123 @@
           <a:lstStyle/>
           <a:p>
             <a:r>
-              <a:rPr lang="en-US" sz="1400" b="1" dirty="0" smtClean="0"/>
+              <a:rPr lang="en-US" sz="1400" b="1" dirty="0"/>
               <a:t>Identifying the order of differencing and the constant:</a:t>
             </a:r>
-            <a:endParaRPr lang="en-US" sz="1400" dirty="0" smtClean="0"/>
-          </a:p>
-          <a:p>
-            <a:r>
-              <a:rPr lang="en-US" sz="1400" dirty="0" smtClean="0"/>
+            <a:endParaRPr lang="en-US" sz="1400" dirty="0"/>
+          </a:p>
+          <a:p>
+            <a:r>
+              <a:rPr lang="en-US" sz="1400" dirty="0"/>
               <a:t>Rule 1: If the series has positive autocorrelations out to a high number of lags (say, 10 or more), then it probably needs a higher order of differencing.</a:t>
             </a:r>
           </a:p>
           <a:p>
             <a:r>
-              <a:rPr lang="en-US" sz="1400" dirty="0" smtClean="0"/>
+              <a:rPr lang="en-US" sz="1400" dirty="0"/>
               <a:t>Rule 2: If the lag-1 autocorrelation is zero or negative, or the autocorrelations are all small and </a:t>
             </a:r>
             <a:r>
-              <a:rPr lang="en-US" sz="1400" dirty="0" err="1" smtClean="0"/>
+              <a:rPr lang="en-US" sz="1400" dirty="0" err="1"/>
               <a:t>patternless</a:t>
             </a:r>
             <a:r>
-              <a:rPr lang="en-US" sz="1400" dirty="0" smtClean="0"/>
+              <a:rPr lang="en-US" sz="1400" dirty="0"/>
               <a:t>, then the series does </a:t>
             </a:r>
             <a:r>
-              <a:rPr lang="en-US" sz="1400" i="1" dirty="0" smtClean="0"/>
+              <a:rPr lang="en-US" sz="1400" i="1" dirty="0"/>
               <a:t>not</a:t>
             </a:r>
             <a:r>
-              <a:rPr lang="en-US" sz="1400" dirty="0" smtClean="0"/>
+              <a:rPr lang="en-US" sz="1400" dirty="0"/>
               <a:t> need a higher order of differencing. If the lag-1 autocorrelation is -0.5 or more negative, the series may be </a:t>
             </a:r>
             <a:r>
-              <a:rPr lang="en-US" sz="1400" dirty="0" err="1" smtClean="0"/>
+              <a:rPr lang="en-US" sz="1400" dirty="0" err="1"/>
               <a:t>overdifferenced</a:t>
             </a:r>
             <a:r>
-              <a:rPr lang="en-US" sz="1400" dirty="0" smtClean="0"/>
+              <a:rPr lang="en-US" sz="1400" dirty="0"/>
               <a:t>. </a:t>
             </a:r>
             <a:r>
-              <a:rPr lang="en-US" sz="1400" b="1" dirty="0" smtClean="0"/>
+              <a:rPr lang="en-US" sz="1400" b="1" dirty="0"/>
               <a:t> BEWARE OF OVERDIFFERENCING.</a:t>
             </a:r>
-            <a:endParaRPr lang="en-US" sz="1400" dirty="0" smtClean="0"/>
-          </a:p>
-          <a:p>
-            <a:r>
-              <a:rPr lang="en-US" sz="1400" dirty="0" smtClean="0"/>
+            <a:endParaRPr lang="en-US" sz="1400" dirty="0"/>
+          </a:p>
+          <a:p>
+            <a:r>
+              <a:rPr lang="en-US" sz="1400" dirty="0"/>
               <a:t>Rule 3: The optimal order of differencing is often the order of differencing at which the standard deviation is lowest. (Not always, though. Slightly too much or slightly too little differencing can also be corrected with AR or MA terms. See rules 6 and 7.)</a:t>
             </a:r>
           </a:p>
           <a:p>
             <a:r>
-              <a:rPr lang="en-US" sz="1400" dirty="0" smtClean="0"/>
+              <a:rPr lang="en-US" sz="1400" dirty="0"/>
               <a:t>Rule 4: A model with </a:t>
             </a:r>
             <a:r>
-              <a:rPr lang="en-US" sz="1400" u="sng" dirty="0" smtClean="0"/>
+              <a:rPr lang="en-US" sz="1400" u="sng" dirty="0"/>
               <a:t>no</a:t>
             </a:r>
             <a:r>
-              <a:rPr lang="en-US" sz="1400" dirty="0" smtClean="0"/>
+              <a:rPr lang="en-US" sz="1400" dirty="0"/>
               <a:t> orders of differencing assumes that the original series is stationary (among other things, mean-reverting). A model with </a:t>
             </a:r>
             <a:r>
-              <a:rPr lang="en-US" sz="1400" u="sng" dirty="0" smtClean="0"/>
+              <a:rPr lang="en-US" sz="1400" u="sng" dirty="0"/>
               <a:t>one</a:t>
             </a:r>
             <a:r>
-              <a:rPr lang="en-US" sz="1400" dirty="0" smtClean="0"/>
+              <a:rPr lang="en-US" sz="1400" dirty="0"/>
               <a:t> order of differencing assumes that the original series has a constant average trend (e.g. a random walk or SES-type model, with or without growth). A model with </a:t>
             </a:r>
             <a:r>
-              <a:rPr lang="en-US" sz="1400" u="sng" dirty="0" smtClean="0"/>
+              <a:rPr lang="en-US" sz="1400" u="sng" dirty="0"/>
               <a:t>two</a:t>
             </a:r>
             <a:r>
-              <a:rPr lang="en-US" sz="1400" dirty="0" smtClean="0"/>
+              <a:rPr lang="en-US" sz="1400" dirty="0"/>
               <a:t> orders of total differencing assumes that the original series has a time-varying trend (e.g. a random trend or LES-type model).</a:t>
             </a:r>
           </a:p>
           <a:p>
             <a:r>
-              <a:rPr lang="en-US" sz="1400" dirty="0" smtClean="0"/>
+              <a:rPr lang="en-US" sz="1400" dirty="0"/>
               <a:t>Rule 5: A model with </a:t>
             </a:r>
             <a:r>
-              <a:rPr lang="en-US" sz="1400" u="sng" dirty="0" smtClean="0"/>
+              <a:rPr lang="en-US" sz="1400" u="sng" dirty="0"/>
               <a:t>no</a:t>
             </a:r>
             <a:r>
-              <a:rPr lang="en-US" sz="1400" dirty="0" smtClean="0"/>
+              <a:rPr lang="en-US" sz="1400" dirty="0"/>
               <a:t> orders of differencing normally includes a constant term (which allows for a non-zero mean value). A model with </a:t>
             </a:r>
             <a:r>
-              <a:rPr lang="en-US" sz="1400" u="sng" dirty="0" smtClean="0"/>
+              <a:rPr lang="en-US" sz="1400" u="sng" dirty="0"/>
               <a:t>two</a:t>
             </a:r>
             <a:r>
-              <a:rPr lang="en-US" sz="1400" dirty="0" smtClean="0"/>
+              <a:rPr lang="en-US" sz="1400" dirty="0"/>
               <a:t> orders of total differencing normally does </a:t>
             </a:r>
             <a:r>
-              <a:rPr lang="en-US" sz="1400" u="sng" dirty="0" smtClean="0"/>
+              <a:rPr lang="en-US" sz="1400" u="sng" dirty="0"/>
               <a:t>not</a:t>
             </a:r>
             <a:r>
-              <a:rPr lang="en-US" sz="1400" dirty="0" smtClean="0"/>
+              <a:rPr lang="en-US" sz="1400" dirty="0"/>
               <a:t> include a constant term. In a model with </a:t>
             </a:r>
             <a:r>
-              <a:rPr lang="en-US" sz="1400" u="sng" dirty="0" smtClean="0"/>
+              <a:rPr lang="en-US" sz="1400" u="sng" dirty="0"/>
               <a:t>one</a:t>
             </a:r>
             <a:r>
-              <a:rPr lang="en-US" sz="1400" dirty="0" smtClean="0"/>
+              <a:rPr lang="en-US" sz="1400" dirty="0"/>
               <a:t> order of total differencing, a constant term should be included if the series has a non-zero average trend.</a:t>
             </a:r>
           </a:p>
@@ -18204,10 +18198,9 @@
           <a:lstStyle/>
           <a:p>
             <a:r>
-              <a:rPr lang="en-US" dirty="0" smtClean="0"/>
+              <a:rPr lang="en-US" dirty="0"/>
               <a:t>‘d’ examples (our differenced/stationary plot)</a:t>
             </a:r>
-            <a:endParaRPr lang="en-US" dirty="0"/>
           </a:p>
         </p:txBody>
       </p:sp>
@@ -18228,7 +18221,7 @@
         </p:blipFill>
         <p:spPr bwMode="auto">
           <a:xfrm>
-            <a:off x="341993" y="961572"/>
+            <a:off x="317899" y="1181100"/>
             <a:ext cx="5905500" cy="2857500"/>
           </a:xfrm>
           <a:prstGeom prst="rect">
@@ -18266,7 +18259,7 @@
           <a:lstStyle/>
           <a:p>
             <a:r>
-              <a:rPr lang="en-US" dirty="0" smtClean="0">
+              <a:rPr lang="en-US" dirty="0">
                 <a:solidFill>
                   <a:schemeClr val="bg1"/>
                 </a:solidFill>
@@ -18276,18 +18269,13 @@
           </a:p>
           <a:p>
             <a:r>
-              <a:rPr lang="en-US" dirty="0" smtClean="0">
+              <a:rPr lang="en-US" dirty="0">
                 <a:solidFill>
                   <a:schemeClr val="bg1"/>
                 </a:solidFill>
               </a:rPr>
               <a:t>Rule 2: Yes.  At label 1 the value is ~ 0</a:t>
             </a:r>
-            <a:endParaRPr lang="en-US" dirty="0">
-              <a:solidFill>
-                <a:schemeClr val="bg1"/>
-              </a:solidFill>
-            </a:endParaRPr>
           </a:p>
         </p:txBody>
       </p:sp>
@@ -18335,10 +18323,9 @@
           <a:lstStyle/>
           <a:p>
             <a:r>
-              <a:rPr lang="en-US" dirty="0" smtClean="0"/>
+              <a:rPr lang="en-US" dirty="0"/>
               <a:t>‘d’ example (raw airline population)</a:t>
             </a:r>
-            <a:endParaRPr lang="en-US" dirty="0"/>
           </a:p>
         </p:txBody>
       </p:sp>
@@ -18359,7 +18346,7 @@
         </p:blipFill>
         <p:spPr bwMode="auto">
           <a:xfrm>
-            <a:off x="0" y="1409247"/>
+            <a:off x="317899" y="1181100"/>
             <a:ext cx="5991225" cy="2876550"/>
           </a:xfrm>
           <a:prstGeom prst="rect">
@@ -18397,7 +18384,7 @@
           <a:lstStyle/>
           <a:p>
             <a:r>
-              <a:rPr lang="en-US" dirty="0" smtClean="0">
+              <a:rPr lang="en-US" dirty="0">
                 <a:solidFill>
                   <a:schemeClr val="bg1"/>
                 </a:solidFill>
@@ -18407,18 +18394,13 @@
           </a:p>
           <a:p>
             <a:r>
-              <a:rPr lang="en-US" dirty="0" smtClean="0">
+              <a:rPr lang="en-US" dirty="0">
                 <a:solidFill>
                   <a:schemeClr val="bg1"/>
                 </a:solidFill>
               </a:rPr>
               <a:t>Rule 2: No.  At label 1 the value is ~ 2X UCL</a:t>
             </a:r>
-            <a:endParaRPr lang="en-US" dirty="0">
-              <a:solidFill>
-                <a:schemeClr val="bg1"/>
-              </a:solidFill>
-            </a:endParaRPr>
           </a:p>
         </p:txBody>
       </p:sp>
@@ -18466,10 +18448,9 @@
           <a:lstStyle/>
           <a:p>
             <a:r>
-              <a:rPr lang="en-US" dirty="0" smtClean="0"/>
+              <a:rPr lang="en-US" dirty="0"/>
               <a:t>Rules for ‘p’, ‘q’</a:t>
             </a:r>
-            <a:endParaRPr lang="en-US" dirty="0"/>
           </a:p>
         </p:txBody>
       </p:sp>
@@ -18494,145 +18475,145 @@
           <a:lstStyle/>
           <a:p>
             <a:r>
-              <a:rPr lang="en-US" sz="1400" b="1" dirty="0" smtClean="0"/>
+              <a:rPr lang="en-US" sz="1400" b="1" dirty="0"/>
               <a:t>Identifying the numbers of AR and MA terms:</a:t>
             </a:r>
-            <a:endParaRPr lang="en-US" sz="1400" dirty="0" smtClean="0"/>
-          </a:p>
-          <a:p>
-            <a:r>
-              <a:rPr lang="en-US" sz="1400" dirty="0" smtClean="0"/>
+            <a:endParaRPr lang="en-US" sz="1400" dirty="0"/>
+          </a:p>
+          <a:p>
+            <a:r>
+              <a:rPr lang="en-US" sz="1400" dirty="0"/>
               <a:t>Rule 6: If the </a:t>
             </a:r>
             <a:r>
-              <a:rPr lang="en-US" sz="1400" u="sng" dirty="0" smtClean="0"/>
+              <a:rPr lang="en-US" sz="1400" u="sng" dirty="0"/>
               <a:t>partial autocorrelation function</a:t>
             </a:r>
             <a:r>
-              <a:rPr lang="en-US" sz="1400" dirty="0" smtClean="0"/>
+              <a:rPr lang="en-US" sz="1400" dirty="0"/>
               <a:t> (PACF) of the differenced series displays a sharp cutoff and/or the lag-1 autocorrelation is </a:t>
             </a:r>
             <a:r>
-              <a:rPr lang="en-US" sz="1400" u="sng" dirty="0" smtClean="0"/>
+              <a:rPr lang="en-US" sz="1400" u="sng" dirty="0"/>
               <a:t>positive</a:t>
             </a:r>
             <a:r>
-              <a:rPr lang="en-US" sz="1400" dirty="0" smtClean="0"/>
+              <a:rPr lang="en-US" sz="1400" dirty="0"/>
               <a:t>--i.e., if the series appears slightly "</a:t>
             </a:r>
             <a:r>
-              <a:rPr lang="en-US" sz="1400" dirty="0" err="1" smtClean="0"/>
+              <a:rPr lang="en-US" sz="1400" dirty="0" err="1"/>
               <a:t>underdifferenced</a:t>
             </a:r>
             <a:r>
-              <a:rPr lang="en-US" sz="1400" dirty="0" smtClean="0"/>
+              <a:rPr lang="en-US" sz="1400" dirty="0"/>
               <a:t>"--then consider adding one or more </a:t>
             </a:r>
             <a:r>
-              <a:rPr lang="en-US" sz="1400" u="sng" dirty="0" smtClean="0"/>
+              <a:rPr lang="en-US" sz="1400" u="sng" dirty="0"/>
               <a:t>AR</a:t>
             </a:r>
             <a:r>
-              <a:rPr lang="en-US" sz="1400" dirty="0" smtClean="0"/>
+              <a:rPr lang="en-US" sz="1400" dirty="0"/>
               <a:t> terms to the model. The lag beyond which the PACF cuts off is the indicated number of AR terms.</a:t>
             </a:r>
           </a:p>
           <a:p>
             <a:r>
-              <a:rPr lang="en-US" sz="1400" dirty="0" smtClean="0"/>
+              <a:rPr lang="en-US" sz="1400" dirty="0"/>
               <a:t>Rule 7: If the </a:t>
             </a:r>
             <a:r>
-              <a:rPr lang="en-US" sz="1400" u="sng" dirty="0" smtClean="0"/>
+              <a:rPr lang="en-US" sz="1400" u="sng" dirty="0"/>
               <a:t>autocorrelation function</a:t>
             </a:r>
             <a:r>
-              <a:rPr lang="en-US" sz="1400" dirty="0" smtClean="0"/>
+              <a:rPr lang="en-US" sz="1400" dirty="0"/>
               <a:t> (ACF) of the differenced series displays a sharp cutoff and/or the lag-1 autocorrelation is </a:t>
             </a:r>
             <a:r>
-              <a:rPr lang="en-US" sz="1400" u="sng" dirty="0" smtClean="0"/>
+              <a:rPr lang="en-US" sz="1400" u="sng" dirty="0"/>
               <a:t>negative</a:t>
             </a:r>
             <a:r>
-              <a:rPr lang="en-US" sz="1400" dirty="0" smtClean="0"/>
+              <a:rPr lang="en-US" sz="1400" dirty="0"/>
               <a:t>--i.e., if the series appears slightly "</a:t>
             </a:r>
             <a:r>
-              <a:rPr lang="en-US" sz="1400" dirty="0" err="1" smtClean="0"/>
+              <a:rPr lang="en-US" sz="1400" dirty="0" err="1"/>
               <a:t>overdifferenced</a:t>
             </a:r>
             <a:r>
-              <a:rPr lang="en-US" sz="1400" dirty="0" smtClean="0"/>
+              <a:rPr lang="en-US" sz="1400" dirty="0"/>
               <a:t>"--then consider adding an </a:t>
             </a:r>
             <a:r>
-              <a:rPr lang="en-US" sz="1400" u="sng" dirty="0" smtClean="0"/>
+              <a:rPr lang="en-US" sz="1400" u="sng" dirty="0"/>
               <a:t>MA</a:t>
             </a:r>
             <a:r>
-              <a:rPr lang="en-US" sz="1400" dirty="0" smtClean="0"/>
+              <a:rPr lang="en-US" sz="1400" dirty="0"/>
               <a:t> term to the model. The lag beyond which the ACF cuts off is the indicated number of MA terms.</a:t>
             </a:r>
           </a:p>
           <a:p>
             <a:r>
-              <a:rPr lang="en-US" sz="1400" dirty="0" smtClean="0"/>
+              <a:rPr lang="en-US" sz="1400" dirty="0"/>
               <a:t>Rule 8: It is possible for an AR term and an MA term to cancel each other's effects, so if a mixed AR-MA model seems to fit the data, also try a model with one fewer AR term and one fewer MA term--particularly if the parameter estimates in the original model require more than 10 iterations to converge. </a:t>
             </a:r>
             <a:r>
-              <a:rPr lang="en-US" sz="1400" b="1" dirty="0" smtClean="0"/>
+              <a:rPr lang="en-US" sz="1400" b="1" dirty="0"/>
               <a:t>BEWARE OF USING MULTIPLE AR TERMS </a:t>
             </a:r>
             <a:r>
-              <a:rPr lang="en-US" sz="1400" b="1" u="sng" dirty="0" smtClean="0"/>
+              <a:rPr lang="en-US" sz="1400" b="1" u="sng" dirty="0"/>
               <a:t>AND</a:t>
             </a:r>
             <a:r>
-              <a:rPr lang="en-US" sz="1400" b="1" dirty="0" smtClean="0"/>
+              <a:rPr lang="en-US" sz="1400" b="1" dirty="0"/>
               <a:t> MULTIPLE MA TERMS IN THE SAME MODEL.</a:t>
             </a:r>
-            <a:endParaRPr lang="en-US" sz="1400" dirty="0" smtClean="0"/>
-          </a:p>
-          <a:p>
-            <a:r>
-              <a:rPr lang="en-US" sz="1400" dirty="0" smtClean="0"/>
+            <a:endParaRPr lang="en-US" sz="1400" dirty="0"/>
+          </a:p>
+          <a:p>
+            <a:r>
+              <a:rPr lang="en-US" sz="1400" dirty="0"/>
               <a:t>Rule 9: If there is a unit root in the AR part of the model--i.e., if the sum of the AR coefficients is almost exactly 1--you should reduce the number of AR terms by one and </a:t>
             </a:r>
             <a:r>
-              <a:rPr lang="en-US" sz="1400" u="sng" dirty="0" smtClean="0"/>
+              <a:rPr lang="en-US" sz="1400" u="sng" dirty="0"/>
               <a:t>increase</a:t>
             </a:r>
             <a:r>
-              <a:rPr lang="en-US" sz="1400" dirty="0" smtClean="0"/>
+              <a:rPr lang="en-US" sz="1400" dirty="0"/>
               <a:t> the order of differencing by one.</a:t>
             </a:r>
           </a:p>
           <a:p>
             <a:r>
-              <a:rPr lang="en-US" sz="1400" dirty="0" smtClean="0"/>
+              <a:rPr lang="en-US" sz="1400" dirty="0"/>
               <a:t>Rule 10: If there is a unit root in the MA part of the model--i.e., if the sum of the MA coefficients is almost exactly 1--you should reduce the number of MA terms by one and </a:t>
             </a:r>
             <a:r>
-              <a:rPr lang="en-US" sz="1400" u="sng" dirty="0" smtClean="0"/>
+              <a:rPr lang="en-US" sz="1400" u="sng" dirty="0"/>
               <a:t>reduce</a:t>
             </a:r>
             <a:r>
-              <a:rPr lang="en-US" sz="1400" dirty="0" smtClean="0"/>
+              <a:rPr lang="en-US" sz="1400" dirty="0"/>
               <a:t> the order of differencing by one.</a:t>
             </a:r>
           </a:p>
           <a:p>
             <a:r>
-              <a:rPr lang="en-US" sz="1400" dirty="0" smtClean="0"/>
+              <a:rPr lang="en-US" sz="1400" dirty="0"/>
               <a:t>Rule 11: If the </a:t>
             </a:r>
             <a:r>
-              <a:rPr lang="en-US" sz="1400" u="sng" dirty="0" smtClean="0"/>
+              <a:rPr lang="en-US" sz="1400" u="sng" dirty="0"/>
               <a:t>long-term forecasts</a:t>
             </a:r>
             <a:r>
-              <a:rPr lang="en-US" sz="1400" dirty="0" smtClean="0"/>
+              <a:rPr lang="en-US" sz="1400" dirty="0"/>
               <a:t>* appear erratic or unstable, there may be a unit root in the AR or MA coefficients.</a:t>
             </a:r>
           </a:p>
@@ -18688,10 +18669,9 @@
           <a:lstStyle/>
           <a:p>
             <a:r>
-              <a:rPr lang="en-US" dirty="0" smtClean="0"/>
+              <a:rPr lang="en-US" dirty="0"/>
               <a:t>Example</a:t>
             </a:r>
-            <a:endParaRPr lang="en-US" dirty="0"/>
           </a:p>
         </p:txBody>
       </p:sp>
@@ -18712,7 +18692,7 @@
         </p:blipFill>
         <p:spPr bwMode="auto">
           <a:xfrm>
-            <a:off x="188006" y="1434193"/>
+            <a:off x="317899" y="1181100"/>
             <a:ext cx="6010275" cy="2971800"/>
           </a:xfrm>
           <a:prstGeom prst="rect">
@@ -18735,7 +18715,7 @@
         </p:nvSpPr>
         <p:spPr>
           <a:xfrm>
-            <a:off x="6495143" y="1741714"/>
+            <a:off x="6486434" y="1181100"/>
             <a:ext cx="1428596" cy="369332"/>
           </a:xfrm>
           <a:prstGeom prst="rect">
@@ -18750,18 +18730,13 @@
           <a:lstStyle/>
           <a:p>
             <a:r>
-              <a:rPr lang="en-US" dirty="0" smtClean="0">
+              <a:rPr lang="en-US" dirty="0">
                 <a:solidFill>
                   <a:schemeClr val="bg1"/>
                 </a:solidFill>
               </a:rPr>
               <a:t>All rules: No</a:t>
             </a:r>
-            <a:endParaRPr lang="en-US" dirty="0">
-              <a:solidFill>
-                <a:schemeClr val="bg1"/>
-              </a:solidFill>
-            </a:endParaRPr>
           </a:p>
         </p:txBody>
       </p:sp>
@@ -18809,10 +18784,9 @@
           <a:lstStyle/>
           <a:p>
             <a:r>
-              <a:rPr lang="en-US" dirty="0" smtClean="0"/>
+              <a:rPr lang="en-US" dirty="0"/>
               <a:t>Example</a:t>
             </a:r>
-            <a:endParaRPr lang="en-US" dirty="0"/>
           </a:p>
         </p:txBody>
       </p:sp>
@@ -18833,7 +18807,7 @@
         </p:blipFill>
         <p:spPr bwMode="auto">
           <a:xfrm>
-            <a:off x="253320" y="1296081"/>
+            <a:off x="317899" y="1181100"/>
             <a:ext cx="6010275" cy="2943225"/>
           </a:xfrm>
           <a:prstGeom prst="rect">
@@ -18856,7 +18830,7 @@
         </p:nvSpPr>
         <p:spPr>
           <a:xfrm>
-            <a:off x="6720114" y="1625600"/>
+            <a:off x="6441326" y="1181100"/>
             <a:ext cx="2005742" cy="369332"/>
           </a:xfrm>
           <a:prstGeom prst="rect">
@@ -18871,18 +18845,115 @@
           <a:lstStyle/>
           <a:p>
             <a:r>
-              <a:rPr lang="en-US" dirty="0" smtClean="0">
+              <a:rPr lang="en-US" dirty="0">
                 <a:solidFill>
                   <a:schemeClr val="bg1"/>
                 </a:solidFill>
               </a:rPr>
               <a:t>1 AR term (rule 6)</a:t>
             </a:r>
-            <a:endParaRPr lang="en-US" dirty="0">
-              <a:solidFill>
-                <a:schemeClr val="bg1"/>
-              </a:solidFill>
-            </a:endParaRPr>
+          </a:p>
+        </p:txBody>
+      </p:sp>
+      <p:sp>
+        <p:nvSpPr>
+          <p:cNvPr id="3" name="Rectangle 2">
+            <a:extLst>
+              <a:ext uri="{FF2B5EF4-FFF2-40B4-BE49-F238E27FC236}">
+                <a16:creationId xmlns:a16="http://schemas.microsoft.com/office/drawing/2014/main" id="{1CA73A4E-6E68-5A46-8E75-C348A9F33663}"/>
+              </a:ext>
+            </a:extLst>
+          </p:cNvPr>
+          <p:cNvSpPr/>
+          <p:nvPr/>
+        </p:nvSpPr>
+        <p:spPr>
+          <a:xfrm>
+            <a:off x="317899" y="4246245"/>
+            <a:ext cx="8242321" cy="646331"/>
+          </a:xfrm>
+          <a:prstGeom prst="rect">
+            <a:avLst/>
+          </a:prstGeom>
+        </p:spPr>
+        <p:txBody>
+          <a:bodyPr wrap="square">
+            <a:spAutoFit/>
+          </a:bodyPr>
+          <a:lstStyle/>
+          <a:p>
+            <a:r>
+              <a:rPr lang="en-US" sz="1200" dirty="0">
+                <a:solidFill>
+                  <a:schemeClr val="bg1"/>
+                </a:solidFill>
+              </a:rPr>
+              <a:t>Rule 6: If the </a:t>
+            </a:r>
+            <a:r>
+              <a:rPr lang="en-US" sz="1200" u="sng" dirty="0">
+                <a:solidFill>
+                  <a:schemeClr val="bg1"/>
+                </a:solidFill>
+              </a:rPr>
+              <a:t>partial autocorrelation function</a:t>
+            </a:r>
+            <a:r>
+              <a:rPr lang="en-US" sz="1200" dirty="0">
+                <a:solidFill>
+                  <a:schemeClr val="bg1"/>
+                </a:solidFill>
+              </a:rPr>
+              <a:t> (PACF) of the differenced series displays a sharp cutoff and/or the lag-1 autocorrelation is </a:t>
+            </a:r>
+            <a:r>
+              <a:rPr lang="en-US" sz="1200" u="sng" dirty="0">
+                <a:solidFill>
+                  <a:schemeClr val="bg1"/>
+                </a:solidFill>
+              </a:rPr>
+              <a:t>positive</a:t>
+            </a:r>
+            <a:r>
+              <a:rPr lang="en-US" sz="1200" dirty="0">
+                <a:solidFill>
+                  <a:schemeClr val="bg1"/>
+                </a:solidFill>
+              </a:rPr>
+              <a:t>--i.e., if the series appears slightly "</a:t>
+            </a:r>
+            <a:r>
+              <a:rPr lang="en-US" sz="1200" dirty="0" err="1">
+                <a:solidFill>
+                  <a:schemeClr val="bg1"/>
+                </a:solidFill>
+              </a:rPr>
+              <a:t>underdifferenced</a:t>
+            </a:r>
+            <a:r>
+              <a:rPr lang="en-US" sz="1200" dirty="0">
+                <a:solidFill>
+                  <a:schemeClr val="bg1"/>
+                </a:solidFill>
+              </a:rPr>
+              <a:t>"--then consider adding one or more </a:t>
+            </a:r>
+            <a:r>
+              <a:rPr lang="en-US" sz="1200" u="sng" dirty="0">
+                <a:solidFill>
+                  <a:schemeClr val="bg1"/>
+                </a:solidFill>
+              </a:rPr>
+              <a:t>AR</a:t>
+            </a:r>
+            <a:r>
+              <a:rPr lang="en-US" sz="1200" dirty="0">
+                <a:solidFill>
+                  <a:schemeClr val="bg1"/>
+                </a:solidFill>
+              </a:rPr>
+              <a:t> terms to the model. The lag beyond which the PACF cuts off is the indicated number of AR terms.</a:t>
+            </a:r>
           </a:p>
         </p:txBody>
       </p:sp>
@@ -18930,10 +19001,9 @@
           <a:lstStyle/>
           <a:p>
             <a:r>
-              <a:rPr lang="en-US" dirty="0" smtClean="0"/>
+              <a:rPr lang="en-US" dirty="0"/>
               <a:t>ARIMAS</a:t>
             </a:r>
-            <a:endParaRPr lang="en-US" dirty="0"/>
           </a:p>
         </p:txBody>
       </p:sp>
@@ -18953,23 +19023,25 @@
           <a:lstStyle/>
           <a:p>
             <a:r>
-              <a:rPr lang="en-US" dirty="0" err="1" smtClean="0"/>
+              <a:rPr lang="en-US" dirty="0" err="1"/>
               <a:t>AutoRegressive</a:t>
             </a:r>
-            <a:endParaRPr lang="en-US" dirty="0" smtClean="0"/>
-          </a:p>
-          <a:p>
-            <a:r>
-              <a:rPr lang="en-US" dirty="0" smtClean="0"/>
-              <a:t>Integrated</a:t>
-            </a:r>
-          </a:p>
-          <a:p>
-            <a:r>
-              <a:rPr lang="en-US" dirty="0" smtClean="0"/>
-              <a:t>Moving Average</a:t>
-            </a:r>
-            <a:endParaRPr lang="en-US" dirty="0"/>
+            <a:r>
+              <a:rPr lang="en-US" dirty="0"/>
+              <a:t> (p)</a:t>
+            </a:r>
+          </a:p>
+          <a:p>
+            <a:r>
+              <a:rPr lang="en-US" dirty="0"/>
+              <a:t>Integrated (d)</a:t>
+            </a:r>
+          </a:p>
+          <a:p>
+            <a:r>
+              <a:rPr lang="en-US" dirty="0"/>
+              <a:t>Moving Average (q)</a:t>
+            </a:r>
           </a:p>
         </p:txBody>
       </p:sp>
@@ -19017,10 +19089,9 @@
           <a:lstStyle/>
           <a:p>
             <a:r>
-              <a:rPr lang="en-US" dirty="0" smtClean="0"/>
+              <a:rPr lang="en-US" dirty="0"/>
               <a:t>Brute Force (Grid Search)</a:t>
             </a:r>
-            <a:endParaRPr lang="en-US" dirty="0"/>
           </a:p>
         </p:txBody>
       </p:sp>
@@ -19040,34 +19111,29 @@
           <a:lstStyle/>
           <a:p>
             <a:r>
-              <a:rPr lang="en-US" dirty="0" smtClean="0"/>
+              <a:rPr lang="en-US" dirty="0"/>
               <a:t>Generally the parameters </a:t>
             </a:r>
             <a:r>
-              <a:rPr lang="en-US" dirty="0" err="1" smtClean="0"/>
+              <a:rPr lang="en-US" dirty="0" err="1"/>
               <a:t>p,d,q</a:t>
             </a:r>
             <a:r>
-              <a:rPr lang="en-US" dirty="0" smtClean="0"/>
-              <a:t> </a:t>
-            </a:r>
-            <a:r>
-              <a:rPr lang="en-US" dirty="0" smtClean="0"/>
-              <a:t>are between 0 and 3</a:t>
-            </a:r>
-          </a:p>
-          <a:p>
-            <a:r>
-              <a:rPr lang="en-US" dirty="0" smtClean="0"/>
+              <a:rPr lang="en-US" dirty="0"/>
+              <a:t> are between 0 and 3</a:t>
+            </a:r>
+          </a:p>
+          <a:p>
+            <a:r>
+              <a:rPr lang="en-US" dirty="0"/>
               <a:t>So we only need 27 runs to get the best fit</a:t>
             </a:r>
           </a:p>
           <a:p>
             <a:r>
-              <a:rPr lang="en-US" dirty="0" smtClean="0"/>
+              <a:rPr lang="en-US" dirty="0"/>
               <a:t>Use them all in a for loop.</a:t>
             </a:r>
-            <a:endParaRPr lang="en-US" dirty="0"/>
           </a:p>
         </p:txBody>
       </p:sp>
@@ -19115,10 +19181,9 @@
           <a:lstStyle/>
           <a:p>
             <a:r>
-              <a:rPr lang="en-US" dirty="0" smtClean="0"/>
+              <a:rPr lang="en-US" dirty="0"/>
               <a:t>But wait	</a:t>
             </a:r>
-            <a:endParaRPr lang="en-US" dirty="0"/>
           </a:p>
         </p:txBody>
       </p:sp>
@@ -19138,74 +19203,65 @@
           <a:lstStyle/>
           <a:p>
             <a:r>
-              <a:rPr lang="en-US" dirty="0" smtClean="0"/>
+              <a:rPr lang="en-US" dirty="0"/>
               <a:t>ARIMAS is nice as there are only 3 parameters that take on discrete values</a:t>
             </a:r>
           </a:p>
           <a:p>
             <a:r>
-              <a:rPr lang="en-US" dirty="0" smtClean="0"/>
+              <a:rPr lang="en-US" dirty="0"/>
               <a:t>Linear regression has 2 parameters we can vary over a huge range (continuous)</a:t>
             </a:r>
           </a:p>
           <a:p>
             <a:pPr lvl="1"/>
             <a:r>
-              <a:rPr lang="en-US" dirty="0" smtClean="0"/>
-              <a:t>N * M values (N, M are the </a:t>
-            </a:r>
-            <a:r>
-              <a:rPr lang="en-US" dirty="0" err="1" smtClean="0"/>
-              <a:t>paranters</a:t>
-            </a:r>
-            <a:r>
-              <a:rPr lang="en-US" dirty="0" smtClean="0"/>
-              <a:t>)</a:t>
+              <a:rPr lang="en-US" dirty="0"/>
+              <a:t>N * M values (N, M are the parameters)</a:t>
             </a:r>
           </a:p>
           <a:p>
             <a:pPr lvl="1"/>
             <a:r>
-              <a:rPr lang="en-US" dirty="0" smtClean="0"/>
+              <a:rPr lang="en-US" dirty="0"/>
               <a:t>~ n</a:t>
             </a:r>
             <a:r>
-              <a:rPr lang="en-US" baseline="30000" dirty="0" smtClean="0"/>
+              <a:rPr lang="en-US" baseline="30000" dirty="0"/>
               <a:t>2  </a:t>
             </a:r>
             <a:r>
-              <a:rPr lang="en-US" dirty="0" smtClean="0"/>
+              <a:rPr lang="en-US" dirty="0"/>
               <a:t>pick 5 each, 25 runs</a:t>
             </a:r>
-            <a:endParaRPr lang="en-US" baseline="30000" dirty="0" smtClean="0"/>
-          </a:p>
-          <a:p>
-            <a:r>
-              <a:rPr lang="en-US" dirty="0" smtClean="0"/>
+            <a:endParaRPr lang="en-US" baseline="30000" dirty="0"/>
+          </a:p>
+          <a:p>
+            <a:r>
+              <a:rPr lang="en-US" dirty="0"/>
               <a:t>XGBOOST has 5-6 tuning parameters</a:t>
             </a:r>
           </a:p>
           <a:p>
             <a:pPr lvl="1"/>
             <a:r>
-              <a:rPr lang="en-US" dirty="0" smtClean="0"/>
+              <a:rPr lang="en-US" dirty="0"/>
               <a:t>N</a:t>
             </a:r>
             <a:r>
-              <a:rPr lang="en-US" baseline="30000" dirty="0" smtClean="0"/>
+              <a:rPr lang="en-US" baseline="30000" dirty="0"/>
               <a:t>5 </a:t>
             </a:r>
             <a:r>
-              <a:rPr lang="en-US" dirty="0" smtClean="0"/>
+              <a:rPr lang="en-US" dirty="0"/>
               <a:t>pick 5 each 3125 runs….</a:t>
             </a:r>
           </a:p>
           <a:p>
             <a:r>
-              <a:rPr lang="en-US" dirty="0" smtClean="0"/>
+              <a:rPr lang="en-US" dirty="0"/>
               <a:t>It pays to know what your parameters do!!!!</a:t>
             </a:r>
-            <a:endParaRPr lang="en-US" dirty="0"/>
           </a:p>
         </p:txBody>
       </p:sp>
@@ -19253,10 +19309,9 @@
           <a:lstStyle/>
           <a:p>
             <a:r>
-              <a:rPr lang="en-US" dirty="0" smtClean="0"/>
+              <a:rPr lang="en-US" dirty="0"/>
               <a:t>We didn’t talk about prediction!!!</a:t>
             </a:r>
-            <a:endParaRPr lang="en-US" dirty="0"/>
           </a:p>
         </p:txBody>
       </p:sp>
@@ -19294,7 +19349,7 @@
         </p:nvSpPr>
         <p:spPr>
           <a:xfrm>
-            <a:off x="5880410" y="1434791"/>
+            <a:off x="5880410" y="1273161"/>
             <a:ext cx="3095719" cy="646331"/>
           </a:xfrm>
           <a:prstGeom prst="rect">
@@ -19309,7 +19364,7 @@
           <a:lstStyle/>
           <a:p>
             <a:r>
-              <a:rPr lang="en-US" dirty="0" smtClean="0">
+              <a:rPr lang="en-US" dirty="0">
                 <a:solidFill>
                   <a:schemeClr val="bg1"/>
                 </a:solidFill>
@@ -19319,18 +19374,13 @@
           </a:p>
           <a:p>
             <a:r>
-              <a:rPr lang="en-US" dirty="0" smtClean="0">
+              <a:rPr lang="en-US" dirty="0">
                 <a:solidFill>
                   <a:schemeClr val="bg1"/>
                 </a:solidFill>
               </a:rPr>
               <a:t>Horrible confidence intervals</a:t>
             </a:r>
-            <a:endParaRPr lang="en-US" dirty="0">
-              <a:solidFill>
-                <a:schemeClr val="bg1"/>
-              </a:solidFill>
-            </a:endParaRPr>
           </a:p>
         </p:txBody>
       </p:sp>
@@ -19378,10 +19428,9 @@
           <a:lstStyle/>
           <a:p>
             <a:r>
-              <a:rPr lang="en-US" dirty="0" smtClean="0"/>
+              <a:rPr lang="en-US" dirty="0"/>
               <a:t>References</a:t>
             </a:r>
-            <a:endParaRPr lang="en-US" dirty="0"/>
           </a:p>
         </p:txBody>
       </p:sp>
@@ -19401,37 +19450,25 @@
           <a:lstStyle/>
           <a:p>
             <a:r>
-              <a:rPr lang="en-US" dirty="0" smtClean="0">
+              <a:rPr lang="en-US" dirty="0">
                 <a:hlinkClick r:id="rId2"/>
               </a:rPr>
-              <a:t>https://www.analyticsvidhya.com/blog/2016/02/time-series-forecasting-codes-python</a:t>
-            </a:r>
-            <a:r>
-              <a:rPr lang="en-US" dirty="0" smtClean="0">
-                <a:hlinkClick r:id="rId2"/>
-              </a:rPr>
-              <a:t>/</a:t>
-            </a:r>
-            <a:endParaRPr lang="en-US" dirty="0" smtClean="0"/>
-          </a:p>
-          <a:p>
-            <a:r>
-              <a:rPr lang="en-US" dirty="0" smtClean="0">
+              <a:t>https://www.analyticsvidhya.com/blog/2016/02/time-series-forecasting-codes-python/</a:t>
+            </a:r>
+            <a:endParaRPr lang="en-US" dirty="0"/>
+          </a:p>
+          <a:p>
+            <a:r>
+              <a:rPr lang="en-US" dirty="0">
                 <a:hlinkClick r:id="rId3"/>
               </a:rPr>
-              <a:t>https://people.duke.edu/~</a:t>
-            </a:r>
-            <a:r>
-              <a:rPr lang="en-US" dirty="0" smtClean="0">
-                <a:hlinkClick r:id="rId3"/>
-              </a:rPr>
-              <a:t>rnau/411arim.htm</a:t>
-            </a:r>
-            <a:endParaRPr lang="en-US" dirty="0" smtClean="0"/>
-          </a:p>
-          <a:p>
-            <a:r>
-              <a:rPr lang="en-US" smtClean="0"/>
+              <a:t>https://people.duke.edu/~rnau/411arim.htm</a:t>
+            </a:r>
+            <a:endParaRPr lang="en-US" dirty="0"/>
+          </a:p>
+          <a:p>
+            <a:r>
+              <a:rPr lang="en-US"/>
               <a:t>https://machinelearningmastery.com/arima-for-time-series-forecasting-with-python/</a:t>
             </a:r>
             <a:endParaRPr lang="en-US" dirty="0"/>
@@ -19482,10 +19519,9 @@
           <a:lstStyle/>
           <a:p>
             <a:r>
-              <a:rPr lang="en-US" dirty="0" smtClean="0"/>
+              <a:rPr lang="en-US" dirty="0"/>
               <a:t>Assignment	</a:t>
             </a:r>
-            <a:endParaRPr lang="en-US" dirty="0"/>
           </a:p>
         </p:txBody>
       </p:sp>
@@ -19505,41 +19541,40 @@
           <a:lstStyle/>
           <a:p>
             <a:r>
-              <a:rPr lang="en-US" dirty="0" smtClean="0"/>
+              <a:rPr lang="en-US" dirty="0"/>
               <a:t>Pick a stock</a:t>
             </a:r>
           </a:p>
           <a:p>
             <a:pPr lvl="1"/>
             <a:r>
-              <a:rPr lang="en-US" dirty="0" smtClean="0"/>
+              <a:rPr lang="en-US" dirty="0"/>
               <a:t>Any stock</a:t>
             </a:r>
           </a:p>
           <a:p>
             <a:r>
-              <a:rPr lang="en-US" dirty="0" smtClean="0"/>
+              <a:rPr lang="en-US" dirty="0"/>
               <a:t>Get 4 years worth of data</a:t>
             </a:r>
           </a:p>
           <a:p>
             <a:r>
-              <a:rPr lang="en-US" dirty="0" smtClean="0"/>
+              <a:rPr lang="en-US" dirty="0"/>
               <a:t>Try and estimate the parameters p, d, q using techniques discussed for the stock data</a:t>
             </a:r>
           </a:p>
           <a:p>
             <a:r>
-              <a:rPr lang="en-US" dirty="0" smtClean="0"/>
+              <a:rPr lang="en-US" dirty="0"/>
               <a:t>Do a grid search for parameters</a:t>
             </a:r>
           </a:p>
           <a:p>
             <a:r>
-              <a:rPr lang="en-US" dirty="0" smtClean="0"/>
+              <a:rPr lang="en-US" dirty="0"/>
               <a:t>What is your final decision on parameters and WHY.</a:t>
             </a:r>
-            <a:endParaRPr lang="en-US" dirty="0"/>
           </a:p>
         </p:txBody>
       </p:sp>
@@ -19587,26 +19622,25 @@
           <a:lstStyle/>
           <a:p>
             <a:r>
-              <a:rPr lang="en-US" dirty="0" smtClean="0"/>
+              <a:rPr lang="en-US" dirty="0"/>
               <a:t>My </a:t>
             </a:r>
             <a:r>
-              <a:rPr lang="en-US" dirty="0" err="1" smtClean="0"/>
+              <a:rPr lang="en-US" dirty="0" err="1"/>
               <a:t>my</a:t>
             </a:r>
             <a:r>
-              <a:rPr lang="en-US" dirty="0" smtClean="0"/>
+              <a:rPr lang="en-US" dirty="0"/>
               <a:t> </a:t>
             </a:r>
             <a:r>
-              <a:rPr lang="en-US" dirty="0" err="1" smtClean="0"/>
+              <a:rPr lang="en-US" dirty="0" err="1"/>
               <a:t>my</a:t>
             </a:r>
             <a:r>
-              <a:rPr lang="en-US" dirty="0" smtClean="0"/>
+              <a:rPr lang="en-US" dirty="0"/>
               <a:t>, that’s a lot of fancy words</a:t>
             </a:r>
-            <a:endParaRPr lang="en-US" dirty="0"/>
           </a:p>
         </p:txBody>
       </p:sp>
@@ -19626,56 +19660,55 @@
           <a:lstStyle/>
           <a:p>
             <a:r>
-              <a:rPr lang="en-US" dirty="0" smtClean="0"/>
+              <a:rPr lang="en-US" dirty="0"/>
               <a:t>Yes</a:t>
             </a:r>
           </a:p>
           <a:p>
             <a:r>
-              <a:rPr lang="en-US" dirty="0" smtClean="0"/>
+              <a:rPr lang="en-US" dirty="0"/>
               <a:t>Autoregressive</a:t>
             </a:r>
           </a:p>
           <a:p>
             <a:pPr lvl="1"/>
             <a:r>
-              <a:rPr lang="en-US" dirty="0" smtClean="0"/>
+              <a:rPr lang="en-US" dirty="0"/>
               <a:t>Current prediction depends on the past results</a:t>
             </a:r>
           </a:p>
           <a:p>
             <a:pPr lvl="1"/>
             <a:r>
-              <a:rPr lang="en-US" dirty="0" smtClean="0"/>
+              <a:rPr lang="en-US" dirty="0"/>
               <a:t>Similar to a Markov chain, but can be longer than 1 step</a:t>
             </a:r>
           </a:p>
           <a:p>
             <a:r>
-              <a:rPr lang="en-US" dirty="0" smtClean="0"/>
+              <a:rPr lang="en-US" dirty="0"/>
               <a:t>Integrated</a:t>
             </a:r>
           </a:p>
           <a:p>
             <a:pPr lvl="1"/>
             <a:r>
-              <a:rPr lang="en-US" dirty="0" smtClean="0"/>
+              <a:rPr lang="en-US" dirty="0"/>
               <a:t>Not only is the past result import, but the DIFFERENCES between the past results are important</a:t>
             </a:r>
           </a:p>
           <a:p>
             <a:r>
-              <a:rPr lang="en-US" dirty="0" smtClean="0"/>
+              <a:rPr lang="en-US" dirty="0"/>
               <a:t>Moving Average</a:t>
             </a:r>
           </a:p>
           <a:p>
             <a:pPr lvl="1"/>
             <a:r>
-              <a:rPr lang="en-US" dirty="0" smtClean="0"/>
+              <a:rPr lang="en-US" dirty="0"/>
               <a:t>The average of previous results is also important.</a:t>
             </a:r>
-            <a:endParaRPr lang="en-US" dirty="0"/>
           </a:p>
         </p:txBody>
       </p:sp>
@@ -19723,10 +19756,9 @@
           <a:lstStyle/>
           <a:p>
             <a:r>
-              <a:rPr lang="en-US" dirty="0" smtClean="0"/>
+              <a:rPr lang="en-US" dirty="0"/>
               <a:t>Where to start		</a:t>
             </a:r>
-            <a:endParaRPr lang="en-US" dirty="0"/>
           </a:p>
         </p:txBody>
       </p:sp>
@@ -19746,59 +19778,50 @@
           <a:lstStyle/>
           <a:p>
             <a:r>
-              <a:rPr lang="en-US" dirty="0" smtClean="0"/>
+              <a:rPr lang="en-US" dirty="0"/>
               <a:t>ARIMAS is really a group of models with three parameters:</a:t>
             </a:r>
           </a:p>
           <a:p>
             <a:r>
-              <a:rPr lang="en-US" dirty="0" smtClean="0"/>
+              <a:rPr lang="en-US" dirty="0"/>
               <a:t>p: autoregressive part</a:t>
             </a:r>
           </a:p>
           <a:p>
             <a:r>
-              <a:rPr lang="en-US" dirty="0" smtClean="0"/>
-              <a:t>d</a:t>
-            </a:r>
-            <a:r>
-              <a:rPr lang="en-US" dirty="0" smtClean="0"/>
-              <a:t>: Integrated part</a:t>
-            </a:r>
-          </a:p>
-          <a:p>
-            <a:r>
-              <a:rPr lang="en-US" dirty="0" smtClean="0"/>
-              <a:t>q</a:t>
-            </a:r>
-            <a:r>
-              <a:rPr lang="en-US" dirty="0" smtClean="0"/>
-              <a:t>: Moving average part</a:t>
-            </a:r>
-          </a:p>
-          <a:p>
-            <a:r>
-              <a:rPr lang="en-US" dirty="0" smtClean="0"/>
+              <a:rPr lang="en-US" dirty="0"/>
+              <a:t>d: Integrated part</a:t>
+            </a:r>
+          </a:p>
+          <a:p>
+            <a:r>
+              <a:rPr lang="en-US" dirty="0"/>
+              <a:t>q: Moving average part</a:t>
+            </a:r>
+          </a:p>
+          <a:p>
+            <a:r>
+              <a:rPr lang="en-US" dirty="0"/>
               <a:t>The trick is to find the right (</a:t>
             </a:r>
             <a:r>
-              <a:rPr lang="en-US" dirty="0" err="1" smtClean="0"/>
+              <a:rPr lang="en-US" dirty="0" err="1"/>
               <a:t>p,d,q</a:t>
             </a:r>
             <a:r>
-              <a:rPr lang="en-US" dirty="0" smtClean="0"/>
+              <a:rPr lang="en-US" dirty="0"/>
               <a:t>) combination to properly fit your model.</a:t>
             </a:r>
           </a:p>
           <a:p>
-            <a:endParaRPr lang="en-US" dirty="0" smtClean="0"/>
-          </a:p>
-          <a:p>
-            <a:r>
-              <a:rPr lang="en-US" dirty="0" smtClean="0"/>
+            <a:endParaRPr lang="en-US" dirty="0"/>
+          </a:p>
+          <a:p>
+            <a:r>
+              <a:rPr lang="en-US" dirty="0"/>
               <a:t>Thanks Capt. Obvious!</a:t>
             </a:r>
-            <a:endParaRPr lang="en-US" dirty="0"/>
           </a:p>
         </p:txBody>
       </p:sp>
@@ -19846,10 +19869,9 @@
           <a:lstStyle/>
           <a:p>
             <a:r>
-              <a:rPr lang="en-US" dirty="0" smtClean="0"/>
+              <a:rPr lang="en-US" dirty="0"/>
               <a:t>Requirements</a:t>
             </a:r>
-            <a:endParaRPr lang="en-US" dirty="0"/>
           </a:p>
         </p:txBody>
       </p:sp>
@@ -19869,58 +19891,57 @@
           <a:lstStyle/>
           <a:p>
             <a:r>
-              <a:rPr lang="en-US" dirty="0" smtClean="0"/>
+              <a:rPr lang="en-US" dirty="0"/>
               <a:t>Time Series</a:t>
             </a:r>
           </a:p>
           <a:p>
             <a:pPr lvl="1"/>
             <a:r>
-              <a:rPr lang="en-US" dirty="0" smtClean="0"/>
+              <a:rPr lang="en-US" dirty="0"/>
               <a:t>Linear time only (sorry Special Relativity)</a:t>
             </a:r>
           </a:p>
           <a:p>
             <a:r>
-              <a:rPr lang="en-US" dirty="0" smtClean="0"/>
+              <a:rPr lang="en-US" dirty="0"/>
               <a:t>The series must be stationary</a:t>
             </a:r>
           </a:p>
           <a:p>
             <a:pPr lvl="1"/>
             <a:r>
-              <a:rPr lang="en-US" dirty="0" smtClean="0"/>
+              <a:rPr lang="en-US" dirty="0"/>
               <a:t>No trends</a:t>
             </a:r>
           </a:p>
           <a:p>
             <a:pPr lvl="1"/>
             <a:r>
-              <a:rPr lang="en-US" dirty="0" smtClean="0"/>
+              <a:rPr lang="en-US" dirty="0"/>
               <a:t>No seasonal patterns</a:t>
             </a:r>
           </a:p>
           <a:p>
             <a:pPr lvl="2"/>
             <a:r>
-              <a:rPr lang="en-US" dirty="0" smtClean="0"/>
+              <a:rPr lang="en-US" dirty="0"/>
               <a:t>Really?  Yeah really</a:t>
             </a:r>
           </a:p>
           <a:p>
             <a:pPr lvl="1"/>
             <a:r>
-              <a:rPr lang="en-US" dirty="0" smtClean="0"/>
+              <a:rPr lang="en-US" dirty="0"/>
               <a:t>This seems like a very strict requirement</a:t>
             </a:r>
           </a:p>
           <a:p>
             <a:pPr lvl="2"/>
             <a:r>
-              <a:rPr lang="en-US" dirty="0" smtClean="0"/>
+              <a:rPr lang="en-US" dirty="0"/>
               <a:t>Yup</a:t>
             </a:r>
-            <a:endParaRPr lang="en-US" dirty="0"/>
           </a:p>
         </p:txBody>
       </p:sp>
@@ -19968,10 +19989,9 @@
           <a:lstStyle/>
           <a:p>
             <a:r>
-              <a:rPr lang="en-US" dirty="0" smtClean="0"/>
+              <a:rPr lang="en-US" dirty="0"/>
               <a:t>So how do we model something like this?</a:t>
             </a:r>
-            <a:endParaRPr lang="en-US" dirty="0"/>
           </a:p>
         </p:txBody>
       </p:sp>
@@ -20062,7 +20082,7 @@
               <a:buChar char="•"/>
             </a:pPr>
             <a:r>
-              <a:rPr lang="en-US" dirty="0" smtClean="0">
+              <a:rPr lang="en-US" dirty="0">
                 <a:solidFill>
                   <a:schemeClr val="bg1"/>
                 </a:solidFill>
@@ -20076,7 +20096,7 @@
               <a:buChar char="•"/>
             </a:pPr>
             <a:r>
-              <a:rPr lang="en-US" dirty="0" smtClean="0">
+              <a:rPr lang="en-US" dirty="0">
                 <a:solidFill>
                   <a:schemeClr val="bg1"/>
                 </a:solidFill>
@@ -20090,18 +20110,13 @@
               <a:buChar char="•"/>
             </a:pPr>
             <a:r>
-              <a:rPr lang="en-US" dirty="0" smtClean="0">
+              <a:rPr lang="en-US" dirty="0">
                 <a:solidFill>
                   <a:schemeClr val="bg1"/>
                 </a:solidFill>
               </a:rPr>
               <a:t>Pretty sure it is not stationary</a:t>
             </a:r>
-            <a:endParaRPr lang="en-US" dirty="0">
-              <a:solidFill>
-                <a:schemeClr val="bg1"/>
-              </a:solidFill>
-            </a:endParaRPr>
           </a:p>
         </p:txBody>
       </p:sp>
@@ -20181,18 +20196,9 @@
           <a:lstStyle/>
           <a:p>
             <a:r>
-              <a:rPr lang="en-US" dirty="0" smtClean="0"/>
-              <a:t>Make it </a:t>
-            </a:r>
-            <a:r>
-              <a:rPr lang="en-US" dirty="0" err="1" smtClean="0"/>
-              <a:t>staionary</a:t>
-            </a:r>
-            <a:r>
-              <a:rPr lang="en-US" dirty="0" smtClean="0"/>
-              <a:t>!</a:t>
-            </a:r>
-            <a:endParaRPr lang="en-US" dirty="0"/>
+              <a:rPr lang="en-US" dirty="0"/>
+              <a:t>Make it stationary!</a:t>
+            </a:r>
           </a:p>
         </p:txBody>
       </p:sp>
@@ -20212,31 +20218,30 @@
           <a:lstStyle/>
           <a:p>
             <a:r>
-              <a:rPr lang="en-US" dirty="0" smtClean="0"/>
+              <a:rPr lang="en-US" dirty="0"/>
               <a:t>What does stationary mean anyway</a:t>
             </a:r>
           </a:p>
           <a:p>
             <a:pPr lvl="1"/>
             <a:r>
-              <a:rPr lang="en-US" dirty="0" smtClean="0"/>
+              <a:rPr lang="en-US" dirty="0"/>
               <a:t>Separate lecture</a:t>
             </a:r>
           </a:p>
           <a:p>
             <a:pPr lvl="1"/>
             <a:r>
-              <a:rPr lang="en-US" dirty="0" smtClean="0"/>
+              <a:rPr lang="en-US" dirty="0"/>
               <a:t>Short answer: Apply Dickey-Fuller Test</a:t>
             </a:r>
           </a:p>
           <a:p>
             <a:pPr lvl="1"/>
             <a:r>
-              <a:rPr lang="en-US" dirty="0" smtClean="0"/>
+              <a:rPr lang="en-US" dirty="0"/>
               <a:t>Shorter answer No Trends!</a:t>
             </a:r>
-            <a:endParaRPr lang="en-US" dirty="0"/>
           </a:p>
         </p:txBody>
       </p:sp>
@@ -20284,10 +20289,9 @@
           <a:lstStyle/>
           <a:p>
             <a:r>
-              <a:rPr lang="en-US" dirty="0" smtClean="0"/>
+              <a:rPr lang="en-US" dirty="0"/>
               <a:t>Look at our Example</a:t>
             </a:r>
-            <a:endParaRPr lang="en-US" dirty="0"/>
           </a:p>
         </p:txBody>
       </p:sp>
@@ -20346,7 +20350,7 @@
           <a:lstStyle/>
           <a:p>
             <a:r>
-              <a:rPr lang="en-US" dirty="0" smtClean="0">
+              <a:rPr lang="en-US" dirty="0">
                 <a:solidFill>
                   <a:schemeClr val="bg1"/>
                 </a:solidFill>
@@ -20355,7 +20359,7 @@
             </a:r>
           </a:p>
           <a:p>
-            <a:endParaRPr lang="en-US" dirty="0" smtClean="0">
+            <a:endParaRPr lang="en-US" dirty="0">
               <a:solidFill>
                 <a:schemeClr val="bg1"/>
               </a:solidFill>
@@ -20363,18 +20367,13 @@
           </a:p>
           <a:p>
             <a:r>
-              <a:rPr lang="en-US" dirty="0" smtClean="0">
+              <a:rPr lang="en-US" dirty="0">
                 <a:solidFill>
                   <a:schemeClr val="bg1"/>
                 </a:solidFill>
               </a:rPr>
               <a:t>Test Statistic is greater than critical value(s)</a:t>
             </a:r>
-            <a:endParaRPr lang="en-US" dirty="0">
-              <a:solidFill>
-                <a:schemeClr val="bg1"/>
-              </a:solidFill>
-            </a:endParaRPr>
           </a:p>
         </p:txBody>
       </p:sp>
@@ -20479,18 +20478,13 @@
           <a:lstStyle/>
           <a:p>
             <a:r>
-              <a:rPr lang="en-US" dirty="0" smtClean="0">
+              <a:rPr lang="en-US" dirty="0">
                 <a:solidFill>
                   <a:schemeClr val="bg1"/>
                 </a:solidFill>
               </a:rPr>
               <a:t>‘Lags’ is just the number of values to compute rolling statistics.  In this case 12(+1)</a:t>
             </a:r>
-            <a:endParaRPr lang="en-US" dirty="0">
-              <a:solidFill>
-                <a:schemeClr val="bg1"/>
-              </a:solidFill>
-            </a:endParaRPr>
           </a:p>
         </p:txBody>
       </p:sp>
@@ -20538,10 +20532,9 @@
           <a:lstStyle/>
           <a:p>
             <a:r>
-              <a:rPr lang="en-US" dirty="0" smtClean="0"/>
+              <a:rPr lang="en-US" dirty="0"/>
               <a:t>Let’s get rid of the mean</a:t>
             </a:r>
-            <a:endParaRPr lang="en-US" dirty="0"/>
           </a:p>
         </p:txBody>
       </p:sp>
@@ -20568,7 +20561,7 @@
           <a:lstStyle/>
           <a:p>
             <a:r>
-              <a:rPr lang="en-US" dirty="0" smtClean="0">
+              <a:rPr lang="en-US" dirty="0">
                 <a:solidFill>
                   <a:schemeClr val="bg1"/>
                 </a:solidFill>
@@ -20577,7 +20570,7 @@
             </a:r>
           </a:p>
           <a:p>
-            <a:endParaRPr lang="en-US" dirty="0" smtClean="0">
+            <a:endParaRPr lang="en-US" dirty="0">
               <a:solidFill>
                 <a:schemeClr val="bg1"/>
               </a:solidFill>
@@ -20585,7 +20578,7 @@
           </a:p>
           <a:p>
             <a:r>
-              <a:rPr lang="en-US" dirty="0" smtClean="0">
+              <a:rPr lang="en-US" dirty="0">
                 <a:solidFill>
                   <a:schemeClr val="bg1"/>
                 </a:solidFill>
@@ -20594,7 +20587,7 @@
             </a:r>
           </a:p>
           <a:p>
-            <a:endParaRPr lang="en-US" dirty="0" smtClean="0">
+            <a:endParaRPr lang="en-US" dirty="0">
               <a:solidFill>
                 <a:schemeClr val="bg1"/>
               </a:solidFill>
@@ -20847,7 +20840,7 @@
   <a:extraClrSchemeLst/>
   <a:extLst>
     <a:ext uri="{05A4C25C-085E-4340-85A3-A5531E510DB2}">
-      <thm15:themeFamily xmlns="" xmlns:thm15="http://schemas.microsoft.com/office/thememl/2012/main" name="SMU Campus Template 2016.potx" id="{5BB5FD36-020D-4A45-9F7E-7A10706E850B}" vid="{D50E9D77-49AA-4337-8F05-E04A2AB071FD}"/>
+      <thm15:themeFamily xmlns:thm15="http://schemas.microsoft.com/office/thememl/2012/main" name="SMU Campus Template 2016.potx" id="{5BB5FD36-020D-4A45-9F7E-7A10706E850B}" vid="{D50E9D77-49AA-4337-8F05-E04A2AB071FD}"/>
     </a:ext>
   </a:extLst>
 </a:theme>
@@ -21048,7 +21041,7 @@
   <a:extraClrSchemeLst/>
   <a:extLst>
     <a:ext uri="{05A4C25C-085E-4340-85A3-A5531E510DB2}">
-      <thm15:themeFamily xmlns="" xmlns:thm15="http://schemas.microsoft.com/office/thememl/2012/main" name="SMUThemeJune2017" id="{6CE5CF7F-E433-47EC-B4C3-42CCD5B87159}" vid="{98A82494-0B3C-4361-A89B-532B84D7F14C}"/>
+      <thm15:themeFamily xmlns:thm15="http://schemas.microsoft.com/office/thememl/2012/main" name="SMUThemeJune2017" id="{6CE5CF7F-E433-47EC-B4C3-42CCD5B87159}" vid="{98A82494-0B3C-4361-A89B-532B84D7F14C}"/>
     </a:ext>
   </a:extLst>
 </a:theme>
@@ -21774,18 +21767,18 @@
 </file>
 
 <file path=customXml/item2.xml><?xml version="1.0" encoding="utf-8"?>
+<p:properties xmlns:p="http://schemas.microsoft.com/office/2006/metadata/properties" xmlns:xsi="http://www.w3.org/2001/XMLSchema-instance" xmlns:pc="http://schemas.microsoft.com/office/infopath/2007/PartnerControls">
+  <documentManagement/>
+</p:properties>
+</file>
+
+<file path=customXml/item3.xml><?xml version="1.0" encoding="utf-8"?>
 <?mso-contentType ?>
 <FormTemplates xmlns="http://schemas.microsoft.com/sharepoint/v3/contenttype/forms">
   <Display>DocumentLibraryForm</Display>
   <Edit>DocumentLibraryForm</Edit>
   <New>DocumentLibraryForm</New>
 </FormTemplates>
-</file>
-
-<file path=customXml/item3.xml><?xml version="1.0" encoding="utf-8"?>
-<p:properties xmlns:p="http://schemas.microsoft.com/office/2006/metadata/properties" xmlns:xsi="http://www.w3.org/2001/XMLSchema-instance" xmlns:pc="http://schemas.microsoft.com/office/infopath/2007/PartnerControls">
-  <documentManagement/>
-</p:properties>
 </file>
 
 <file path=customXml/itemProps1.xml><?xml version="1.0" encoding="utf-8"?>
@@ -21805,14 +21798,6 @@
 </file>
 
 <file path=customXml/itemProps2.xml><?xml version="1.0" encoding="utf-8"?>
-<ds:datastoreItem xmlns:ds="http://schemas.openxmlformats.org/officeDocument/2006/customXml" ds:itemID="{09C28EF2-5F72-4F36-9FAB-E29A52179F4E}">
-  <ds:schemaRefs>
-    <ds:schemaRef ds:uri="http://schemas.microsoft.com/sharepoint/v3/contenttype/forms"/>
-  </ds:schemaRefs>
-</ds:datastoreItem>
-</file>
-
-<file path=customXml/itemProps3.xml><?xml version="1.0" encoding="utf-8"?>
 <ds:datastoreItem xmlns:ds="http://schemas.openxmlformats.org/officeDocument/2006/customXml" ds:itemID="{7F30D25C-2B8C-4E8E-A3EA-861E33399DB6}">
   <ds:schemaRefs>
     <ds:schemaRef ds:uri="http://schemas.microsoft.com/office/2006/metadata/properties"/>
@@ -21825,4 +21810,12 @@
     <ds:schemaRef ds:uri="http://purl.org/dc/terms/"/>
   </ds:schemaRefs>
 </ds:datastoreItem>
+</file>
+
+<file path=customXml/itemProps3.xml><?xml version="1.0" encoding="utf-8"?>
+<ds:datastoreItem xmlns:ds="http://schemas.openxmlformats.org/officeDocument/2006/customXml" ds:itemID="{09C28EF2-5F72-4F36-9FAB-E29A52179F4E}">
+  <ds:schemaRefs>
+    <ds:schemaRef ds:uri="http://schemas.microsoft.com/sharepoint/v3/contenttype/forms"/>
+  </ds:schemaRefs>
+</ds:datastoreItem>
 </file>